--- a/ANGULAR 7 FEATURES.pptx
+++ b/ANGULAR 7 FEATURES.pptx
@@ -1,53 +1,50 @@
 
 <file path=ppt/presentation.xml><?xml version="1.0" encoding="utf-8"?>
-<p:presentation xmlns:p="http://schemas.openxmlformats.org/presentationml/2006/main" xmlns:r="http://schemas.openxmlformats.org/officeDocument/2006/relationships" xmlns:a="http://schemas.openxmlformats.org/drawingml/2006/main" saveSubsetFonts="1">
+<p:presentation xmlns:a="http://schemas.openxmlformats.org/drawingml/2006/main" xmlns:r="http://schemas.openxmlformats.org/officeDocument/2006/relationships" xmlns:p="http://schemas.openxmlformats.org/presentationml/2006/main" saveSubsetFonts="1">
   <p:sldMasterIdLst>
-    <p:sldMasterId id="2147483648" r:id="rId1"/>
+    <p:sldMasterId id="2147483660" r:id="rId1"/>
   </p:sldMasterIdLst>
-  <p:notesMasterIdLst>
-    <p:notesMasterId r:id="rId2"/>
-  </p:notesMasterIdLst>
   <p:sldIdLst>
-    <p:sldId id="256" r:id="rId3"/>
-    <p:sldId id="257" r:id="rId4"/>
-    <p:sldId id="258" r:id="rId5"/>
-    <p:sldId id="259" r:id="rId6"/>
-    <p:sldId id="260" r:id="rId7"/>
-    <p:sldId id="261" r:id="rId8"/>
-    <p:sldId id="262" r:id="rId9"/>
-    <p:sldId id="263" r:id="rId10"/>
-    <p:sldId id="264" r:id="rId11"/>
-    <p:sldId id="265" r:id="rId12"/>
-    <p:sldId id="266" r:id="rId13"/>
-    <p:sldId id="267" r:id="rId14"/>
-    <p:sldId id="268" r:id="rId15"/>
-    <p:sldId id="269" r:id="rId16"/>
-    <p:sldId id="270" r:id="rId17"/>
-    <p:sldId id="271" r:id="rId18"/>
-    <p:sldId id="272" r:id="rId19"/>
-    <p:sldId id="273" r:id="rId20"/>
-    <p:sldId id="274" r:id="rId21"/>
-    <p:sldId id="275" r:id="rId22"/>
-    <p:sldId id="276" r:id="rId23"/>
-    <p:sldId id="277" r:id="rId24"/>
-    <p:sldId id="278" r:id="rId25"/>
-    <p:sldId id="279" r:id="rId26"/>
-    <p:sldId id="280" r:id="rId27"/>
-    <p:sldId id="281" r:id="rId28"/>
-    <p:sldId id="282" r:id="rId29"/>
-    <p:sldId id="283" r:id="rId30"/>
-    <p:sldId id="284" r:id="rId31"/>
-    <p:sldId id="285" r:id="rId32"/>
-    <p:sldId id="286" r:id="rId33"/>
-    <p:sldId id="287" r:id="rId34"/>
+    <p:sldId id="256" r:id="rId2"/>
+    <p:sldId id="257" r:id="rId3"/>
+    <p:sldId id="258" r:id="rId4"/>
+    <p:sldId id="259" r:id="rId5"/>
+    <p:sldId id="260" r:id="rId6"/>
+    <p:sldId id="261" r:id="rId7"/>
+    <p:sldId id="262" r:id="rId8"/>
+    <p:sldId id="263" r:id="rId9"/>
+    <p:sldId id="264" r:id="rId10"/>
+    <p:sldId id="265" r:id="rId11"/>
+    <p:sldId id="266" r:id="rId12"/>
+    <p:sldId id="267" r:id="rId13"/>
+    <p:sldId id="268" r:id="rId14"/>
+    <p:sldId id="269" r:id="rId15"/>
+    <p:sldId id="270" r:id="rId16"/>
+    <p:sldId id="271" r:id="rId17"/>
+    <p:sldId id="272" r:id="rId18"/>
+    <p:sldId id="273" r:id="rId19"/>
+    <p:sldId id="274" r:id="rId20"/>
+    <p:sldId id="275" r:id="rId21"/>
+    <p:sldId id="276" r:id="rId22"/>
+    <p:sldId id="277" r:id="rId23"/>
+    <p:sldId id="278" r:id="rId24"/>
+    <p:sldId id="279" r:id="rId25"/>
+    <p:sldId id="280" r:id="rId26"/>
+    <p:sldId id="281" r:id="rId27"/>
+    <p:sldId id="282" r:id="rId28"/>
+    <p:sldId id="283" r:id="rId29"/>
+    <p:sldId id="284" r:id="rId30"/>
+    <p:sldId id="285" r:id="rId31"/>
+    <p:sldId id="286" r:id="rId32"/>
+    <p:sldId id="287" r:id="rId33"/>
   </p:sldIdLst>
-  <p:sldSz type="screen4x3" cy="6858000" cx="9144000"/>
+  <p:sldSz cx="9144000" cy="6858000" type="screen4x3"/>
   <p:notesSz cx="6858000" cy="9144000"/>
   <p:defaultTextStyle>
     <a:defPPr>
       <a:defRPr lang="en-US"/>
     </a:defPPr>
-    <a:lvl1pPr algn="l" defTabSz="914400" eaLnBrk="1" hangingPunct="1" latinLnBrk="0" marL="0" rtl="0">
+    <a:lvl1pPr marL="0" algn="l" defTabSz="914400" rtl="0" eaLnBrk="1" latinLnBrk="0" hangingPunct="1">
       <a:defRPr sz="1800" kern="1200">
         <a:solidFill>
           <a:schemeClr val="tx1"/>
@@ -57,7 +54,7 @@
         <a:cs typeface="+mn-cs"/>
       </a:defRPr>
     </a:lvl1pPr>
-    <a:lvl2pPr algn="l" defTabSz="914400" eaLnBrk="1" hangingPunct="1" latinLnBrk="0" marL="457200" rtl="0">
+    <a:lvl2pPr marL="457200" algn="l" defTabSz="914400" rtl="0" eaLnBrk="1" latinLnBrk="0" hangingPunct="1">
       <a:defRPr sz="1800" kern="1200">
         <a:solidFill>
           <a:schemeClr val="tx1"/>
@@ -67,7 +64,7 @@
         <a:cs typeface="+mn-cs"/>
       </a:defRPr>
     </a:lvl2pPr>
-    <a:lvl3pPr algn="l" defTabSz="914400" eaLnBrk="1" hangingPunct="1" latinLnBrk="0" marL="914400" rtl="0">
+    <a:lvl3pPr marL="914400" algn="l" defTabSz="914400" rtl="0" eaLnBrk="1" latinLnBrk="0" hangingPunct="1">
       <a:defRPr sz="1800" kern="1200">
         <a:solidFill>
           <a:schemeClr val="tx1"/>
@@ -77,7 +74,7 @@
         <a:cs typeface="+mn-cs"/>
       </a:defRPr>
     </a:lvl3pPr>
-    <a:lvl4pPr algn="l" defTabSz="914400" eaLnBrk="1" hangingPunct="1" latinLnBrk="0" marL="1371600" rtl="0">
+    <a:lvl4pPr marL="1371600" algn="l" defTabSz="914400" rtl="0" eaLnBrk="1" latinLnBrk="0" hangingPunct="1">
       <a:defRPr sz="1800" kern="1200">
         <a:solidFill>
           <a:schemeClr val="tx1"/>
@@ -87,7 +84,7 @@
         <a:cs typeface="+mn-cs"/>
       </a:defRPr>
     </a:lvl4pPr>
-    <a:lvl5pPr algn="l" defTabSz="914400" eaLnBrk="1" hangingPunct="1" latinLnBrk="0" marL="1828800" rtl="0">
+    <a:lvl5pPr marL="1828800" algn="l" defTabSz="914400" rtl="0" eaLnBrk="1" latinLnBrk="0" hangingPunct="1">
       <a:defRPr sz="1800" kern="1200">
         <a:solidFill>
           <a:schemeClr val="tx1"/>
@@ -97,7 +94,7 @@
         <a:cs typeface="+mn-cs"/>
       </a:defRPr>
     </a:lvl5pPr>
-    <a:lvl6pPr algn="l" defTabSz="914400" eaLnBrk="1" hangingPunct="1" latinLnBrk="0" marL="2286000" rtl="0">
+    <a:lvl6pPr marL="2286000" algn="l" defTabSz="914400" rtl="0" eaLnBrk="1" latinLnBrk="0" hangingPunct="1">
       <a:defRPr sz="1800" kern="1200">
         <a:solidFill>
           <a:schemeClr val="tx1"/>
@@ -107,7 +104,7 @@
         <a:cs typeface="+mn-cs"/>
       </a:defRPr>
     </a:lvl6pPr>
-    <a:lvl7pPr algn="l" defTabSz="914400" eaLnBrk="1" hangingPunct="1" latinLnBrk="0" marL="2743200" rtl="0">
+    <a:lvl7pPr marL="2743200" algn="l" defTabSz="914400" rtl="0" eaLnBrk="1" latinLnBrk="0" hangingPunct="1">
       <a:defRPr sz="1800" kern="1200">
         <a:solidFill>
           <a:schemeClr val="tx1"/>
@@ -117,7 +114,7 @@
         <a:cs typeface="+mn-cs"/>
       </a:defRPr>
     </a:lvl7pPr>
-    <a:lvl8pPr algn="l" defTabSz="914400" eaLnBrk="1" hangingPunct="1" latinLnBrk="0" marL="3200400" rtl="0">
+    <a:lvl8pPr marL="3200400" algn="l" defTabSz="914400" rtl="0" eaLnBrk="1" latinLnBrk="0" hangingPunct="1">
       <a:defRPr sz="1800" kern="1200">
         <a:solidFill>
           <a:schemeClr val="tx1"/>
@@ -127,7 +124,7 @@
         <a:cs typeface="+mn-cs"/>
       </a:defRPr>
     </a:lvl8pPr>
-    <a:lvl9pPr algn="l" defTabSz="914400" eaLnBrk="1" hangingPunct="1" latinLnBrk="0" marL="3657600" rtl="0">
+    <a:lvl9pPr marL="3657600" algn="l" defTabSz="914400" rtl="0" eaLnBrk="1" latinLnBrk="0" hangingPunct="1">
       <a:defRPr sz="1800" kern="1200">
         <a:solidFill>
           <a:schemeClr val="tx1"/>
@@ -141,19 +138,12 @@
 </p:presentation>
 </file>
 
-<file path=ppt/notesMasters/notesMaster1.xml><?xml version="1.0" encoding="utf-8"?>
-<p:notesMaster xmlns:a="http://schemas.openxmlformats.org/drawingml/2006/main" xmlns:r="http://schemas.openxmlformats.org/officeDocument/2006/relationships" xmlns:p="http://schemas.openxmlformats.org/presentationml/2006/main">
-  <p:cSld>
-    <p:bg>
-      <p:bgPr>
-        <a:solidFill>
-          <a:schemeClr val="bg1"/>
-        </a:solidFill>
-      </p:bgPr>
-    </p:bg>
+<file path=ppt/slideLayouts/slideLayout1.xml><?xml version="1.0" encoding="utf-8"?>
+<p:sldLayout xmlns:a="http://schemas.openxmlformats.org/drawingml/2006/main" xmlns:r="http://schemas.openxmlformats.org/officeDocument/2006/relationships" xmlns:p="http://schemas.openxmlformats.org/presentationml/2006/main" type="title" preserve="1">
+  <p:cSld name="Title Slide">
     <p:spTree>
       <p:nvGrpSpPr>
-        <p:cNvPr id="89" name=""/>
+        <p:cNvPr id="1" name=""/>
         <p:cNvGrpSpPr/>
         <p:nvPr/>
       </p:nvGrpSpPr>
@@ -167,406 +157,7 @@
       </p:grpSpPr>
       <p:sp>
         <p:nvSpPr>
-          <p:cNvPr id="1048698" name="Rectangle 2"/>
-          <p:cNvSpPr>
-            <a:spLocks noGrp="1" noChangeArrowheads="1"/>
-          </p:cNvSpPr>
-          <p:nvPr>
-            <p:ph type="hdr" sz="quarter"/>
-          </p:nvPr>
-        </p:nvSpPr>
-        <p:spPr bwMode="auto">
-          <a:xfrm>
-            <a:off x="2" y="1"/>
-            <a:ext cx="3076575" cy="512763"/>
-          </a:xfrm>
-          <a:prstGeom prst="rect"/>
-          <a:noFill/>
-          <a:ln w="9525">
-            <a:noFill/>
-            <a:miter lim="800000"/>
-            <a:headEnd/>
-            <a:tailEnd/>
-          </a:ln>
-          <a:effectLst/>
-        </p:spPr>
-        <p:txBody>
-          <a:bodyPr anchor="t" anchorCtr="0" bIns="45745" compatLnSpc="1" lIns="91492" numCol="1" rIns="91492" tIns="45745" vert="horz" wrap="square">
-            <a:prstTxWarp prst="textNoShape"/>
-          </a:bodyPr>
-          <a:lstStyle>
-            <a:lvl1pPr algn="l">
-              <a:defRPr sz="1100"/>
-            </a:lvl1pPr>
-          </a:lstStyle>
-          <a:p>
-            <a:endParaRPr lang="en-US"/>
-          </a:p>
-        </p:txBody>
-      </p:sp>
-      <p:sp>
-        <p:nvSpPr>
-          <p:cNvPr id="1048699" name="Rectangle 3"/>
-          <p:cNvSpPr>
-            <a:spLocks noGrp="1" noChangeArrowheads="1"/>
-          </p:cNvSpPr>
-          <p:nvPr>
-            <p:ph type="dt" idx="1"/>
-          </p:nvPr>
-        </p:nvSpPr>
-        <p:spPr bwMode="auto">
-          <a:xfrm>
-            <a:off x="4021139" y="1"/>
-            <a:ext cx="3076575" cy="512763"/>
-          </a:xfrm>
-          <a:prstGeom prst="rect"/>
-          <a:noFill/>
-          <a:ln w="9525">
-            <a:noFill/>
-            <a:miter lim="800000"/>
-            <a:headEnd/>
-            <a:tailEnd/>
-          </a:ln>
-          <a:effectLst/>
-        </p:spPr>
-        <p:txBody>
-          <a:bodyPr anchor="t" anchorCtr="0" bIns="45745" compatLnSpc="1" lIns="91492" numCol="1" rIns="91492" tIns="45745" vert="horz" wrap="square">
-            <a:prstTxWarp prst="textNoShape"/>
-          </a:bodyPr>
-          <a:lstStyle>
-            <a:lvl1pPr algn="r">
-              <a:defRPr sz="1100"/>
-            </a:lvl1pPr>
-          </a:lstStyle>
-          <a:p>
-            <a:endParaRPr lang="en-US"/>
-          </a:p>
-        </p:txBody>
-      </p:sp>
-      <p:sp>
-        <p:nvSpPr>
-          <p:cNvPr id="1048700" name="Rectangle 4"/>
-          <p:cNvSpPr>
-            <a:spLocks noChangeAspect="1" noRot="1" noGrp="1" noChangeArrowheads="1" noTextEdit="1"/>
-          </p:cNvSpPr>
-          <p:nvPr>
-            <p:ph type="sldImg" idx="2"/>
-          </p:nvPr>
-        </p:nvSpPr>
-        <p:spPr bwMode="auto">
-          <a:xfrm>
-            <a:off x="990600" y="766763"/>
-            <a:ext cx="5118100" cy="3838575"/>
-          </a:xfrm>
-          <a:prstGeom prst="rect"/>
-          <a:noFill/>
-          <a:ln w="9525">
-            <a:solidFill>
-              <a:srgbClr val="000000"/>
-            </a:solidFill>
-            <a:miter lim="800000"/>
-            <a:headEnd/>
-            <a:tailEnd/>
-          </a:ln>
-          <a:effectLst/>
-        </p:spPr>
-      </p:sp>
-      <p:sp>
-        <p:nvSpPr>
-          <p:cNvPr id="1048701" name="Rectangle 5"/>
-          <p:cNvSpPr>
-            <a:spLocks noGrp="1" noChangeArrowheads="1"/>
-          </p:cNvSpPr>
-          <p:nvPr>
-            <p:ph type="body" sz="quarter" idx="3"/>
-          </p:nvPr>
-        </p:nvSpPr>
-        <p:spPr bwMode="auto">
-          <a:xfrm>
-            <a:off x="709614" y="4862514"/>
-            <a:ext cx="5680075" cy="4605337"/>
-          </a:xfrm>
-          <a:prstGeom prst="rect"/>
-          <a:noFill/>
-          <a:ln w="9525">
-            <a:noFill/>
-            <a:miter lim="800000"/>
-            <a:headEnd/>
-            <a:tailEnd/>
-          </a:ln>
-          <a:effectLst/>
-        </p:spPr>
-        <p:txBody>
-          <a:bodyPr anchor="t" anchorCtr="0" bIns="45745" compatLnSpc="1" lIns="91492" numCol="1" rIns="91492" tIns="45745" vert="horz" wrap="square">
-            <a:prstTxWarp prst="textNoShape"/>
-          </a:bodyPr>
-          <a:p>
-            <a:pPr lvl="0"/>
-            <a:r>
-              <a:rPr lang="en-US" smtClean="0"/>
-              <a:t>Click to edit Master text styles</a:t>
-            </a:r>
-          </a:p>
-          <a:p>
-            <a:pPr lvl="1"/>
-            <a:r>
-              <a:rPr lang="en-US" smtClean="0"/>
-              <a:t>Second level</a:t>
-            </a:r>
-          </a:p>
-          <a:p>
-            <a:pPr lvl="2"/>
-            <a:r>
-              <a:rPr lang="en-US" smtClean="0"/>
-              <a:t>Third level</a:t>
-            </a:r>
-          </a:p>
-          <a:p>
-            <a:pPr lvl="3"/>
-            <a:r>
-              <a:rPr lang="en-US" smtClean="0"/>
-              <a:t>Fourth level</a:t>
-            </a:r>
-          </a:p>
-          <a:p>
-            <a:pPr lvl="4"/>
-            <a:r>
-              <a:rPr lang="en-US" smtClean="0"/>
-              <a:t>Fifth level</a:t>
-            </a:r>
-          </a:p>
-        </p:txBody>
-      </p:sp>
-      <p:sp>
-        <p:nvSpPr>
-          <p:cNvPr id="1048702" name="Rectangle 6"/>
-          <p:cNvSpPr>
-            <a:spLocks noGrp="1" noChangeArrowheads="1"/>
-          </p:cNvSpPr>
-          <p:nvPr>
-            <p:ph type="ftr" sz="quarter" idx="4"/>
-          </p:nvPr>
-        </p:nvSpPr>
-        <p:spPr bwMode="auto">
-          <a:xfrm>
-            <a:off x="2" y="9720264"/>
-            <a:ext cx="3076575" cy="512762"/>
-          </a:xfrm>
-          <a:prstGeom prst="rect"/>
-          <a:noFill/>
-          <a:ln w="9525">
-            <a:noFill/>
-            <a:miter lim="800000"/>
-            <a:headEnd/>
-            <a:tailEnd/>
-          </a:ln>
-          <a:effectLst/>
-        </p:spPr>
-        <p:txBody>
-          <a:bodyPr anchor="b" anchorCtr="0" bIns="45745" compatLnSpc="1" lIns="91492" numCol="1" rIns="91492" tIns="45745" vert="horz" wrap="square">
-            <a:prstTxWarp prst="textNoShape"/>
-          </a:bodyPr>
-          <a:lstStyle>
-            <a:lvl1pPr algn="l">
-              <a:defRPr sz="1100"/>
-            </a:lvl1pPr>
-          </a:lstStyle>
-          <a:p>
-            <a:endParaRPr lang="en-US"/>
-          </a:p>
-        </p:txBody>
-      </p:sp>
-      <p:sp>
-        <p:nvSpPr>
-          <p:cNvPr id="1048703" name="Rectangle 7"/>
-          <p:cNvSpPr>
-            <a:spLocks noGrp="1" noChangeArrowheads="1"/>
-          </p:cNvSpPr>
-          <p:nvPr>
-            <p:ph type="sldNum" sz="quarter" idx="5"/>
-          </p:nvPr>
-        </p:nvSpPr>
-        <p:spPr bwMode="auto">
-          <a:xfrm>
-            <a:off x="4021139" y="9720264"/>
-            <a:ext cx="3076575" cy="512762"/>
-          </a:xfrm>
-          <a:prstGeom prst="rect"/>
-          <a:noFill/>
-          <a:ln w="9525">
-            <a:noFill/>
-            <a:miter lim="800000"/>
-            <a:headEnd/>
-            <a:tailEnd/>
-          </a:ln>
-          <a:effectLst/>
-        </p:spPr>
-        <p:txBody>
-          <a:bodyPr anchor="b" anchorCtr="0" bIns="45745" compatLnSpc="1" lIns="91492" numCol="1" rIns="91492" tIns="45745" vert="horz" wrap="square">
-            <a:prstTxWarp prst="textNoShape"/>
-          </a:bodyPr>
-          <a:lstStyle>
-            <a:lvl1pPr algn="r">
-              <a:defRPr sz="1100"/>
-            </a:lvl1pPr>
-          </a:lstStyle>
-          <a:p>
-            <a:fld id="{A9A0EA98-5831-4853-B862-C702E6EB345C}" type="slidenum">
-              <a:rPr lang="en-US"/>
-              <a:t>‹#›</a:t>
-            </a:fld>
-            <a:endParaRPr lang="en-US"/>
-          </a:p>
-        </p:txBody>
-      </p:sp>
-    </p:spTree>
-  </p:cSld>
-  <p:clrMap accent1="accent1" accent2="accent2" accent3="accent3" accent4="accent4" accent5="accent5" accent6="accent6" bg1="lt1" bg2="lt2" tx1="dk1" tx2="dk2" hlink="hlink" folHlink="folHlink"/>
-  <p:notesStyle>
-    <a:lvl1pPr algn="l" fontAlgn="base" rtl="0">
-      <a:spcBef>
-        <a:spcPct val="30000"/>
-      </a:spcBef>
-      <a:spcAft>
-        <a:spcPct val="0"/>
-      </a:spcAft>
-      <a:defRPr sz="1200" kern="1200">
-        <a:solidFill>
-          <a:schemeClr val="tx1"/>
-        </a:solidFill>
-        <a:latin typeface="Arial" charset="0"/>
-        <a:ea typeface="+mn-ea"/>
-        <a:cs typeface="+mn-cs"/>
-      </a:defRPr>
-    </a:lvl1pPr>
-    <a:lvl2pPr algn="l" fontAlgn="base" marL="457200" rtl="0">
-      <a:spcBef>
-        <a:spcPct val="30000"/>
-      </a:spcBef>
-      <a:spcAft>
-        <a:spcPct val="0"/>
-      </a:spcAft>
-      <a:defRPr sz="1200" kern="1200">
-        <a:solidFill>
-          <a:schemeClr val="tx1"/>
-        </a:solidFill>
-        <a:latin typeface="Arial" charset="0"/>
-        <a:ea typeface="+mn-ea"/>
-        <a:cs typeface="+mn-cs"/>
-      </a:defRPr>
-    </a:lvl2pPr>
-    <a:lvl3pPr algn="l" fontAlgn="base" marL="914400" rtl="0">
-      <a:spcBef>
-        <a:spcPct val="30000"/>
-      </a:spcBef>
-      <a:spcAft>
-        <a:spcPct val="0"/>
-      </a:spcAft>
-      <a:defRPr sz="1200" kern="1200">
-        <a:solidFill>
-          <a:schemeClr val="tx1"/>
-        </a:solidFill>
-        <a:latin typeface="Arial" charset="0"/>
-        <a:ea typeface="+mn-ea"/>
-        <a:cs typeface="+mn-cs"/>
-      </a:defRPr>
-    </a:lvl3pPr>
-    <a:lvl4pPr algn="l" fontAlgn="base" marL="1371600" rtl="0">
-      <a:spcBef>
-        <a:spcPct val="30000"/>
-      </a:spcBef>
-      <a:spcAft>
-        <a:spcPct val="0"/>
-      </a:spcAft>
-      <a:defRPr sz="1200" kern="1200">
-        <a:solidFill>
-          <a:schemeClr val="tx1"/>
-        </a:solidFill>
-        <a:latin typeface="Arial" charset="0"/>
-        <a:ea typeface="+mn-ea"/>
-        <a:cs typeface="+mn-cs"/>
-      </a:defRPr>
-    </a:lvl4pPr>
-    <a:lvl5pPr algn="l" fontAlgn="base" marL="1828800" rtl="0">
-      <a:spcBef>
-        <a:spcPct val="30000"/>
-      </a:spcBef>
-      <a:spcAft>
-        <a:spcPct val="0"/>
-      </a:spcAft>
-      <a:defRPr sz="1200" kern="1200">
-        <a:solidFill>
-          <a:schemeClr val="tx1"/>
-        </a:solidFill>
-        <a:latin typeface="Arial" charset="0"/>
-        <a:ea typeface="+mn-ea"/>
-        <a:cs typeface="+mn-cs"/>
-      </a:defRPr>
-    </a:lvl5pPr>
-    <a:lvl6pPr algn="l" defTabSz="914400" eaLnBrk="1" hangingPunct="1" latinLnBrk="0" marL="2286000" rtl="0">
-      <a:defRPr sz="1200" kern="1200">
-        <a:solidFill>
-          <a:schemeClr val="tx1"/>
-        </a:solidFill>
-        <a:latin typeface="+mn-lt"/>
-        <a:ea typeface="+mn-ea"/>
-        <a:cs typeface="+mn-cs"/>
-      </a:defRPr>
-    </a:lvl6pPr>
-    <a:lvl7pPr algn="l" defTabSz="914400" eaLnBrk="1" hangingPunct="1" latinLnBrk="0" marL="2743200" rtl="0">
-      <a:defRPr sz="1200" kern="1200">
-        <a:solidFill>
-          <a:schemeClr val="tx1"/>
-        </a:solidFill>
-        <a:latin typeface="+mn-lt"/>
-        <a:ea typeface="+mn-ea"/>
-        <a:cs typeface="+mn-cs"/>
-      </a:defRPr>
-    </a:lvl7pPr>
-    <a:lvl8pPr algn="l" defTabSz="914400" eaLnBrk="1" hangingPunct="1" latinLnBrk="0" marL="3200400" rtl="0">
-      <a:defRPr sz="1200" kern="1200">
-        <a:solidFill>
-          <a:schemeClr val="tx1"/>
-        </a:solidFill>
-        <a:latin typeface="+mn-lt"/>
-        <a:ea typeface="+mn-ea"/>
-        <a:cs typeface="+mn-cs"/>
-      </a:defRPr>
-    </a:lvl8pPr>
-    <a:lvl9pPr algn="l" defTabSz="914400" eaLnBrk="1" hangingPunct="1" latinLnBrk="0" marL="3657600" rtl="0">
-      <a:defRPr sz="1200" kern="1200">
-        <a:solidFill>
-          <a:schemeClr val="tx1"/>
-        </a:solidFill>
-        <a:latin typeface="+mn-lt"/>
-        <a:ea typeface="+mn-ea"/>
-        <a:cs typeface="+mn-cs"/>
-      </a:defRPr>
-    </a:lvl9pPr>
-  </p:notesStyle>
-</p:notesMaster>
-</file>
-
-<file path=ppt/slideLayouts/slideLayout1.xml><?xml version="1.0" encoding="utf-8"?>
-<p:sldLayout xmlns:a="http://schemas.openxmlformats.org/drawingml/2006/main" xmlns:r="http://schemas.openxmlformats.org/officeDocument/2006/relationships" xmlns:p="http://schemas.openxmlformats.org/presentationml/2006/main" preserve="1" type="title">
-  <p:cSld name="Title Slide">
-    <p:spTree>
-      <p:nvGrpSpPr>
-        <p:cNvPr id="23" name=""/>
-        <p:cNvGrpSpPr/>
-        <p:nvPr/>
-      </p:nvGrpSpPr>
-      <p:grpSpPr>
-        <a:xfrm>
-          <a:off x="0" y="0"/>
-          <a:ext cx="0" cy="0"/>
-          <a:chOff x="0" y="0"/>
-          <a:chExt cx="0" cy="0"/>
-        </a:xfrm>
-      </p:grpSpPr>
-      <p:sp>
-        <p:nvSpPr>
-          <p:cNvPr id="1048583" name="Title 1"/>
+          <p:cNvPr id="2" name="Title 1"/>
           <p:cNvSpPr>
             <a:spLocks noGrp="1"/>
           </p:cNvSpPr>
@@ -599,13 +190,13 @@
               <a:rPr lang="en-US" smtClean="0"/>
               <a:t>Click to edit Master title style</a:t>
             </a:r>
-            <a:endParaRPr dirty="0" lang="en-US"/>
-          </a:p>
-        </p:txBody>
-      </p:sp>
-      <p:sp>
-        <p:nvSpPr>
-          <p:cNvPr id="1048584" name="Subtitle 2"/>
+            <a:endParaRPr lang="en-US" dirty="0"/>
+          </a:p>
+        </p:txBody>
+      </p:sp>
+      <p:sp>
+        <p:nvSpPr>
+          <p:cNvPr id="3" name="Subtitle 2"/>
           <p:cNvSpPr>
             <a:spLocks noGrp="1"/>
           </p:cNvSpPr>
@@ -624,7 +215,7 @@
             <a:normAutofit/>
           </a:bodyPr>
           <a:lstStyle>
-            <a:lvl1pPr algn="l" indent="0" marL="0">
+            <a:lvl1pPr marL="0" indent="0" algn="l">
               <a:buNone/>
               <a:defRPr sz="2000">
                 <a:solidFill>
@@ -634,7 +225,7 @@
                 </a:solidFill>
               </a:defRPr>
             </a:lvl1pPr>
-            <a:lvl2pPr algn="ctr" indent="0" marL="457200">
+            <a:lvl2pPr marL="457200" indent="0" algn="ctr">
               <a:buNone/>
               <a:defRPr>
                 <a:solidFill>
@@ -644,7 +235,7 @@
                 </a:solidFill>
               </a:defRPr>
             </a:lvl2pPr>
-            <a:lvl3pPr algn="ctr" indent="0" marL="914400">
+            <a:lvl3pPr marL="914400" indent="0" algn="ctr">
               <a:buNone/>
               <a:defRPr>
                 <a:solidFill>
@@ -654,7 +245,7 @@
                 </a:solidFill>
               </a:defRPr>
             </a:lvl3pPr>
-            <a:lvl4pPr algn="ctr" indent="0" marL="1371600">
+            <a:lvl4pPr marL="1371600" indent="0" algn="ctr">
               <a:buNone/>
               <a:defRPr>
                 <a:solidFill>
@@ -664,7 +255,7 @@
                 </a:solidFill>
               </a:defRPr>
             </a:lvl4pPr>
-            <a:lvl5pPr algn="ctr" indent="0" marL="1828800">
+            <a:lvl5pPr marL="1828800" indent="0" algn="ctr">
               <a:buNone/>
               <a:defRPr>
                 <a:solidFill>
@@ -674,7 +265,7 @@
                 </a:solidFill>
               </a:defRPr>
             </a:lvl5pPr>
-            <a:lvl6pPr algn="ctr" indent="0" marL="2286000">
+            <a:lvl6pPr marL="2286000" indent="0" algn="ctr">
               <a:buNone/>
               <a:defRPr>
                 <a:solidFill>
@@ -684,7 +275,7 @@
                 </a:solidFill>
               </a:defRPr>
             </a:lvl6pPr>
-            <a:lvl7pPr algn="ctr" indent="0" marL="2743200">
+            <a:lvl7pPr marL="2743200" indent="0" algn="ctr">
               <a:buNone/>
               <a:defRPr>
                 <a:solidFill>
@@ -694,7 +285,7 @@
                 </a:solidFill>
               </a:defRPr>
             </a:lvl7pPr>
-            <a:lvl8pPr algn="ctr" indent="0" marL="3200400">
+            <a:lvl8pPr marL="3200400" indent="0" algn="ctr">
               <a:buNone/>
               <a:defRPr>
                 <a:solidFill>
@@ -704,7 +295,7 @@
                 </a:solidFill>
               </a:defRPr>
             </a:lvl8pPr>
-            <a:lvl9pPr algn="ctr" indent="0" marL="3657600">
+            <a:lvl9pPr marL="3657600" indent="0" algn="ctr">
               <a:buNone/>
               <a:defRPr>
                 <a:solidFill>
@@ -720,13 +311,13 @@
               <a:rPr lang="en-US" smtClean="0"/>
               <a:t>Click to edit Master subtitle style</a:t>
             </a:r>
-            <a:endParaRPr dirty="0" lang="en-US"/>
-          </a:p>
-        </p:txBody>
-      </p:sp>
-      <p:sp>
-        <p:nvSpPr>
-          <p:cNvPr id="1048585" name="Date Placeholder 3"/>
+            <a:endParaRPr lang="en-US" dirty="0"/>
+          </a:p>
+        </p:txBody>
+      </p:sp>
+      <p:sp>
+        <p:nvSpPr>
+          <p:cNvPr id="4" name="Date Placeholder 3"/>
           <p:cNvSpPr>
             <a:spLocks noGrp="1"/>
           </p:cNvSpPr>
@@ -737,6 +328,7 @@
         <p:spPr/>
         <p:txBody>
           <a:bodyPr/>
+          <a:lstStyle/>
           <a:p>
             <a:fld id="{F1D96FDB-B064-4DFB-BD42-B92EDD3F232B}" type="datetimeFigureOut">
               <a:rPr lang="en-IN" smtClean="0"/>
@@ -748,7 +340,7 @@
       </p:sp>
       <p:sp>
         <p:nvSpPr>
-          <p:cNvPr id="1048586" name="Footer Placeholder 4"/>
+          <p:cNvPr id="5" name="Footer Placeholder 4"/>
           <p:cNvSpPr>
             <a:spLocks noGrp="1"/>
           </p:cNvSpPr>
@@ -759,6 +351,7 @@
         <p:spPr/>
         <p:txBody>
           <a:bodyPr/>
+          <a:lstStyle/>
           <a:p>
             <a:endParaRPr lang="en-IN"/>
           </a:p>
@@ -766,7 +359,7 @@
       </p:sp>
       <p:sp>
         <p:nvSpPr>
-          <p:cNvPr id="1048587" name="Slide Number Placeholder 5"/>
+          <p:cNvPr id="6" name="Slide Number Placeholder 5"/>
           <p:cNvSpPr>
             <a:spLocks noGrp="1"/>
           </p:cNvSpPr>
@@ -777,6 +370,7 @@
         <p:spPr/>
         <p:txBody>
           <a:bodyPr/>
+          <a:lstStyle/>
           <a:p>
             <a:fld id="{39B8F68D-3DFC-4E47-A092-8BE9BC745617}" type="slidenum">
               <a:rPr lang="en-IN" smtClean="0"/>
@@ -795,11 +389,11 @@
 </file>
 
 <file path=ppt/slideLayouts/slideLayout10.xml><?xml version="1.0" encoding="utf-8"?>
-<p:sldLayout xmlns:a="http://schemas.openxmlformats.org/drawingml/2006/main" xmlns:r="http://schemas.openxmlformats.org/officeDocument/2006/relationships" xmlns:p="http://schemas.openxmlformats.org/presentationml/2006/main" preserve="1" type="vertTx">
+<p:sldLayout xmlns:a="http://schemas.openxmlformats.org/drawingml/2006/main" xmlns:r="http://schemas.openxmlformats.org/officeDocument/2006/relationships" xmlns:p="http://schemas.openxmlformats.org/presentationml/2006/main" type="vertTx" preserve="1">
   <p:cSld name="Title and Vertical Text">
     <p:spTree>
       <p:nvGrpSpPr>
-        <p:cNvPr id="86" name=""/>
+        <p:cNvPr id="1" name=""/>
         <p:cNvGrpSpPr/>
         <p:nvPr/>
       </p:nvGrpSpPr>
@@ -813,7 +407,7 @@
       </p:grpSpPr>
       <p:sp>
         <p:nvSpPr>
-          <p:cNvPr id="1048687" name="Title 1"/>
+          <p:cNvPr id="2" name="Title 1"/>
           <p:cNvSpPr>
             <a:spLocks noGrp="1"/>
           </p:cNvSpPr>
@@ -824,6 +418,7 @@
         <p:spPr/>
         <p:txBody>
           <a:bodyPr/>
+          <a:lstStyle/>
           <a:p>
             <a:r>
               <a:rPr lang="en-US" smtClean="0"/>
@@ -835,7 +430,7 @@
       </p:sp>
       <p:sp>
         <p:nvSpPr>
-          <p:cNvPr id="1048688" name="Vertical Text Placeholder 2"/>
+          <p:cNvPr id="3" name="Vertical Text Placeholder 2"/>
           <p:cNvSpPr>
             <a:spLocks noGrp="1"/>
           </p:cNvSpPr>
@@ -846,6 +441,7 @@
         <p:spPr/>
         <p:txBody>
           <a:bodyPr vert="eaVert"/>
+          <a:lstStyle/>
           <a:p>
             <a:pPr lvl="0"/>
             <a:r>
@@ -886,7 +482,7 @@
       </p:sp>
       <p:sp>
         <p:nvSpPr>
-          <p:cNvPr id="1048689" name="Date Placeholder 3"/>
+          <p:cNvPr id="4" name="Date Placeholder 3"/>
           <p:cNvSpPr>
             <a:spLocks noGrp="1"/>
           </p:cNvSpPr>
@@ -897,6 +493,7 @@
         <p:spPr/>
         <p:txBody>
           <a:bodyPr/>
+          <a:lstStyle/>
           <a:p>
             <a:fld id="{F1D96FDB-B064-4DFB-BD42-B92EDD3F232B}" type="datetimeFigureOut">
               <a:rPr lang="en-IN" smtClean="0"/>
@@ -908,7 +505,7 @@
       </p:sp>
       <p:sp>
         <p:nvSpPr>
-          <p:cNvPr id="1048690" name="Footer Placeholder 4"/>
+          <p:cNvPr id="5" name="Footer Placeholder 4"/>
           <p:cNvSpPr>
             <a:spLocks noGrp="1"/>
           </p:cNvSpPr>
@@ -919,6 +516,7 @@
         <p:spPr/>
         <p:txBody>
           <a:bodyPr/>
+          <a:lstStyle/>
           <a:p>
             <a:endParaRPr lang="en-IN"/>
           </a:p>
@@ -926,7 +524,7 @@
       </p:sp>
       <p:sp>
         <p:nvSpPr>
-          <p:cNvPr id="1048691" name="Slide Number Placeholder 5"/>
+          <p:cNvPr id="6" name="Slide Number Placeholder 5"/>
           <p:cNvSpPr>
             <a:spLocks noGrp="1"/>
           </p:cNvSpPr>
@@ -937,6 +535,7 @@
         <p:spPr/>
         <p:txBody>
           <a:bodyPr/>
+          <a:lstStyle/>
           <a:p>
             <a:fld id="{39B8F68D-3DFC-4E47-A092-8BE9BC745617}" type="slidenum">
               <a:rPr lang="en-IN" smtClean="0"/>
@@ -955,11 +554,11 @@
 </file>
 
 <file path=ppt/slideLayouts/slideLayout11.xml><?xml version="1.0" encoding="utf-8"?>
-<p:sldLayout xmlns:a="http://schemas.openxmlformats.org/drawingml/2006/main" xmlns:r="http://schemas.openxmlformats.org/officeDocument/2006/relationships" xmlns:p="http://schemas.openxmlformats.org/presentationml/2006/main" preserve="1" type="vertTitleAndTx">
+<p:sldLayout xmlns:a="http://schemas.openxmlformats.org/drawingml/2006/main" xmlns:r="http://schemas.openxmlformats.org/officeDocument/2006/relationships" xmlns:p="http://schemas.openxmlformats.org/presentationml/2006/main" type="vertTitleAndTx" preserve="1">
   <p:cSld name="Vertical Title and Text">
     <p:spTree>
       <p:nvGrpSpPr>
-        <p:cNvPr id="82" name=""/>
+        <p:cNvPr id="1" name=""/>
         <p:cNvGrpSpPr/>
         <p:nvPr/>
       </p:nvGrpSpPr>
@@ -973,7 +572,7 @@
       </p:grpSpPr>
       <p:sp>
         <p:nvSpPr>
-          <p:cNvPr id="1048668" name="Vertical Title 1"/>
+          <p:cNvPr id="2" name="Vertical Title 1"/>
           <p:cNvSpPr>
             <a:spLocks noGrp="1"/>
           </p:cNvSpPr>
@@ -988,19 +587,20 @@
           </a:xfrm>
         </p:spPr>
         <p:txBody>
-          <a:bodyPr anchor="b" anchorCtr="0" vert="eaVert"/>
+          <a:bodyPr vert="eaVert" anchor="b" anchorCtr="0"/>
+          <a:lstStyle/>
           <a:p>
             <a:r>
               <a:rPr lang="en-US" smtClean="0"/>
               <a:t>Click to edit Master title style</a:t>
             </a:r>
-            <a:endParaRPr dirty="0" lang="en-US"/>
-          </a:p>
-        </p:txBody>
-      </p:sp>
-      <p:sp>
-        <p:nvSpPr>
-          <p:cNvPr id="1048669" name="Vertical Text Placeholder 2"/>
+            <a:endParaRPr lang="en-US" dirty="0"/>
+          </a:p>
+        </p:txBody>
+      </p:sp>
+      <p:sp>
+        <p:nvSpPr>
+          <p:cNvPr id="3" name="Vertical Text Placeholder 2"/>
           <p:cNvSpPr>
             <a:spLocks noGrp="1"/>
           </p:cNvSpPr>
@@ -1016,6 +616,7 @@
         </p:spPr>
         <p:txBody>
           <a:bodyPr vert="eaVert"/>
+          <a:lstStyle/>
           <a:p>
             <a:pPr lvl="0"/>
             <a:r>
@@ -1056,7 +657,7 @@
       </p:sp>
       <p:sp>
         <p:nvSpPr>
-          <p:cNvPr id="1048670" name="Date Placeholder 3"/>
+          <p:cNvPr id="4" name="Date Placeholder 3"/>
           <p:cNvSpPr>
             <a:spLocks noGrp="1"/>
           </p:cNvSpPr>
@@ -1067,6 +668,7 @@
         <p:spPr/>
         <p:txBody>
           <a:bodyPr/>
+          <a:lstStyle/>
           <a:p>
             <a:fld id="{F1D96FDB-B064-4DFB-BD42-B92EDD3F232B}" type="datetimeFigureOut">
               <a:rPr lang="en-IN" smtClean="0"/>
@@ -1078,7 +680,7 @@
       </p:sp>
       <p:sp>
         <p:nvSpPr>
-          <p:cNvPr id="1048671" name="Footer Placeholder 4"/>
+          <p:cNvPr id="5" name="Footer Placeholder 4"/>
           <p:cNvSpPr>
             <a:spLocks noGrp="1"/>
           </p:cNvSpPr>
@@ -1089,6 +691,7 @@
         <p:spPr/>
         <p:txBody>
           <a:bodyPr/>
+          <a:lstStyle/>
           <a:p>
             <a:endParaRPr lang="en-IN"/>
           </a:p>
@@ -1096,7 +699,7 @@
       </p:sp>
       <p:sp>
         <p:nvSpPr>
-          <p:cNvPr id="1048672" name="Slide Number Placeholder 5"/>
+          <p:cNvPr id="6" name="Slide Number Placeholder 5"/>
           <p:cNvSpPr>
             <a:spLocks noGrp="1"/>
           </p:cNvSpPr>
@@ -1107,6 +710,7 @@
         <p:spPr/>
         <p:txBody>
           <a:bodyPr/>
+          <a:lstStyle/>
           <a:p>
             <a:fld id="{39B8F68D-3DFC-4E47-A092-8BE9BC745617}" type="slidenum">
               <a:rPr lang="en-IN" smtClean="0"/>
@@ -1125,11 +729,11 @@
 </file>
 
 <file path=ppt/slideLayouts/slideLayout2.xml><?xml version="1.0" encoding="utf-8"?>
-<p:sldLayout xmlns:a="http://schemas.openxmlformats.org/drawingml/2006/main" xmlns:r="http://schemas.openxmlformats.org/officeDocument/2006/relationships" xmlns:p="http://schemas.openxmlformats.org/presentationml/2006/main" preserve="1" type="obj">
+<p:sldLayout xmlns:a="http://schemas.openxmlformats.org/drawingml/2006/main" xmlns:r="http://schemas.openxmlformats.org/officeDocument/2006/relationships" xmlns:p="http://schemas.openxmlformats.org/presentationml/2006/main" type="obj" preserve="1">
   <p:cSld name="Title and Content">
     <p:spTree>
       <p:nvGrpSpPr>
-        <p:cNvPr id="47" name=""/>
+        <p:cNvPr id="1" name=""/>
         <p:cNvGrpSpPr/>
         <p:nvPr/>
       </p:nvGrpSpPr>
@@ -1143,7 +747,7 @@
       </p:grpSpPr>
       <p:sp>
         <p:nvSpPr>
-          <p:cNvPr id="1048590" name="Title 1"/>
+          <p:cNvPr id="2" name="Title 1"/>
           <p:cNvSpPr>
             <a:spLocks noGrp="1"/>
           </p:cNvSpPr>
@@ -1154,6 +758,7 @@
         <p:spPr/>
         <p:txBody>
           <a:bodyPr/>
+          <a:lstStyle/>
           <a:p>
             <a:r>
               <a:rPr lang="en-US" smtClean="0"/>
@@ -1165,7 +770,7 @@
       </p:sp>
       <p:sp>
         <p:nvSpPr>
-          <p:cNvPr id="1048591" name="Content Placeholder 2"/>
+          <p:cNvPr id="3" name="Content Placeholder 2"/>
           <p:cNvSpPr>
             <a:spLocks noGrp="1"/>
           </p:cNvSpPr>
@@ -1176,6 +781,7 @@
         <p:spPr/>
         <p:txBody>
           <a:bodyPr/>
+          <a:lstStyle/>
           <a:p>
             <a:pPr lvl="0"/>
             <a:r>
@@ -1216,7 +822,7 @@
       </p:sp>
       <p:sp>
         <p:nvSpPr>
-          <p:cNvPr id="1048592" name="Date Placeholder 3"/>
+          <p:cNvPr id="4" name="Date Placeholder 3"/>
           <p:cNvSpPr>
             <a:spLocks noGrp="1"/>
           </p:cNvSpPr>
@@ -1227,6 +833,7 @@
         <p:spPr/>
         <p:txBody>
           <a:bodyPr/>
+          <a:lstStyle/>
           <a:p>
             <a:fld id="{F1D96FDB-B064-4DFB-BD42-B92EDD3F232B}" type="datetimeFigureOut">
               <a:rPr lang="en-IN" smtClean="0"/>
@@ -1238,7 +845,7 @@
       </p:sp>
       <p:sp>
         <p:nvSpPr>
-          <p:cNvPr id="1048593" name="Footer Placeholder 4"/>
+          <p:cNvPr id="5" name="Footer Placeholder 4"/>
           <p:cNvSpPr>
             <a:spLocks noGrp="1"/>
           </p:cNvSpPr>
@@ -1249,6 +856,7 @@
         <p:spPr/>
         <p:txBody>
           <a:bodyPr/>
+          <a:lstStyle/>
           <a:p>
             <a:endParaRPr lang="en-IN"/>
           </a:p>
@@ -1256,7 +864,7 @@
       </p:sp>
       <p:sp>
         <p:nvSpPr>
-          <p:cNvPr id="1048594" name="Slide Number Placeholder 5"/>
+          <p:cNvPr id="6" name="Slide Number Placeholder 5"/>
           <p:cNvSpPr>
             <a:spLocks noGrp="1"/>
           </p:cNvSpPr>
@@ -1267,6 +875,7 @@
         <p:spPr/>
         <p:txBody>
           <a:bodyPr/>
+          <a:lstStyle/>
           <a:p>
             <a:fld id="{39B8F68D-3DFC-4E47-A092-8BE9BC745617}" type="slidenum">
               <a:rPr lang="en-IN" smtClean="0"/>
@@ -1285,11 +894,11 @@
 </file>
 
 <file path=ppt/slideLayouts/slideLayout3.xml><?xml version="1.0" encoding="utf-8"?>
-<p:sldLayout xmlns:a="http://schemas.openxmlformats.org/drawingml/2006/main" xmlns:r="http://schemas.openxmlformats.org/officeDocument/2006/relationships" xmlns:p="http://schemas.openxmlformats.org/presentationml/2006/main" preserve="1" type="secHead">
+<p:sldLayout xmlns:a="http://schemas.openxmlformats.org/drawingml/2006/main" xmlns:r="http://schemas.openxmlformats.org/officeDocument/2006/relationships" xmlns:p="http://schemas.openxmlformats.org/presentationml/2006/main" type="secHead" preserve="1">
   <p:cSld name="Section Header">
     <p:spTree>
       <p:nvGrpSpPr>
-        <p:cNvPr id="85" name=""/>
+        <p:cNvPr id="1" name=""/>
         <p:cNvGrpSpPr/>
         <p:nvPr/>
       </p:nvGrpSpPr>
@@ -1303,7 +912,7 @@
       </p:grpSpPr>
       <p:sp>
         <p:nvSpPr>
-          <p:cNvPr id="1048682" name="Title 1"/>
+          <p:cNvPr id="2" name="Title 1"/>
           <p:cNvSpPr>
             <a:spLocks noGrp="1"/>
           </p:cNvSpPr>
@@ -1321,7 +930,7 @@
           <a:bodyPr anchor="t"/>
           <a:lstStyle>
             <a:lvl1pPr algn="l">
-              <a:defRPr b="0" cap="all" sz="3600"/>
+              <a:defRPr sz="3600" b="0" cap="all"/>
             </a:lvl1pPr>
           </a:lstStyle>
           <a:p>
@@ -1329,13 +938,13 @@
               <a:rPr lang="en-US" smtClean="0"/>
               <a:t>Click to edit Master title style</a:t>
             </a:r>
-            <a:endParaRPr dirty="0" lang="en-US"/>
-          </a:p>
-        </p:txBody>
-      </p:sp>
-      <p:sp>
-        <p:nvSpPr>
-          <p:cNvPr id="1048683" name="Text Placeholder 2"/>
+            <a:endParaRPr lang="en-US" dirty="0"/>
+          </a:p>
+        </p:txBody>
+      </p:sp>
+      <p:sp>
+        <p:nvSpPr>
+          <p:cNvPr id="3" name="Text Placeholder 2"/>
           <p:cNvSpPr>
             <a:spLocks noGrp="1"/>
           </p:cNvSpPr>
@@ -1352,7 +961,7 @@
         <p:txBody>
           <a:bodyPr anchor="b"/>
           <a:lstStyle>
-            <a:lvl1pPr indent="0" marL="0">
+            <a:lvl1pPr marL="0" indent="0">
               <a:buNone/>
               <a:defRPr sz="2000">
                 <a:solidFill>
@@ -1362,7 +971,7 @@
                 </a:solidFill>
               </a:defRPr>
             </a:lvl1pPr>
-            <a:lvl2pPr indent="0" marL="457200">
+            <a:lvl2pPr marL="457200" indent="0">
               <a:buNone/>
               <a:defRPr sz="1800">
                 <a:solidFill>
@@ -1372,7 +981,7 @@
                 </a:solidFill>
               </a:defRPr>
             </a:lvl2pPr>
-            <a:lvl3pPr indent="0" marL="914400">
+            <a:lvl3pPr marL="914400" indent="0">
               <a:buNone/>
               <a:defRPr sz="1600">
                 <a:solidFill>
@@ -1382,7 +991,7 @@
                 </a:solidFill>
               </a:defRPr>
             </a:lvl3pPr>
-            <a:lvl4pPr indent="0" marL="1371600">
+            <a:lvl4pPr marL="1371600" indent="0">
               <a:buNone/>
               <a:defRPr sz="1400">
                 <a:solidFill>
@@ -1392,7 +1001,7 @@
                 </a:solidFill>
               </a:defRPr>
             </a:lvl4pPr>
-            <a:lvl5pPr indent="0" marL="1828800">
+            <a:lvl5pPr marL="1828800" indent="0">
               <a:buNone/>
               <a:defRPr sz="1400">
                 <a:solidFill>
@@ -1402,7 +1011,7 @@
                 </a:solidFill>
               </a:defRPr>
             </a:lvl5pPr>
-            <a:lvl6pPr indent="0" marL="2286000">
+            <a:lvl6pPr marL="2286000" indent="0">
               <a:buNone/>
               <a:defRPr sz="1400">
                 <a:solidFill>
@@ -1412,7 +1021,7 @@
                 </a:solidFill>
               </a:defRPr>
             </a:lvl6pPr>
-            <a:lvl7pPr indent="0" marL="2743200">
+            <a:lvl7pPr marL="2743200" indent="0">
               <a:buNone/>
               <a:defRPr sz="1400">
                 <a:solidFill>
@@ -1422,7 +1031,7 @@
                 </a:solidFill>
               </a:defRPr>
             </a:lvl7pPr>
-            <a:lvl8pPr indent="0" marL="3200400">
+            <a:lvl8pPr marL="3200400" indent="0">
               <a:buNone/>
               <a:defRPr sz="1400">
                 <a:solidFill>
@@ -1432,7 +1041,7 @@
                 </a:solidFill>
               </a:defRPr>
             </a:lvl8pPr>
-            <a:lvl9pPr indent="0" marL="3657600">
+            <a:lvl9pPr marL="3657600" indent="0">
               <a:buNone/>
               <a:defRPr sz="1400">
                 <a:solidFill>
@@ -1454,7 +1063,7 @@
       </p:sp>
       <p:sp>
         <p:nvSpPr>
-          <p:cNvPr id="1048684" name="Date Placeholder 3"/>
+          <p:cNvPr id="4" name="Date Placeholder 3"/>
           <p:cNvSpPr>
             <a:spLocks noGrp="1"/>
           </p:cNvSpPr>
@@ -1465,6 +1074,7 @@
         <p:spPr/>
         <p:txBody>
           <a:bodyPr/>
+          <a:lstStyle/>
           <a:p>
             <a:fld id="{F1D96FDB-B064-4DFB-BD42-B92EDD3F232B}" type="datetimeFigureOut">
               <a:rPr lang="en-IN" smtClean="0"/>
@@ -1476,7 +1086,7 @@
       </p:sp>
       <p:sp>
         <p:nvSpPr>
-          <p:cNvPr id="1048685" name="Footer Placeholder 4"/>
+          <p:cNvPr id="5" name="Footer Placeholder 4"/>
           <p:cNvSpPr>
             <a:spLocks noGrp="1"/>
           </p:cNvSpPr>
@@ -1487,6 +1097,7 @@
         <p:spPr/>
         <p:txBody>
           <a:bodyPr/>
+          <a:lstStyle/>
           <a:p>
             <a:endParaRPr lang="en-IN"/>
           </a:p>
@@ -1494,7 +1105,7 @@
       </p:sp>
       <p:sp>
         <p:nvSpPr>
-          <p:cNvPr id="1048686" name="Slide Number Placeholder 5"/>
+          <p:cNvPr id="6" name="Slide Number Placeholder 5"/>
           <p:cNvSpPr>
             <a:spLocks noGrp="1"/>
           </p:cNvSpPr>
@@ -1505,6 +1116,7 @@
         <p:spPr/>
         <p:txBody>
           <a:bodyPr/>
+          <a:lstStyle/>
           <a:p>
             <a:fld id="{39B8F68D-3DFC-4E47-A092-8BE9BC745617}" type="slidenum">
               <a:rPr lang="en-IN" smtClean="0"/>
@@ -1523,11 +1135,11 @@
 </file>
 
 <file path=ppt/slideLayouts/slideLayout4.xml><?xml version="1.0" encoding="utf-8"?>
-<p:sldLayout xmlns:a="http://schemas.openxmlformats.org/drawingml/2006/main" xmlns:r="http://schemas.openxmlformats.org/officeDocument/2006/relationships" xmlns:p="http://schemas.openxmlformats.org/presentationml/2006/main" preserve="1" type="twoObj">
+<p:sldLayout xmlns:a="http://schemas.openxmlformats.org/drawingml/2006/main" xmlns:r="http://schemas.openxmlformats.org/officeDocument/2006/relationships" xmlns:p="http://schemas.openxmlformats.org/presentationml/2006/main" type="twoObj" preserve="1">
   <p:cSld name="Two Content">
     <p:spTree>
       <p:nvGrpSpPr>
-        <p:cNvPr id="79" name=""/>
+        <p:cNvPr id="1" name=""/>
         <p:cNvGrpSpPr/>
         <p:nvPr/>
       </p:nvGrpSpPr>
@@ -1541,7 +1153,7 @@
       </p:grpSpPr>
       <p:sp>
         <p:nvSpPr>
-          <p:cNvPr id="1048650" name="Title 1"/>
+          <p:cNvPr id="2" name="Title 1"/>
           <p:cNvSpPr>
             <a:spLocks noGrp="1"/>
           </p:cNvSpPr>
@@ -1552,6 +1164,7 @@
         <p:spPr/>
         <p:txBody>
           <a:bodyPr/>
+          <a:lstStyle/>
           <a:p>
             <a:r>
               <a:rPr lang="en-US" smtClean="0"/>
@@ -1563,7 +1176,7 @@
       </p:sp>
       <p:sp>
         <p:nvSpPr>
-          <p:cNvPr id="1048651" name="Content Placeholder 2"/>
+          <p:cNvPr id="3" name="Content Placeholder 2"/>
           <p:cNvSpPr>
             <a:spLocks noGrp="1"/>
           </p:cNvSpPr>
@@ -1642,13 +1255,13 @@
               <a:rPr lang="en-US" smtClean="0"/>
               <a:t>Fifth level</a:t>
             </a:r>
-            <a:endParaRPr dirty="0" lang="en-US"/>
-          </a:p>
-        </p:txBody>
-      </p:sp>
-      <p:sp>
-        <p:nvSpPr>
-          <p:cNvPr id="1048652" name="Content Placeholder 3"/>
+            <a:endParaRPr lang="en-US" dirty="0"/>
+          </a:p>
+        </p:txBody>
+      </p:sp>
+      <p:sp>
+        <p:nvSpPr>
+          <p:cNvPr id="4" name="Content Placeholder 3"/>
           <p:cNvSpPr>
             <a:spLocks noGrp="1"/>
           </p:cNvSpPr>
@@ -1727,13 +1340,13 @@
               <a:rPr lang="en-US" smtClean="0"/>
               <a:t>Fifth level</a:t>
             </a:r>
-            <a:endParaRPr dirty="0" lang="en-US"/>
-          </a:p>
-        </p:txBody>
-      </p:sp>
-      <p:sp>
-        <p:nvSpPr>
-          <p:cNvPr id="1048653" name="Date Placeholder 4"/>
+            <a:endParaRPr lang="en-US" dirty="0"/>
+          </a:p>
+        </p:txBody>
+      </p:sp>
+      <p:sp>
+        <p:nvSpPr>
+          <p:cNvPr id="5" name="Date Placeholder 4"/>
           <p:cNvSpPr>
             <a:spLocks noGrp="1"/>
           </p:cNvSpPr>
@@ -1744,6 +1357,7 @@
         <p:spPr/>
         <p:txBody>
           <a:bodyPr/>
+          <a:lstStyle/>
           <a:p>
             <a:fld id="{F1D96FDB-B064-4DFB-BD42-B92EDD3F232B}" type="datetimeFigureOut">
               <a:rPr lang="en-IN" smtClean="0"/>
@@ -1755,7 +1369,7 @@
       </p:sp>
       <p:sp>
         <p:nvSpPr>
-          <p:cNvPr id="1048654" name="Footer Placeholder 5"/>
+          <p:cNvPr id="6" name="Footer Placeholder 5"/>
           <p:cNvSpPr>
             <a:spLocks noGrp="1"/>
           </p:cNvSpPr>
@@ -1766,6 +1380,7 @@
         <p:spPr/>
         <p:txBody>
           <a:bodyPr/>
+          <a:lstStyle/>
           <a:p>
             <a:endParaRPr lang="en-IN"/>
           </a:p>
@@ -1773,7 +1388,7 @@
       </p:sp>
       <p:sp>
         <p:nvSpPr>
-          <p:cNvPr id="1048655" name="Slide Number Placeholder 6"/>
+          <p:cNvPr id="7" name="Slide Number Placeholder 6"/>
           <p:cNvSpPr>
             <a:spLocks noGrp="1"/>
           </p:cNvSpPr>
@@ -1784,6 +1399,7 @@
         <p:spPr/>
         <p:txBody>
           <a:bodyPr/>
+          <a:lstStyle/>
           <a:p>
             <a:fld id="{39B8F68D-3DFC-4E47-A092-8BE9BC745617}" type="slidenum">
               <a:rPr lang="en-IN" smtClean="0"/>
@@ -1802,11 +1418,11 @@
 </file>
 
 <file path=ppt/slideLayouts/slideLayout5.xml><?xml version="1.0" encoding="utf-8"?>
-<p:sldLayout xmlns:a="http://schemas.openxmlformats.org/drawingml/2006/main" xmlns:r="http://schemas.openxmlformats.org/officeDocument/2006/relationships" xmlns:p="http://schemas.openxmlformats.org/presentationml/2006/main" preserve="1" type="twoTxTwoObj">
+<p:sldLayout xmlns:a="http://schemas.openxmlformats.org/drawingml/2006/main" xmlns:r="http://schemas.openxmlformats.org/officeDocument/2006/relationships" xmlns:p="http://schemas.openxmlformats.org/presentationml/2006/main" type="twoTxTwoObj" preserve="1">
   <p:cSld name="Comparison">
     <p:spTree>
       <p:nvGrpSpPr>
-        <p:cNvPr id="80" name=""/>
+        <p:cNvPr id="1" name=""/>
         <p:cNvGrpSpPr/>
         <p:nvPr/>
       </p:nvGrpSpPr>
@@ -1820,7 +1436,7 @@
       </p:grpSpPr>
       <p:sp>
         <p:nvSpPr>
-          <p:cNvPr id="1048656" name="Title 1"/>
+          <p:cNvPr id="2" name="Title 1"/>
           <p:cNvSpPr>
             <a:spLocks noGrp="1"/>
           </p:cNvSpPr>
@@ -1831,6 +1447,11 @@
         <p:spPr/>
         <p:txBody>
           <a:bodyPr/>
+          <a:lstStyle>
+            <a:lvl1pPr>
+              <a:defRPr/>
+            </a:lvl1pPr>
+          </a:lstStyle>
           <a:p>
             <a:r>
               <a:rPr lang="en-US" smtClean="0"/>
@@ -1842,7 +1463,7 @@
       </p:sp>
       <p:sp>
         <p:nvSpPr>
-          <p:cNvPr id="1048657" name="Text Placeholder 2"/>
+          <p:cNvPr id="3" name="Text Placeholder 2"/>
           <p:cNvSpPr>
             <a:spLocks noGrp="1"/>
           </p:cNvSpPr>
@@ -1861,45 +1482,45 @@
             <a:noAutofit/>
           </a:bodyPr>
           <a:lstStyle>
-            <a:lvl1pPr algn="ctr" indent="0" marL="0">
+            <a:lvl1pPr marL="0" indent="0" algn="ctr">
               <a:buNone/>
-              <a:defRPr b="1" sz="2000">
+              <a:defRPr sz="2000" b="1">
                 <a:solidFill>
                   <a:schemeClr val="tx2"/>
                 </a:solidFill>
               </a:defRPr>
             </a:lvl1pPr>
-            <a:lvl2pPr indent="0" marL="457200">
+            <a:lvl2pPr marL="457200" indent="0">
               <a:buNone/>
-              <a:defRPr b="1" sz="2000"/>
+              <a:defRPr sz="2000" b="1"/>
             </a:lvl2pPr>
-            <a:lvl3pPr indent="0" marL="914400">
+            <a:lvl3pPr marL="914400" indent="0">
               <a:buNone/>
-              <a:defRPr b="1" sz="1800"/>
+              <a:defRPr sz="1800" b="1"/>
             </a:lvl3pPr>
-            <a:lvl4pPr indent="0" marL="1371600">
+            <a:lvl4pPr marL="1371600" indent="0">
               <a:buNone/>
-              <a:defRPr b="1" sz="1600"/>
+              <a:defRPr sz="1600" b="1"/>
             </a:lvl4pPr>
-            <a:lvl5pPr indent="0" marL="1828800">
+            <a:lvl5pPr marL="1828800" indent="0">
               <a:buNone/>
-              <a:defRPr b="1" sz="1600"/>
+              <a:defRPr sz="1600" b="1"/>
             </a:lvl5pPr>
-            <a:lvl6pPr indent="0" marL="2286000">
+            <a:lvl6pPr marL="2286000" indent="0">
               <a:buNone/>
-              <a:defRPr b="1" sz="1600"/>
+              <a:defRPr sz="1600" b="1"/>
             </a:lvl6pPr>
-            <a:lvl7pPr indent="0" marL="2743200">
+            <a:lvl7pPr marL="2743200" indent="0">
               <a:buNone/>
-              <a:defRPr b="1" sz="1600"/>
+              <a:defRPr sz="1600" b="1"/>
             </a:lvl7pPr>
-            <a:lvl8pPr indent="0" marL="3200400">
+            <a:lvl8pPr marL="3200400" indent="0">
               <a:buNone/>
-              <a:defRPr b="1" sz="1600"/>
+              <a:defRPr sz="1600" b="1"/>
             </a:lvl8pPr>
-            <a:lvl9pPr indent="0" marL="3657600">
+            <a:lvl9pPr marL="3657600" indent="0">
               <a:buNone/>
-              <a:defRPr b="1" sz="1600"/>
+              <a:defRPr sz="1600" b="1"/>
             </a:lvl9pPr>
           </a:lstStyle>
           <a:p>
@@ -1913,7 +1534,7 @@
       </p:sp>
       <p:sp>
         <p:nvSpPr>
-          <p:cNvPr id="1048658" name="Content Placeholder 3"/>
+          <p:cNvPr id="4" name="Content Placeholder 3"/>
           <p:cNvSpPr>
             <a:spLocks noGrp="1"/>
           </p:cNvSpPr>
@@ -1992,13 +1613,13 @@
               <a:rPr lang="en-US" smtClean="0"/>
               <a:t>Fifth level</a:t>
             </a:r>
-            <a:endParaRPr dirty="0" lang="en-US"/>
-          </a:p>
-        </p:txBody>
-      </p:sp>
-      <p:sp>
-        <p:nvSpPr>
-          <p:cNvPr id="1048659" name="Text Placeholder 4"/>
+            <a:endParaRPr lang="en-US" dirty="0"/>
+          </a:p>
+        </p:txBody>
+      </p:sp>
+      <p:sp>
+        <p:nvSpPr>
+          <p:cNvPr id="5" name="Text Placeholder 4"/>
           <p:cNvSpPr>
             <a:spLocks noGrp="1"/>
           </p:cNvSpPr>
@@ -2017,45 +1638,45 @@
             <a:noAutofit/>
           </a:bodyPr>
           <a:lstStyle>
-            <a:lvl1pPr algn="ctr" indent="0" marL="0">
+            <a:lvl1pPr marL="0" indent="0" algn="ctr">
               <a:buNone/>
-              <a:defRPr b="1" sz="2000">
+              <a:defRPr sz="2000" b="1">
                 <a:solidFill>
                   <a:schemeClr val="tx2"/>
                 </a:solidFill>
               </a:defRPr>
             </a:lvl1pPr>
-            <a:lvl2pPr indent="0" marL="457200">
+            <a:lvl2pPr marL="457200" indent="0">
               <a:buNone/>
-              <a:defRPr b="1" sz="2000"/>
+              <a:defRPr sz="2000" b="1"/>
             </a:lvl2pPr>
-            <a:lvl3pPr indent="0" marL="914400">
+            <a:lvl3pPr marL="914400" indent="0">
               <a:buNone/>
-              <a:defRPr b="1" sz="1800"/>
+              <a:defRPr sz="1800" b="1"/>
             </a:lvl3pPr>
-            <a:lvl4pPr indent="0" marL="1371600">
+            <a:lvl4pPr marL="1371600" indent="0">
               <a:buNone/>
-              <a:defRPr b="1" sz="1600"/>
+              <a:defRPr sz="1600" b="1"/>
             </a:lvl4pPr>
-            <a:lvl5pPr indent="0" marL="1828800">
+            <a:lvl5pPr marL="1828800" indent="0">
               <a:buNone/>
-              <a:defRPr b="1" sz="1600"/>
+              <a:defRPr sz="1600" b="1"/>
             </a:lvl5pPr>
-            <a:lvl6pPr indent="0" marL="2286000">
+            <a:lvl6pPr marL="2286000" indent="0">
               <a:buNone/>
-              <a:defRPr b="1" sz="1600"/>
+              <a:defRPr sz="1600" b="1"/>
             </a:lvl6pPr>
-            <a:lvl7pPr indent="0" marL="2743200">
+            <a:lvl7pPr marL="2743200" indent="0">
               <a:buNone/>
-              <a:defRPr b="1" sz="1600"/>
+              <a:defRPr sz="1600" b="1"/>
             </a:lvl7pPr>
-            <a:lvl8pPr indent="0" marL="3200400">
+            <a:lvl8pPr marL="3200400" indent="0">
               <a:buNone/>
-              <a:defRPr b="1" sz="1600"/>
+              <a:defRPr sz="1600" b="1"/>
             </a:lvl8pPr>
-            <a:lvl9pPr indent="0" marL="3657600">
+            <a:lvl9pPr marL="3657600" indent="0">
               <a:buNone/>
-              <a:defRPr b="1" sz="1600"/>
+              <a:defRPr sz="1600" b="1"/>
             </a:lvl9pPr>
           </a:lstStyle>
           <a:p>
@@ -2069,7 +1690,7 @@
       </p:sp>
       <p:sp>
         <p:nvSpPr>
-          <p:cNvPr id="1048660" name="Content Placeholder 5"/>
+          <p:cNvPr id="6" name="Content Placeholder 5"/>
           <p:cNvSpPr>
             <a:spLocks noGrp="1"/>
           </p:cNvSpPr>
@@ -2154,7 +1775,7 @@
       </p:sp>
       <p:sp>
         <p:nvSpPr>
-          <p:cNvPr id="1048661" name="Date Placeholder 6"/>
+          <p:cNvPr id="7" name="Date Placeholder 6"/>
           <p:cNvSpPr>
             <a:spLocks noGrp="1"/>
           </p:cNvSpPr>
@@ -2165,6 +1786,7 @@
         <p:spPr/>
         <p:txBody>
           <a:bodyPr/>
+          <a:lstStyle/>
           <a:p>
             <a:fld id="{F1D96FDB-B064-4DFB-BD42-B92EDD3F232B}" type="datetimeFigureOut">
               <a:rPr lang="en-IN" smtClean="0"/>
@@ -2176,7 +1798,7 @@
       </p:sp>
       <p:sp>
         <p:nvSpPr>
-          <p:cNvPr id="1048662" name="Footer Placeholder 7"/>
+          <p:cNvPr id="8" name="Footer Placeholder 7"/>
           <p:cNvSpPr>
             <a:spLocks noGrp="1"/>
           </p:cNvSpPr>
@@ -2187,6 +1809,7 @@
         <p:spPr/>
         <p:txBody>
           <a:bodyPr/>
+          <a:lstStyle/>
           <a:p>
             <a:endParaRPr lang="en-IN"/>
           </a:p>
@@ -2194,7 +1817,7 @@
       </p:sp>
       <p:sp>
         <p:nvSpPr>
-          <p:cNvPr id="1048663" name="Slide Number Placeholder 8"/>
+          <p:cNvPr id="9" name="Slide Number Placeholder 8"/>
           <p:cNvSpPr>
             <a:spLocks noGrp="1"/>
           </p:cNvSpPr>
@@ -2205,6 +1828,7 @@
         <p:spPr/>
         <p:txBody>
           <a:bodyPr/>
+          <a:lstStyle/>
           <a:p>
             <a:fld id="{39B8F68D-3DFC-4E47-A092-8BE9BC745617}" type="slidenum">
               <a:rPr lang="en-IN" smtClean="0"/>
@@ -2223,11 +1847,11 @@
 </file>
 
 <file path=ppt/slideLayouts/slideLayout6.xml><?xml version="1.0" encoding="utf-8"?>
-<p:sldLayout xmlns:a="http://schemas.openxmlformats.org/drawingml/2006/main" xmlns:r="http://schemas.openxmlformats.org/officeDocument/2006/relationships" xmlns:p="http://schemas.openxmlformats.org/presentationml/2006/main" preserve="1" type="titleOnly">
+<p:sldLayout xmlns:a="http://schemas.openxmlformats.org/drawingml/2006/main" xmlns:r="http://schemas.openxmlformats.org/officeDocument/2006/relationships" xmlns:p="http://schemas.openxmlformats.org/presentationml/2006/main" type="titleOnly" preserve="1">
   <p:cSld name="Title Only">
     <p:spTree>
       <p:nvGrpSpPr>
-        <p:cNvPr id="81" name=""/>
+        <p:cNvPr id="1" name=""/>
         <p:cNvGrpSpPr/>
         <p:nvPr/>
       </p:nvGrpSpPr>
@@ -2241,7 +1865,7 @@
       </p:grpSpPr>
       <p:sp>
         <p:nvSpPr>
-          <p:cNvPr id="1048664" name="Title 1"/>
+          <p:cNvPr id="2" name="Title 1"/>
           <p:cNvSpPr>
             <a:spLocks noGrp="1"/>
           </p:cNvSpPr>
@@ -2252,6 +1876,7 @@
         <p:spPr/>
         <p:txBody>
           <a:bodyPr/>
+          <a:lstStyle/>
           <a:p>
             <a:r>
               <a:rPr lang="en-US" smtClean="0"/>
@@ -2263,7 +1888,7 @@
       </p:sp>
       <p:sp>
         <p:nvSpPr>
-          <p:cNvPr id="1048665" name="Date Placeholder 2"/>
+          <p:cNvPr id="3" name="Date Placeholder 2"/>
           <p:cNvSpPr>
             <a:spLocks noGrp="1"/>
           </p:cNvSpPr>
@@ -2274,6 +1899,7 @@
         <p:spPr/>
         <p:txBody>
           <a:bodyPr/>
+          <a:lstStyle/>
           <a:p>
             <a:fld id="{F1D96FDB-B064-4DFB-BD42-B92EDD3F232B}" type="datetimeFigureOut">
               <a:rPr lang="en-IN" smtClean="0"/>
@@ -2285,7 +1911,7 @@
       </p:sp>
       <p:sp>
         <p:nvSpPr>
-          <p:cNvPr id="1048666" name="Footer Placeholder 3"/>
+          <p:cNvPr id="4" name="Footer Placeholder 3"/>
           <p:cNvSpPr>
             <a:spLocks noGrp="1"/>
           </p:cNvSpPr>
@@ -2296,6 +1922,7 @@
         <p:spPr/>
         <p:txBody>
           <a:bodyPr/>
+          <a:lstStyle/>
           <a:p>
             <a:endParaRPr lang="en-IN"/>
           </a:p>
@@ -2303,7 +1930,7 @@
       </p:sp>
       <p:sp>
         <p:nvSpPr>
-          <p:cNvPr id="1048667" name="Slide Number Placeholder 4"/>
+          <p:cNvPr id="5" name="Slide Number Placeholder 4"/>
           <p:cNvSpPr>
             <a:spLocks noGrp="1"/>
           </p:cNvSpPr>
@@ -2314,6 +1941,7 @@
         <p:spPr/>
         <p:txBody>
           <a:bodyPr/>
+          <a:lstStyle/>
           <a:p>
             <a:fld id="{39B8F68D-3DFC-4E47-A092-8BE9BC745617}" type="slidenum">
               <a:rPr lang="en-IN" smtClean="0"/>
@@ -2332,11 +1960,11 @@
 </file>
 
 <file path=ppt/slideLayouts/slideLayout7.xml><?xml version="1.0" encoding="utf-8"?>
-<p:sldLayout xmlns:a="http://schemas.openxmlformats.org/drawingml/2006/main" xmlns:r="http://schemas.openxmlformats.org/officeDocument/2006/relationships" xmlns:p="http://schemas.openxmlformats.org/presentationml/2006/main" preserve="1" type="blank">
+<p:sldLayout xmlns:a="http://schemas.openxmlformats.org/drawingml/2006/main" xmlns:r="http://schemas.openxmlformats.org/officeDocument/2006/relationships" xmlns:p="http://schemas.openxmlformats.org/presentationml/2006/main" type="blank" preserve="1">
   <p:cSld name="Blank">
     <p:spTree>
       <p:nvGrpSpPr>
-        <p:cNvPr id="83" name=""/>
+        <p:cNvPr id="1" name=""/>
         <p:cNvGrpSpPr/>
         <p:nvPr/>
       </p:nvGrpSpPr>
@@ -2350,7 +1978,7 @@
       </p:grpSpPr>
       <p:sp>
         <p:nvSpPr>
-          <p:cNvPr id="1048673" name="Date Placeholder 1"/>
+          <p:cNvPr id="2" name="Date Placeholder 1"/>
           <p:cNvSpPr>
             <a:spLocks noGrp="1"/>
           </p:cNvSpPr>
@@ -2361,6 +1989,7 @@
         <p:spPr/>
         <p:txBody>
           <a:bodyPr/>
+          <a:lstStyle/>
           <a:p>
             <a:fld id="{F1D96FDB-B064-4DFB-BD42-B92EDD3F232B}" type="datetimeFigureOut">
               <a:rPr lang="en-IN" smtClean="0"/>
@@ -2372,7 +2001,7 @@
       </p:sp>
       <p:sp>
         <p:nvSpPr>
-          <p:cNvPr id="1048674" name="Footer Placeholder 2"/>
+          <p:cNvPr id="3" name="Footer Placeholder 2"/>
           <p:cNvSpPr>
             <a:spLocks noGrp="1"/>
           </p:cNvSpPr>
@@ -2383,6 +2012,7 @@
         <p:spPr/>
         <p:txBody>
           <a:bodyPr/>
+          <a:lstStyle/>
           <a:p>
             <a:endParaRPr lang="en-IN"/>
           </a:p>
@@ -2390,7 +2020,7 @@
       </p:sp>
       <p:sp>
         <p:nvSpPr>
-          <p:cNvPr id="1048675" name="Slide Number Placeholder 3"/>
+          <p:cNvPr id="4" name="Slide Number Placeholder 3"/>
           <p:cNvSpPr>
             <a:spLocks noGrp="1"/>
           </p:cNvSpPr>
@@ -2401,6 +2031,7 @@
         <p:spPr/>
         <p:txBody>
           <a:bodyPr/>
+          <a:lstStyle/>
           <a:p>
             <a:fld id="{39B8F68D-3DFC-4E47-A092-8BE9BC745617}" type="slidenum">
               <a:rPr lang="en-IN" smtClean="0"/>
@@ -2419,11 +2050,11 @@
 </file>
 
 <file path=ppt/slideLayouts/slideLayout8.xml><?xml version="1.0" encoding="utf-8"?>
-<p:sldLayout xmlns:a="http://schemas.openxmlformats.org/drawingml/2006/main" xmlns:r="http://schemas.openxmlformats.org/officeDocument/2006/relationships" xmlns:p="http://schemas.openxmlformats.org/presentationml/2006/main" preserve="1" type="objTx">
+<p:sldLayout xmlns:a="http://schemas.openxmlformats.org/drawingml/2006/main" xmlns:r="http://schemas.openxmlformats.org/officeDocument/2006/relationships" xmlns:p="http://schemas.openxmlformats.org/presentationml/2006/main" type="objTx" preserve="1">
   <p:cSld name="Content with Caption">
     <p:spTree>
       <p:nvGrpSpPr>
-        <p:cNvPr id="87" name=""/>
+        <p:cNvPr id="1" name=""/>
         <p:cNvGrpSpPr/>
         <p:nvPr/>
       </p:nvGrpSpPr>
@@ -2437,7 +2068,7 @@
       </p:grpSpPr>
       <p:sp>
         <p:nvSpPr>
-          <p:cNvPr id="1048692" name="Title 1"/>
+          <p:cNvPr id="2" name="Title 1"/>
           <p:cNvSpPr>
             <a:spLocks noGrp="1"/>
           </p:cNvSpPr>
@@ -2455,7 +2086,7 @@
           <a:bodyPr anchor="b"/>
           <a:lstStyle>
             <a:lvl1pPr algn="ctr">
-              <a:defRPr b="1" sz="2200"/>
+              <a:defRPr sz="2200" b="1"/>
             </a:lvl1pPr>
           </a:lstStyle>
           <a:p>
@@ -2463,13 +2094,13 @@
               <a:rPr lang="en-US" smtClean="0"/>
               <a:t>Click to edit Master title style</a:t>
             </a:r>
-            <a:endParaRPr dirty="0" lang="en-US"/>
-          </a:p>
-        </p:txBody>
-      </p:sp>
-      <p:sp>
-        <p:nvSpPr>
-          <p:cNvPr id="1048693" name="Text Placeholder 3"/>
+            <a:endParaRPr lang="en-US" dirty="0"/>
+          </a:p>
+        </p:txBody>
+      </p:sp>
+      <p:sp>
+        <p:nvSpPr>
+          <p:cNvPr id="4" name="Text Placeholder 3"/>
           <p:cNvSpPr>
             <a:spLocks noGrp="1"/>
           </p:cNvSpPr>
@@ -2488,39 +2119,39 @@
             <a:normAutofit/>
           </a:bodyPr>
           <a:lstStyle>
-            <a:lvl1pPr algn="ctr" indent="0" marL="0">
+            <a:lvl1pPr marL="0" indent="0" algn="ctr">
               <a:buNone/>
               <a:defRPr sz="1600"/>
             </a:lvl1pPr>
-            <a:lvl2pPr indent="0" marL="457200">
+            <a:lvl2pPr marL="457200" indent="0">
               <a:buNone/>
               <a:defRPr sz="1200"/>
             </a:lvl2pPr>
-            <a:lvl3pPr indent="0" marL="914400">
+            <a:lvl3pPr marL="914400" indent="0">
               <a:buNone/>
               <a:defRPr sz="1000"/>
             </a:lvl3pPr>
-            <a:lvl4pPr indent="0" marL="1371600">
+            <a:lvl4pPr marL="1371600" indent="0">
               <a:buNone/>
               <a:defRPr sz="900"/>
             </a:lvl4pPr>
-            <a:lvl5pPr indent="0" marL="1828800">
+            <a:lvl5pPr marL="1828800" indent="0">
               <a:buNone/>
               <a:defRPr sz="900"/>
             </a:lvl5pPr>
-            <a:lvl6pPr indent="0" marL="2286000">
+            <a:lvl6pPr marL="2286000" indent="0">
               <a:buNone/>
               <a:defRPr sz="900"/>
             </a:lvl6pPr>
-            <a:lvl7pPr indent="0" marL="2743200">
+            <a:lvl7pPr marL="2743200" indent="0">
               <a:buNone/>
               <a:defRPr sz="900"/>
             </a:lvl7pPr>
-            <a:lvl8pPr indent="0" marL="3200400">
+            <a:lvl8pPr marL="3200400" indent="0">
               <a:buNone/>
               <a:defRPr sz="900"/>
             </a:lvl8pPr>
-            <a:lvl9pPr indent="0" marL="3657600">
+            <a:lvl9pPr marL="3657600" indent="0">
               <a:buNone/>
               <a:defRPr sz="900"/>
             </a:lvl9pPr>
@@ -2536,7 +2167,7 @@
       </p:sp>
       <p:sp>
         <p:nvSpPr>
-          <p:cNvPr id="1048694" name="Date Placeholder 4"/>
+          <p:cNvPr id="5" name="Date Placeholder 4"/>
           <p:cNvSpPr>
             <a:spLocks noGrp="1"/>
           </p:cNvSpPr>
@@ -2547,6 +2178,7 @@
         <p:spPr/>
         <p:txBody>
           <a:bodyPr/>
+          <a:lstStyle/>
           <a:p>
             <a:fld id="{F1D96FDB-B064-4DFB-BD42-B92EDD3F232B}" type="datetimeFigureOut">
               <a:rPr lang="en-IN" smtClean="0"/>
@@ -2558,7 +2190,7 @@
       </p:sp>
       <p:sp>
         <p:nvSpPr>
-          <p:cNvPr id="1048695" name="Footer Placeholder 5"/>
+          <p:cNvPr id="6" name="Footer Placeholder 5"/>
           <p:cNvSpPr>
             <a:spLocks noGrp="1"/>
           </p:cNvSpPr>
@@ -2569,6 +2201,7 @@
         <p:spPr/>
         <p:txBody>
           <a:bodyPr/>
+          <a:lstStyle/>
           <a:p>
             <a:endParaRPr lang="en-IN"/>
           </a:p>
@@ -2576,7 +2209,7 @@
       </p:sp>
       <p:sp>
         <p:nvSpPr>
-          <p:cNvPr id="1048696" name="Slide Number Placeholder 6"/>
+          <p:cNvPr id="7" name="Slide Number Placeholder 6"/>
           <p:cNvSpPr>
             <a:spLocks noGrp="1"/>
           </p:cNvSpPr>
@@ -2587,6 +2220,7 @@
         <p:spPr/>
         <p:txBody>
           <a:bodyPr/>
+          <a:lstStyle/>
           <a:p>
             <a:fld id="{39B8F68D-3DFC-4E47-A092-8BE9BC745617}" type="slidenum">
               <a:rPr lang="en-IN" smtClean="0"/>
@@ -2598,7 +2232,7 @@
       </p:sp>
       <p:sp>
         <p:nvSpPr>
-          <p:cNvPr id="1048697" name="Content Placeholder 8"/>
+          <p:cNvPr id="9" name="Content Placeholder 8"/>
           <p:cNvSpPr>
             <a:spLocks noGrp="1"/>
           </p:cNvSpPr>
@@ -2614,6 +2248,7 @@
         </p:spPr>
         <p:txBody>
           <a:bodyPr/>
+          <a:lstStyle/>
           <a:p>
             <a:pPr lvl="0"/>
             <a:r>
@@ -2661,11 +2296,11 @@
 </file>
 
 <file path=ppt/slideLayouts/slideLayout9.xml><?xml version="1.0" encoding="utf-8"?>
-<p:sldLayout xmlns:a="http://schemas.openxmlformats.org/drawingml/2006/main" xmlns:r="http://schemas.openxmlformats.org/officeDocument/2006/relationships" xmlns:p="http://schemas.openxmlformats.org/presentationml/2006/main" preserve="1" type="picTx">
+<p:sldLayout xmlns:a="http://schemas.openxmlformats.org/drawingml/2006/main" xmlns:r="http://schemas.openxmlformats.org/officeDocument/2006/relationships" xmlns:p="http://schemas.openxmlformats.org/presentationml/2006/main" type="picTx" preserve="1">
   <p:cSld name="Picture with Caption">
     <p:spTree>
       <p:nvGrpSpPr>
-        <p:cNvPr id="84" name=""/>
+        <p:cNvPr id="1" name=""/>
         <p:cNvGrpSpPr/>
         <p:nvPr/>
       </p:nvGrpSpPr>
@@ -2679,7 +2314,7 @@
       </p:grpSpPr>
       <p:sp>
         <p:nvSpPr>
-          <p:cNvPr id="1048676" name="Title 1"/>
+          <p:cNvPr id="2" name="Title 1"/>
           <p:cNvSpPr>
             <a:spLocks noGrp="1"/>
           </p:cNvSpPr>
@@ -2697,7 +2332,7 @@
           <a:bodyPr anchor="b"/>
           <a:lstStyle>
             <a:lvl1pPr algn="ctr">
-              <a:defRPr b="1" sz="2200">
+              <a:defRPr sz="2200" b="1">
                 <a:ln>
                   <a:noFill/>
                 </a:ln>
@@ -2712,13 +2347,13 @@
               <a:rPr lang="en-US" smtClean="0"/>
               <a:t>Click to edit Master title style</a:t>
             </a:r>
-            <a:endParaRPr dirty="0" lang="en-US"/>
-          </a:p>
-        </p:txBody>
-      </p:sp>
-      <p:sp>
-        <p:nvSpPr>
-          <p:cNvPr id="1048677" name="Picture Placeholder 2"/>
+            <a:endParaRPr lang="en-US" dirty="0"/>
+          </a:p>
+        </p:txBody>
+      </p:sp>
+      <p:sp>
+        <p:nvSpPr>
+          <p:cNvPr id="3" name="Picture Placeholder 2"/>
           <p:cNvSpPr>
             <a:spLocks noGrp="1"/>
           </p:cNvSpPr>
@@ -2735,39 +2370,39 @@
         <p:txBody>
           <a:bodyPr/>
           <a:lstStyle>
-            <a:lvl1pPr indent="0" marL="0">
+            <a:lvl1pPr marL="0" indent="0">
               <a:buNone/>
               <a:defRPr sz="3200"/>
             </a:lvl1pPr>
-            <a:lvl2pPr indent="0" marL="457200">
+            <a:lvl2pPr marL="457200" indent="0">
               <a:buNone/>
               <a:defRPr sz="2800"/>
             </a:lvl2pPr>
-            <a:lvl3pPr indent="0" marL="914400">
+            <a:lvl3pPr marL="914400" indent="0">
               <a:buNone/>
               <a:defRPr sz="2400"/>
             </a:lvl3pPr>
-            <a:lvl4pPr indent="0" marL="1371600">
+            <a:lvl4pPr marL="1371600" indent="0">
               <a:buNone/>
               <a:defRPr sz="2000"/>
             </a:lvl4pPr>
-            <a:lvl5pPr indent="0" marL="1828800">
+            <a:lvl5pPr marL="1828800" indent="0">
               <a:buNone/>
               <a:defRPr sz="2000"/>
             </a:lvl5pPr>
-            <a:lvl6pPr indent="0" marL="2286000">
+            <a:lvl6pPr marL="2286000" indent="0">
               <a:buNone/>
               <a:defRPr sz="2000"/>
             </a:lvl6pPr>
-            <a:lvl7pPr indent="0" marL="2743200">
+            <a:lvl7pPr marL="2743200" indent="0">
               <a:buNone/>
               <a:defRPr sz="2000"/>
             </a:lvl7pPr>
-            <a:lvl8pPr indent="0" marL="3200400">
+            <a:lvl8pPr marL="3200400" indent="0">
               <a:buNone/>
               <a:defRPr sz="2000"/>
             </a:lvl8pPr>
-            <a:lvl9pPr indent="0" marL="3657600">
+            <a:lvl9pPr marL="3657600" indent="0">
               <a:buNone/>
               <a:defRPr sz="2000"/>
             </a:lvl9pPr>
@@ -2777,13 +2412,13 @@
               <a:rPr lang="en-US" smtClean="0"/>
               <a:t>Click icon to add picture</a:t>
             </a:r>
-            <a:endParaRPr dirty="0" lang="en-US"/>
-          </a:p>
-        </p:txBody>
-      </p:sp>
-      <p:sp>
-        <p:nvSpPr>
-          <p:cNvPr id="1048678" name="Text Placeholder 3"/>
+            <a:endParaRPr lang="en-US" dirty="0"/>
+          </a:p>
+        </p:txBody>
+      </p:sp>
+      <p:sp>
+        <p:nvSpPr>
+          <p:cNvPr id="4" name="Text Placeholder 3"/>
           <p:cNvSpPr>
             <a:spLocks noGrp="1"/>
           </p:cNvSpPr>
@@ -2802,39 +2437,39 @@
             <a:normAutofit/>
           </a:bodyPr>
           <a:lstStyle>
-            <a:lvl1pPr algn="ctr" indent="0" marL="0">
+            <a:lvl1pPr marL="0" indent="0" algn="ctr">
               <a:buNone/>
               <a:defRPr sz="1600"/>
             </a:lvl1pPr>
-            <a:lvl2pPr indent="0" marL="457200">
+            <a:lvl2pPr marL="457200" indent="0">
               <a:buNone/>
               <a:defRPr sz="1200"/>
             </a:lvl2pPr>
-            <a:lvl3pPr indent="0" marL="914400">
+            <a:lvl3pPr marL="914400" indent="0">
               <a:buNone/>
               <a:defRPr sz="1000"/>
             </a:lvl3pPr>
-            <a:lvl4pPr indent="0" marL="1371600">
+            <a:lvl4pPr marL="1371600" indent="0">
               <a:buNone/>
               <a:defRPr sz="900"/>
             </a:lvl4pPr>
-            <a:lvl5pPr indent="0" marL="1828800">
+            <a:lvl5pPr marL="1828800" indent="0">
               <a:buNone/>
               <a:defRPr sz="900"/>
             </a:lvl5pPr>
-            <a:lvl6pPr indent="0" marL="2286000">
+            <a:lvl6pPr marL="2286000" indent="0">
               <a:buNone/>
               <a:defRPr sz="900"/>
             </a:lvl6pPr>
-            <a:lvl7pPr indent="0" marL="2743200">
+            <a:lvl7pPr marL="2743200" indent="0">
               <a:buNone/>
               <a:defRPr sz="900"/>
             </a:lvl7pPr>
-            <a:lvl8pPr indent="0" marL="3200400">
+            <a:lvl8pPr marL="3200400" indent="0">
               <a:buNone/>
               <a:defRPr sz="900"/>
             </a:lvl8pPr>
-            <a:lvl9pPr indent="0" marL="3657600">
+            <a:lvl9pPr marL="3657600" indent="0">
               <a:buNone/>
               <a:defRPr sz="900"/>
             </a:lvl9pPr>
@@ -2850,7 +2485,7 @@
       </p:sp>
       <p:sp>
         <p:nvSpPr>
-          <p:cNvPr id="1048679" name="Date Placeholder 7"/>
+          <p:cNvPr id="8" name="Date Placeholder 7"/>
           <p:cNvSpPr>
             <a:spLocks noGrp="1"/>
           </p:cNvSpPr>
@@ -2861,6 +2496,7 @@
         <p:spPr/>
         <p:txBody>
           <a:bodyPr/>
+          <a:lstStyle/>
           <a:p>
             <a:fld id="{F1D96FDB-B064-4DFB-BD42-B92EDD3F232B}" type="datetimeFigureOut">
               <a:rPr lang="en-IN" smtClean="0"/>
@@ -2872,7 +2508,7 @@
       </p:sp>
       <p:sp>
         <p:nvSpPr>
-          <p:cNvPr id="1048680" name="Slide Number Placeholder 8"/>
+          <p:cNvPr id="9" name="Slide Number Placeholder 8"/>
           <p:cNvSpPr>
             <a:spLocks noGrp="1"/>
           </p:cNvSpPr>
@@ -2883,6 +2519,7 @@
         <p:spPr/>
         <p:txBody>
           <a:bodyPr/>
+          <a:lstStyle/>
           <a:p>
             <a:fld id="{39B8F68D-3DFC-4E47-A092-8BE9BC745617}" type="slidenum">
               <a:rPr lang="en-IN" smtClean="0"/>
@@ -2894,7 +2531,7 @@
       </p:sp>
       <p:sp>
         <p:nvSpPr>
-          <p:cNvPr id="1048681" name="Footer Placeholder 9"/>
+          <p:cNvPr id="10" name="Footer Placeholder 9"/>
           <p:cNvSpPr>
             <a:spLocks noGrp="1"/>
           </p:cNvSpPr>
@@ -2905,6 +2542,7 @@
         <p:spPr/>
         <p:txBody>
           <a:bodyPr/>
+          <a:lstStyle/>
           <a:p>
             <a:endParaRPr lang="en-IN"/>
           </a:p>
@@ -2928,7 +2566,7 @@
     </p:bg>
     <p:spTree>
       <p:nvGrpSpPr>
-        <p:cNvPr id="11" name=""/>
+        <p:cNvPr id="1" name=""/>
         <p:cNvGrpSpPr/>
         <p:nvPr/>
       </p:nvGrpSpPr>
@@ -2942,7 +2580,7 @@
       </p:grpSpPr>
       <p:sp>
         <p:nvSpPr>
-          <p:cNvPr id="1048576" name="Title Placeholder 1"/>
+          <p:cNvPr id="2" name="Title Placeholder 1"/>
           <p:cNvSpPr>
             <a:spLocks noGrp="1"/>
           </p:cNvSpPr>
@@ -2955,24 +2593,27 @@
             <a:off x="457200" y="274638"/>
             <a:ext cx="7620000" cy="1143000"/>
           </a:xfrm>
-          <a:prstGeom prst="rect"/>
+          <a:prstGeom prst="rect">
+            <a:avLst/>
+          </a:prstGeom>
         </p:spPr>
         <p:txBody>
-          <a:bodyPr anchor="ctr" bIns="45720" lIns="91440" rIns="91440" rtlCol="0" tIns="45720" vert="horz">
+          <a:bodyPr vert="horz" lIns="91440" tIns="45720" rIns="91440" bIns="45720" rtlCol="0" anchor="ctr">
             <a:noAutofit/>
           </a:bodyPr>
+          <a:lstStyle/>
           <a:p>
             <a:r>
               <a:rPr lang="en-US" smtClean="0"/>
               <a:t>Click to edit Master title style</a:t>
             </a:r>
-            <a:endParaRPr dirty="0" lang="en-US"/>
-          </a:p>
-        </p:txBody>
-      </p:sp>
-      <p:sp>
-        <p:nvSpPr>
-          <p:cNvPr id="1048577" name="Text Placeholder 2"/>
+            <a:endParaRPr lang="en-US" dirty="0"/>
+          </a:p>
+        </p:txBody>
+      </p:sp>
+      <p:sp>
+        <p:nvSpPr>
+          <p:cNvPr id="3" name="Text Placeholder 2"/>
           <p:cNvSpPr>
             <a:spLocks noGrp="1"/>
           </p:cNvSpPr>
@@ -2985,12 +2626,15 @@
             <a:off x="457200" y="1600200"/>
             <a:ext cx="7620000" cy="4800600"/>
           </a:xfrm>
-          <a:prstGeom prst="rect"/>
+          <a:prstGeom prst="rect">
+            <a:avLst/>
+          </a:prstGeom>
         </p:spPr>
         <p:txBody>
-          <a:bodyPr bIns="45720" lIns="91440" rIns="91440" rtlCol="0" tIns="45720" vert="horz">
+          <a:bodyPr vert="horz" lIns="91440" tIns="45720" rIns="91440" bIns="45720" rtlCol="0">
             <a:normAutofit/>
           </a:bodyPr>
+          <a:lstStyle/>
           <a:p>
             <a:pPr lvl="0"/>
             <a:r>
@@ -3025,13 +2669,13 @@
               <a:rPr lang="en-US" smtClean="0"/>
               <a:t>Fifth level</a:t>
             </a:r>
-            <a:endParaRPr dirty="0" lang="en-US"/>
-          </a:p>
-        </p:txBody>
-      </p:sp>
-      <p:sp>
-        <p:nvSpPr>
-          <p:cNvPr id="1048578" name="Rectangle 6"/>
+            <a:endParaRPr lang="en-US" dirty="0"/>
+          </a:p>
+        </p:txBody>
+      </p:sp>
+      <p:sp>
+        <p:nvSpPr>
+          <p:cNvPr id="7" name="Rectangle 6"/>
           <p:cNvSpPr/>
           <p:nvPr/>
         </p:nvSpPr>
@@ -3040,7 +2684,9 @@
             <a:off x="8458200" y="0"/>
             <a:ext cx="685800" cy="6858000"/>
           </a:xfrm>
-          <a:prstGeom prst="rect"/>
+          <a:prstGeom prst="rect">
+            <a:avLst/>
+          </a:prstGeom>
           <a:solidFill>
             <a:schemeClr val="tx2"/>
           </a:solidFill>
@@ -3065,7 +2711,8 @@
           </a:fontRef>
         </p:style>
         <p:txBody>
-          <a:bodyPr anchor="ctr" rtlCol="0"/>
+          <a:bodyPr rtlCol="0" anchor="ctr"/>
+          <a:lstStyle/>
           <a:p>
             <a:pPr algn="ctr"/>
             <a:endParaRPr lang="en-US"/>
@@ -3074,7 +2721,7 @@
       </p:sp>
       <p:sp>
         <p:nvSpPr>
-          <p:cNvPr id="1048579" name="Rectangle 7"/>
+          <p:cNvPr id="8" name="Rectangle 7"/>
           <p:cNvSpPr/>
           <p:nvPr/>
         </p:nvSpPr>
@@ -3083,7 +2730,9 @@
             <a:off x="8458200" y="5486400"/>
             <a:ext cx="685800" cy="685800"/>
           </a:xfrm>
-          <a:prstGeom prst="rect"/>
+          <a:prstGeom prst="rect">
+            <a:avLst/>
+          </a:prstGeom>
           <a:solidFill>
             <a:schemeClr val="accent1"/>
           </a:solidFill>
@@ -3108,7 +2757,8 @@
           </a:fontRef>
         </p:style>
         <p:txBody>
-          <a:bodyPr anchor="ctr" rtlCol="0"/>
+          <a:bodyPr rtlCol="0" anchor="ctr"/>
+          <a:lstStyle/>
           <a:p>
             <a:pPr algn="ctr"/>
             <a:endParaRPr lang="en-US"/>
@@ -3117,7 +2767,7 @@
       </p:sp>
       <p:sp>
         <p:nvSpPr>
-          <p:cNvPr id="1048580" name="Slide Number Placeholder 5"/>
+          <p:cNvPr id="6" name="Slide Number Placeholder 5"/>
           <p:cNvSpPr>
             <a:spLocks noGrp="1"/>
           </p:cNvSpPr>
@@ -3142,7 +2792,7 @@
           </a:ln>
         </p:spPr>
         <p:txBody>
-          <a:bodyPr anchor="ctr" bIns="0" lIns="0" rIns="0" rtlCol="0" tIns="0" vert="horz"/>
+          <a:bodyPr vert="horz" lIns="0" tIns="0" rIns="0" bIns="0" rtlCol="0" anchor="ctr"/>
           <a:lstStyle>
             <a:lvl1pPr algn="ctr">
               <a:defRPr sz="1800">
@@ -3163,7 +2813,7 @@
       </p:sp>
       <p:sp>
         <p:nvSpPr>
-          <p:cNvPr id="1048581" name="Footer Placeholder 4"/>
+          <p:cNvPr id="5" name="Footer Placeholder 4"/>
           <p:cNvSpPr>
             <a:spLocks noGrp="1"/>
           </p:cNvSpPr>
@@ -3176,10 +2826,12 @@
             <a:off x="7586910" y="4048760"/>
             <a:ext cx="2367281" cy="365760"/>
           </a:xfrm>
-          <a:prstGeom prst="rect"/>
+          <a:prstGeom prst="rect">
+            <a:avLst/>
+          </a:prstGeom>
         </p:spPr>
         <p:txBody>
-          <a:bodyPr anchor="ctr" bIns="45720" lIns="91440" rIns="91440" rtlCol="0" tIns="45720" vert="horz"/>
+          <a:bodyPr vert="horz" lIns="91440" tIns="45720" rIns="91440" bIns="45720" rtlCol="0" anchor="ctr"/>
           <a:lstStyle>
             <a:lvl1pPr algn="r">
               <a:defRPr sz="1200">
@@ -3196,7 +2848,7 @@
       </p:sp>
       <p:sp>
         <p:nvSpPr>
-          <p:cNvPr id="1048582" name="Date Placeholder 3"/>
+          <p:cNvPr id="4" name="Date Placeholder 3"/>
           <p:cNvSpPr>
             <a:spLocks noGrp="1"/>
           </p:cNvSpPr>
@@ -3209,10 +2861,12 @@
             <a:off x="7551351" y="1645920"/>
             <a:ext cx="2438399" cy="365760"/>
           </a:xfrm>
-          <a:prstGeom prst="rect"/>
+          <a:prstGeom prst="rect">
+            <a:avLst/>
+          </a:prstGeom>
         </p:spPr>
         <p:txBody>
-          <a:bodyPr anchor="ctr" bIns="45720" lIns="91440" rIns="91440" rtlCol="0" tIns="45720" vert="horz"/>
+          <a:bodyPr vert="horz" lIns="91440" tIns="45720" rIns="91440" bIns="45720" rtlCol="0" anchor="ctr"/>
           <a:lstStyle>
             <a:lvl1pPr algn="l">
               <a:defRPr sz="1200">
@@ -3233,28 +2887,28 @@
       </p:sp>
     </p:spTree>
   </p:cSld>
-  <p:clrMap accent1="accent1" accent2="accent2" accent3="accent3" accent4="accent4" accent5="accent5" accent6="accent6" bg1="lt1" bg2="lt2" tx1="dk1" tx2="dk2" hlink="hlink" folHlink="folHlink"/>
+  <p:clrMap bg1="lt1" tx1="dk1" bg2="lt2" tx2="dk2" accent1="accent1" accent2="accent2" accent3="accent3" accent4="accent4" accent5="accent5" accent6="accent6" hlink="hlink" folHlink="folHlink"/>
   <p:sldLayoutIdLst>
-    <p:sldLayoutId id="2147483649" r:id="rId1"/>
-    <p:sldLayoutId id="2147483650" r:id="rId2"/>
-    <p:sldLayoutId id="2147483651" r:id="rId3"/>
-    <p:sldLayoutId id="2147483652" r:id="rId4"/>
-    <p:sldLayoutId id="2147483653" r:id="rId5"/>
-    <p:sldLayoutId id="2147483654" r:id="rId6"/>
-    <p:sldLayoutId id="2147483655" r:id="rId7"/>
-    <p:sldLayoutId id="2147483656" r:id="rId8"/>
-    <p:sldLayoutId id="2147483657" r:id="rId9"/>
-    <p:sldLayoutId id="2147483658" r:id="rId10"/>
-    <p:sldLayoutId id="2147483659" r:id="rId11"/>
+    <p:sldLayoutId id="2147483661" r:id="rId1"/>
+    <p:sldLayoutId id="2147483662" r:id="rId2"/>
+    <p:sldLayoutId id="2147483663" r:id="rId3"/>
+    <p:sldLayoutId id="2147483664" r:id="rId4"/>
+    <p:sldLayoutId id="2147483665" r:id="rId5"/>
+    <p:sldLayoutId id="2147483666" r:id="rId6"/>
+    <p:sldLayoutId id="2147483667" r:id="rId7"/>
+    <p:sldLayoutId id="2147483668" r:id="rId8"/>
+    <p:sldLayoutId id="2147483669" r:id="rId9"/>
+    <p:sldLayoutId id="2147483670" r:id="rId10"/>
+    <p:sldLayoutId id="2147483671" r:id="rId11"/>
   </p:sldLayoutIdLst>
   <p:txStyles>
     <p:titleStyle>
-      <a:lvl1pPr algn="l" defTabSz="914400" eaLnBrk="1" hangingPunct="1" latinLnBrk="0" rtl="0">
+      <a:lvl1pPr algn="l" defTabSz="914400" rtl="0" eaLnBrk="1" latinLnBrk="0" hangingPunct="1">
         <a:spcBef>
           <a:spcPct val="0"/>
         </a:spcBef>
         <a:buNone/>
-        <a:defRPr baseline="0" cap="none" sz="4600" kern="1200" spc="-100">
+        <a:defRPr sz="4600" kern="1200" cap="none" spc="-100" baseline="0">
           <a:ln>
             <a:noFill/>
           </a:ln>
@@ -3269,7 +2923,7 @@
       </a:lvl1pPr>
     </p:titleStyle>
     <p:bodyStyle>
-      <a:lvl1pPr algn="l" defTabSz="914400" eaLnBrk="1" hangingPunct="1" indent="-228600" latinLnBrk="0" marL="342900" rtl="0">
+      <a:lvl1pPr marL="342900" indent="-228600" algn="l" defTabSz="914400" rtl="0" eaLnBrk="1" latinLnBrk="0" hangingPunct="1">
         <a:spcBef>
           <a:spcPct val="20000"/>
         </a:spcBef>
@@ -3287,7 +2941,7 @@
           <a:cs typeface="+mn-cs"/>
         </a:defRPr>
       </a:lvl1pPr>
-      <a:lvl2pPr algn="l" defTabSz="914400" eaLnBrk="1" hangingPunct="1" indent="-228600" latinLnBrk="0" marL="640080" rtl="0">
+      <a:lvl2pPr marL="640080" indent="-228600" algn="l" defTabSz="914400" rtl="0" eaLnBrk="1" latinLnBrk="0" hangingPunct="1">
         <a:spcBef>
           <a:spcPct val="20000"/>
         </a:spcBef>
@@ -3305,7 +2959,7 @@
           <a:cs typeface="+mn-cs"/>
         </a:defRPr>
       </a:lvl2pPr>
-      <a:lvl3pPr algn="l" defTabSz="914400" eaLnBrk="1" hangingPunct="1" indent="-228600" latinLnBrk="0" marL="1005840" rtl="0">
+      <a:lvl3pPr marL="1005840" indent="-228600" algn="l" defTabSz="914400" rtl="0" eaLnBrk="1" latinLnBrk="0" hangingPunct="1">
         <a:spcBef>
           <a:spcPct val="20000"/>
         </a:spcBef>
@@ -3323,7 +2977,7 @@
           <a:cs typeface="+mn-cs"/>
         </a:defRPr>
       </a:lvl3pPr>
-      <a:lvl4pPr algn="l" defTabSz="914400" eaLnBrk="1" hangingPunct="1" indent="-228600" latinLnBrk="0" marL="1280160" rtl="0">
+      <a:lvl4pPr marL="1280160" indent="-228600" algn="l" defTabSz="914400" rtl="0" eaLnBrk="1" latinLnBrk="0" hangingPunct="1">
         <a:spcBef>
           <a:spcPct val="20000"/>
         </a:spcBef>
@@ -3341,7 +2995,7 @@
           <a:cs typeface="+mn-cs"/>
         </a:defRPr>
       </a:lvl4pPr>
-      <a:lvl5pPr algn="l" defTabSz="914400" eaLnBrk="1" hangingPunct="1" indent="-228600" latinLnBrk="0" marL="1554480" rtl="0">
+      <a:lvl5pPr marL="1554480" indent="-228600" algn="l" defTabSz="914400" rtl="0" eaLnBrk="1" latinLnBrk="0" hangingPunct="1">
         <a:spcBef>
           <a:spcPct val="20000"/>
         </a:spcBef>
@@ -3350,7 +3004,7 @@
         </a:buClr>
         <a:buFont typeface="Arial" pitchFamily="34" charset="0"/>
         <a:buChar char="•"/>
-        <a:defRPr baseline="0" sz="1400" kern="1200">
+        <a:defRPr sz="1400" kern="1200" baseline="0">
           <a:solidFill>
             <a:schemeClr val="tx1"/>
           </a:solidFill>
@@ -3359,7 +3013,7 @@
           <a:cs typeface="+mn-cs"/>
         </a:defRPr>
       </a:lvl5pPr>
-      <a:lvl6pPr algn="l" defTabSz="914400" eaLnBrk="1" hangingPunct="1" indent="-182880" latinLnBrk="0" marL="1737360" rtl="0">
+      <a:lvl6pPr marL="1737360" indent="-182880" algn="l" defTabSz="914400" rtl="0" eaLnBrk="1" latinLnBrk="0" hangingPunct="1">
         <a:spcBef>
           <a:spcPct val="20000"/>
         </a:spcBef>
@@ -3368,7 +3022,7 @@
         </a:buClr>
         <a:buFont typeface="Arial" pitchFamily="34" charset="0"/>
         <a:buChar char="•"/>
-        <a:defRPr baseline="0" sz="1400" kern="1200">
+        <a:defRPr sz="1400" kern="1200" baseline="0">
           <a:solidFill>
             <a:schemeClr val="tx1"/>
           </a:solidFill>
@@ -3377,7 +3031,7 @@
           <a:cs typeface="+mn-cs"/>
         </a:defRPr>
       </a:lvl6pPr>
-      <a:lvl7pPr algn="l" defTabSz="914400" eaLnBrk="1" hangingPunct="1" indent="-182880" latinLnBrk="0" marL="1920240" rtl="0">
+      <a:lvl7pPr marL="1920240" indent="-182880" algn="l" defTabSz="914400" rtl="0" eaLnBrk="1" latinLnBrk="0" hangingPunct="1">
         <a:spcBef>
           <a:spcPct val="20000"/>
         </a:spcBef>
@@ -3395,7 +3049,7 @@
           <a:cs typeface="+mn-cs"/>
         </a:defRPr>
       </a:lvl7pPr>
-      <a:lvl8pPr algn="l" defTabSz="914400" eaLnBrk="1" hangingPunct="1" indent="-182880" latinLnBrk="0" marL="2103120" rtl="0">
+      <a:lvl8pPr marL="2103120" indent="-182880" algn="l" defTabSz="914400" rtl="0" eaLnBrk="1" latinLnBrk="0" hangingPunct="1">
         <a:spcBef>
           <a:spcPct val="20000"/>
         </a:spcBef>
@@ -3413,7 +3067,7 @@
           <a:cs typeface="+mn-cs"/>
         </a:defRPr>
       </a:lvl8pPr>
-      <a:lvl9pPr algn="l" defTabSz="914400" eaLnBrk="1" hangingPunct="1" indent="-182880" latinLnBrk="0" marL="2286000" rtl="0">
+      <a:lvl9pPr marL="2286000" indent="-182880" algn="l" defTabSz="914400" rtl="0" eaLnBrk="1" latinLnBrk="0" hangingPunct="1">
         <a:spcBef>
           <a:spcPct val="20000"/>
         </a:spcBef>
@@ -3436,7 +3090,7 @@
       <a:defPPr>
         <a:defRPr lang="en-US"/>
       </a:defPPr>
-      <a:lvl1pPr algn="l" defTabSz="914400" eaLnBrk="1" hangingPunct="1" latinLnBrk="0" marL="0" rtl="0">
+      <a:lvl1pPr marL="0" algn="l" defTabSz="914400" rtl="0" eaLnBrk="1" latinLnBrk="0" hangingPunct="1">
         <a:defRPr sz="1800" kern="1200">
           <a:solidFill>
             <a:schemeClr val="tx1"/>
@@ -3446,7 +3100,7 @@
           <a:cs typeface="+mn-cs"/>
         </a:defRPr>
       </a:lvl1pPr>
-      <a:lvl2pPr algn="l" defTabSz="914400" eaLnBrk="1" hangingPunct="1" latinLnBrk="0" marL="457200" rtl="0">
+      <a:lvl2pPr marL="457200" algn="l" defTabSz="914400" rtl="0" eaLnBrk="1" latinLnBrk="0" hangingPunct="1">
         <a:defRPr sz="1800" kern="1200">
           <a:solidFill>
             <a:schemeClr val="tx1"/>
@@ -3456,7 +3110,7 @@
           <a:cs typeface="+mn-cs"/>
         </a:defRPr>
       </a:lvl2pPr>
-      <a:lvl3pPr algn="l" defTabSz="914400" eaLnBrk="1" hangingPunct="1" latinLnBrk="0" marL="914400" rtl="0">
+      <a:lvl3pPr marL="914400" algn="l" defTabSz="914400" rtl="0" eaLnBrk="1" latinLnBrk="0" hangingPunct="1">
         <a:defRPr sz="1800" kern="1200">
           <a:solidFill>
             <a:schemeClr val="tx1"/>
@@ -3466,7 +3120,7 @@
           <a:cs typeface="+mn-cs"/>
         </a:defRPr>
       </a:lvl3pPr>
-      <a:lvl4pPr algn="l" defTabSz="914400" eaLnBrk="1" hangingPunct="1" latinLnBrk="0" marL="1371600" rtl="0">
+      <a:lvl4pPr marL="1371600" algn="l" defTabSz="914400" rtl="0" eaLnBrk="1" latinLnBrk="0" hangingPunct="1">
         <a:defRPr sz="1800" kern="1200">
           <a:solidFill>
             <a:schemeClr val="tx1"/>
@@ -3476,7 +3130,7 @@
           <a:cs typeface="+mn-cs"/>
         </a:defRPr>
       </a:lvl4pPr>
-      <a:lvl5pPr algn="l" defTabSz="914400" eaLnBrk="1" hangingPunct="1" latinLnBrk="0" marL="1828800" rtl="0">
+      <a:lvl5pPr marL="1828800" algn="l" defTabSz="914400" rtl="0" eaLnBrk="1" latinLnBrk="0" hangingPunct="1">
         <a:defRPr sz="1800" kern="1200">
           <a:solidFill>
             <a:schemeClr val="tx1"/>
@@ -3486,7 +3140,7 @@
           <a:cs typeface="+mn-cs"/>
         </a:defRPr>
       </a:lvl5pPr>
-      <a:lvl6pPr algn="l" defTabSz="914400" eaLnBrk="1" hangingPunct="1" latinLnBrk="0" marL="2286000" rtl="0">
+      <a:lvl6pPr marL="2286000" algn="l" defTabSz="914400" rtl="0" eaLnBrk="1" latinLnBrk="0" hangingPunct="1">
         <a:defRPr sz="1800" kern="1200">
           <a:solidFill>
             <a:schemeClr val="tx1"/>
@@ -3496,7 +3150,7 @@
           <a:cs typeface="+mn-cs"/>
         </a:defRPr>
       </a:lvl6pPr>
-      <a:lvl7pPr algn="l" defTabSz="914400" eaLnBrk="1" hangingPunct="1" latinLnBrk="0" marL="2743200" rtl="0">
+      <a:lvl7pPr marL="2743200" algn="l" defTabSz="914400" rtl="0" eaLnBrk="1" latinLnBrk="0" hangingPunct="1">
         <a:defRPr sz="1800" kern="1200">
           <a:solidFill>
             <a:schemeClr val="tx1"/>
@@ -3506,7 +3160,7 @@
           <a:cs typeface="+mn-cs"/>
         </a:defRPr>
       </a:lvl7pPr>
-      <a:lvl8pPr algn="l" defTabSz="914400" eaLnBrk="1" hangingPunct="1" latinLnBrk="0" marL="3200400" rtl="0">
+      <a:lvl8pPr marL="3200400" algn="l" defTabSz="914400" rtl="0" eaLnBrk="1" latinLnBrk="0" hangingPunct="1">
         <a:defRPr sz="1800" kern="1200">
           <a:solidFill>
             <a:schemeClr val="tx1"/>
@@ -3516,7 +3170,7 @@
           <a:cs typeface="+mn-cs"/>
         </a:defRPr>
       </a:lvl8pPr>
-      <a:lvl9pPr algn="l" defTabSz="914400" eaLnBrk="1" hangingPunct="1" latinLnBrk="0" marL="3657600" rtl="0">
+      <a:lvl9pPr marL="3657600" algn="l" defTabSz="914400" rtl="0" eaLnBrk="1" latinLnBrk="0" hangingPunct="1">
         <a:defRPr sz="1800" kern="1200">
           <a:solidFill>
             <a:schemeClr val="tx1"/>
@@ -3536,7 +3190,7 @@
   <p:cSld>
     <p:spTree>
       <p:nvGrpSpPr>
-        <p:cNvPr id="24" name=""/>
+        <p:cNvPr id="1" name=""/>
         <p:cNvGrpSpPr/>
         <p:nvPr/>
       </p:nvGrpSpPr>
@@ -3550,7 +3204,7 @@
       </p:grpSpPr>
       <p:sp>
         <p:nvSpPr>
-          <p:cNvPr id="1048588" name="Title 1"/>
+          <p:cNvPr id="2" name="Title 1"/>
           <p:cNvSpPr>
             <a:spLocks noGrp="1"/>
           </p:cNvSpPr>
@@ -3561,18 +3215,19 @@
         <p:spPr/>
         <p:txBody>
           <a:bodyPr/>
-          <a:p>
-            <a:r>
-              <a:rPr dirty="0" lang="en-IN" smtClean="0"/>
+          <a:lstStyle/>
+          <a:p>
+            <a:r>
+              <a:rPr lang="en-IN" dirty="0" smtClean="0"/>
               <a:t>ANGULAR 7 FEATURES</a:t>
             </a:r>
-            <a:endParaRPr dirty="0" lang="en-IN"/>
-          </a:p>
-        </p:txBody>
-      </p:sp>
-      <p:sp>
-        <p:nvSpPr>
-          <p:cNvPr id="1048589" name="Subtitle 2"/>
+            <a:endParaRPr lang="en-IN" dirty="0"/>
+          </a:p>
+        </p:txBody>
+      </p:sp>
+      <p:sp>
+        <p:nvSpPr>
+          <p:cNvPr id="3" name="Subtitle 2"/>
           <p:cNvSpPr>
             <a:spLocks noGrp="1"/>
           </p:cNvSpPr>
@@ -3588,139 +3243,27 @@
         </p:spPr>
         <p:txBody>
           <a:bodyPr/>
-          <a:p>
-            <a:r>
-              <a:rPr dirty="0" lang="en-US" smtClean="0">
+          <a:lstStyle/>
+          <a:p>
+            <a:r>
+              <a:rPr lang="en-IN" dirty="0" smtClean="0">
                 <a:solidFill>
                   <a:schemeClr val="tx1"/>
                 </a:solidFill>
               </a:rPr>
-              <a:t>G</a:t>
-            </a:r>
-            <a:r>
-              <a:rPr dirty="0" lang="en-US" smtClean="0">
+              <a:t>MD AL ZAMEER</a:t>
+            </a:r>
+          </a:p>
+          <a:p>
+            <a:r>
+              <a:rPr lang="en-IN" dirty="0" smtClean="0">
                 <a:solidFill>
                   <a:schemeClr val="tx1"/>
                 </a:solidFill>
               </a:rPr>
-              <a:t>.</a:t>
-            </a:r>
-            <a:r>
-              <a:rPr dirty="0" lang="en-US" smtClean="0">
-                <a:solidFill>
-                  <a:schemeClr val="tx1"/>
-                </a:solidFill>
-              </a:rPr>
-              <a:t> </a:t>
-            </a:r>
-            <a:r>
-              <a:rPr dirty="0" lang="en-US" smtClean="0">
-                <a:solidFill>
-                  <a:schemeClr val="tx1"/>
-                </a:solidFill>
-              </a:rPr>
-              <a:t>L</a:t>
-            </a:r>
-            <a:r>
-              <a:rPr dirty="0" lang="en-US" smtClean="0">
-                <a:solidFill>
-                  <a:schemeClr val="tx1"/>
-                </a:solidFill>
-              </a:rPr>
-              <a:t>a</a:t>
-            </a:r>
-            <a:r>
-              <a:rPr dirty="0" lang="en-US" smtClean="0">
-                <a:solidFill>
-                  <a:schemeClr val="tx1"/>
-                </a:solidFill>
-              </a:rPr>
-              <a:t>k</a:t>
-            </a:r>
-            <a:r>
-              <a:rPr dirty="0" lang="en-US" smtClean="0">
-                <a:solidFill>
-                  <a:schemeClr val="tx1"/>
-                </a:solidFill>
-              </a:rPr>
-              <a:t>s</a:t>
-            </a:r>
-            <a:r>
-              <a:rPr dirty="0" lang="en-US" smtClean="0">
-                <a:solidFill>
-                  <a:schemeClr val="tx1"/>
-                </a:solidFill>
-              </a:rPr>
-              <a:t>h</a:t>
-            </a:r>
-            <a:r>
-              <a:rPr dirty="0" lang="en-US" smtClean="0">
-                <a:solidFill>
-                  <a:schemeClr val="tx1"/>
-                </a:solidFill>
-              </a:rPr>
-              <a:t>m</a:t>
-            </a:r>
-            <a:r>
-              <a:rPr dirty="0" lang="en-US" smtClean="0">
-                <a:solidFill>
-                  <a:schemeClr val="tx1"/>
-                </a:solidFill>
-              </a:rPr>
-              <a:t>i</a:t>
-            </a:r>
-            <a:r>
-              <a:rPr dirty="0" lang="en-US" smtClean="0">
-                <a:solidFill>
-                  <a:schemeClr val="tx1"/>
-                </a:solidFill>
-              </a:rPr>
-              <a:t> </a:t>
-            </a:r>
-            <a:r>
-              <a:rPr dirty="0" lang="en-US" smtClean="0">
-                <a:solidFill>
-                  <a:schemeClr val="tx1"/>
-                </a:solidFill>
-              </a:rPr>
-              <a:t>Jyothi</a:t>
-            </a:r>
-            <a:endParaRPr altLang="en-US" lang="zh-CN"/>
-          </a:p>
-          <a:p>
-            <a:r>
-              <a:rPr dirty="0" lang="en-IN" smtClean="0">
-                <a:solidFill>
-                  <a:schemeClr val="tx1"/>
-                </a:solidFill>
-              </a:rPr>
-              <a:t>ID:5067</a:t>
-            </a:r>
-            <a:r>
-              <a:rPr dirty="0" lang="en-US" smtClean="0">
-                <a:solidFill>
-                  <a:schemeClr val="tx1"/>
-                </a:solidFill>
-              </a:rPr>
-              <a:t>6</a:t>
-            </a:r>
-            <a:r>
-              <a:rPr dirty="0" lang="en-US" smtClean="0">
-                <a:solidFill>
-                  <a:schemeClr val="tx1"/>
-                </a:solidFill>
-              </a:rPr>
-              <a:t>4</a:t>
-            </a:r>
-            <a:r>
-              <a:rPr dirty="0" lang="en-US" smtClean="0">
-                <a:solidFill>
-                  <a:schemeClr val="tx1"/>
-                </a:solidFill>
-              </a:rPr>
-              <a:t>1</a:t>
-            </a:r>
-            <a:endParaRPr dirty="0" lang="en-IN">
+              <a:t>ID:5067551</a:t>
+            </a:r>
+            <a:endParaRPr lang="en-IN" dirty="0">
               <a:solidFill>
                 <a:schemeClr val="tx1"/>
               </a:solidFill>
@@ -3729,6 +3272,11 @@
         </p:txBody>
       </p:sp>
     </p:spTree>
+    <p:extLst>
+      <p:ext uri="{BB962C8B-B14F-4D97-AF65-F5344CB8AC3E}">
+        <p14:creationId xmlns:p14="http://schemas.microsoft.com/office/powerpoint/2010/main" val="3933654457"/>
+      </p:ext>
+    </p:extLst>
   </p:cSld>
   <p:clrMapOvr>
     <a:masterClrMapping/>
@@ -3741,7 +3289,7 @@
   <p:cSld>
     <p:spTree>
       <p:nvGrpSpPr>
-        <p:cNvPr id="56" name=""/>
+        <p:cNvPr id="1" name=""/>
         <p:cNvGrpSpPr/>
         <p:nvPr/>
       </p:nvGrpSpPr>
@@ -3755,7 +3303,7 @@
       </p:grpSpPr>
       <p:sp>
         <p:nvSpPr>
-          <p:cNvPr id="1048609" name="Title 1"/>
+          <p:cNvPr id="2" name="Title 1"/>
           <p:cNvSpPr>
             <a:spLocks noGrp="1"/>
           </p:cNvSpPr>
@@ -3766,6 +3314,7 @@
         <p:spPr/>
         <p:txBody>
           <a:bodyPr/>
+          <a:lstStyle/>
           <a:p>
             <a:endParaRPr lang="en-IN"/>
           </a:p>
@@ -3773,12 +3322,17 @@
       </p:sp>
       <p:graphicFrame>
         <p:nvGraphicFramePr>
-          <p:cNvPr id="4194305" name="Content Placeholder 3"/>
+          <p:cNvPr id="4" name="Content Placeholder 3"/>
           <p:cNvGraphicFramePr>
             <a:graphicFrameLocks noGrp="1"/>
           </p:cNvGraphicFramePr>
           <p:nvPr>
             <p:ph idx="1"/>
+            <p:extLst>
+              <p:ext uri="{D42A27DB-BD31-4B8C-83A1-F6EECF244321}">
+                <p14:modId xmlns:p14="http://schemas.microsoft.com/office/powerpoint/2010/main" val="1232820404"/>
+              </p:ext>
+            </p:extLst>
           </p:nvPr>
         </p:nvGraphicFramePr>
         <p:xfrm>
@@ -3797,10 +3351,11 @@
                 <a:tc>
                   <a:txBody>
                     <a:bodyPr/>
+                    <a:lstStyle/>
                     <a:p>
                       <a:pPr algn="r" fontAlgn="base"/>
                       <a:r>
-                        <a:rPr sz="1500" lang="en-IN">
+                        <a:rPr lang="en-IN" sz="1500">
                           <a:solidFill>
                             <a:srgbClr val="AAAAAA"/>
                           </a:solidFill>
@@ -3813,7 +3368,7 @@
                     <a:p>
                       <a:pPr algn="r" fontAlgn="base"/>
                       <a:r>
-                        <a:rPr sz="1500" lang="en-IN">
+                        <a:rPr lang="en-IN" sz="1500">
                           <a:solidFill>
                             <a:srgbClr val="AAAAAA"/>
                           </a:solidFill>
@@ -3826,7 +3381,7 @@
                     <a:p>
                       <a:pPr algn="r" fontAlgn="base"/>
                       <a:r>
-                        <a:rPr sz="1500" lang="en-IN">
+                        <a:rPr lang="en-IN" sz="1500">
                           <a:solidFill>
                             <a:srgbClr val="AAAAAA"/>
                           </a:solidFill>
@@ -3839,7 +3394,7 @@
                     <a:p>
                       <a:pPr algn="r" fontAlgn="base"/>
                       <a:r>
-                        <a:rPr sz="1500" lang="en-IN">
+                        <a:rPr lang="en-IN" sz="1500">
                           <a:solidFill>
                             <a:srgbClr val="AAAAAA"/>
                           </a:solidFill>
@@ -3852,7 +3407,7 @@
                     <a:p>
                       <a:pPr algn="r" fontAlgn="base"/>
                       <a:r>
-                        <a:rPr sz="1500" lang="en-IN">
+                        <a:rPr lang="en-IN" sz="1500">
                           <a:solidFill>
                             <a:srgbClr val="AAAAAA"/>
                           </a:solidFill>
@@ -3865,7 +3420,7 @@
                     <a:p>
                       <a:pPr algn="r" fontAlgn="base"/>
                       <a:r>
-                        <a:rPr sz="1500" lang="en-IN">
+                        <a:rPr lang="en-IN" sz="1500">
                           <a:solidFill>
                             <a:srgbClr val="AAAAAA"/>
                           </a:solidFill>
@@ -3878,7 +3433,7 @@
                     <a:p>
                       <a:pPr algn="r" fontAlgn="base"/>
                       <a:r>
-                        <a:rPr sz="1500" lang="en-IN">
+                        <a:rPr lang="en-IN" sz="1500">
                           <a:solidFill>
                             <a:srgbClr val="AAAAAA"/>
                           </a:solidFill>
@@ -3891,7 +3446,7 @@
                     <a:p>
                       <a:pPr algn="r" fontAlgn="base"/>
                       <a:r>
-                        <a:rPr sz="1500" lang="en-IN">
+                        <a:rPr lang="en-IN" sz="1500">
                           <a:solidFill>
                             <a:srgbClr val="AAAAAA"/>
                           </a:solidFill>
@@ -3904,7 +3459,7 @@
                     <a:p>
                       <a:pPr algn="r" fontAlgn="base"/>
                       <a:r>
-                        <a:rPr sz="1500" lang="en-IN">
+                        <a:rPr lang="en-IN" sz="1500">
                           <a:solidFill>
                             <a:srgbClr val="AAAAAA"/>
                           </a:solidFill>
@@ -3917,7 +3472,7 @@
                     <a:p>
                       <a:pPr algn="r" fontAlgn="base"/>
                       <a:r>
-                        <a:rPr sz="1500" lang="en-IN">
+                        <a:rPr lang="en-IN" sz="1500">
                           <a:solidFill>
                             <a:srgbClr val="AAAAAA"/>
                           </a:solidFill>
@@ -3930,7 +3485,7 @@
                     <a:p>
                       <a:pPr algn="r" fontAlgn="base"/>
                       <a:r>
-                        <a:rPr sz="1500" lang="en-IN">
+                        <a:rPr lang="en-IN" sz="1500">
                           <a:solidFill>
                             <a:srgbClr val="AAAAAA"/>
                           </a:solidFill>
@@ -3943,7 +3498,7 @@
                     <a:p>
                       <a:pPr algn="r" fontAlgn="base"/>
                       <a:r>
-                        <a:rPr sz="1500" lang="en-IN">
+                        <a:rPr lang="en-IN" sz="1500">
                           <a:solidFill>
                             <a:srgbClr val="AAAAAA"/>
                           </a:solidFill>
@@ -3956,7 +3511,7 @@
                     <a:p>
                       <a:pPr algn="r" fontAlgn="base"/>
                       <a:r>
-                        <a:rPr sz="1500" lang="en-IN">
+                        <a:rPr lang="en-IN" sz="1500">
                           <a:solidFill>
                             <a:srgbClr val="AAAAAA"/>
                           </a:solidFill>
@@ -3969,7 +3524,7 @@
                     <a:p>
                       <a:pPr algn="r" fontAlgn="base"/>
                       <a:r>
-                        <a:rPr sz="1500" lang="en-IN">
+                        <a:rPr lang="en-IN" sz="1500">
                           <a:solidFill>
                             <a:srgbClr val="AAAAAA"/>
                           </a:solidFill>
@@ -3982,7 +3537,7 @@
                     <a:p>
                       <a:pPr algn="r" fontAlgn="base"/>
                       <a:r>
-                        <a:rPr sz="1500" lang="en-IN">
+                        <a:rPr lang="en-IN" sz="1500">
                           <a:solidFill>
                             <a:srgbClr val="AAAAAA"/>
                           </a:solidFill>
@@ -4008,13 +3563,9 @@
                     </a:lnR>
                     <a:lnT>
                       <a:noFill/>
-                      <a:headEnd type="none" w="med" len="med"/>
-                      <a:tailEnd type="none" w="med" len="med"/>
                     </a:lnT>
                     <a:lnB>
                       <a:noFill/>
-                      <a:headEnd type="none" w="med" len="med"/>
-                      <a:tailEnd type="none" w="med" len="med"/>
                     </a:lnB>
                     <a:solidFill>
                       <a:srgbClr val="FDFDFD"/>
@@ -4024,10 +3575,11 @@
                 <a:tc>
                   <a:txBody>
                     <a:bodyPr/>
+                    <a:lstStyle/>
                     <a:p>
                       <a:pPr algn="l" fontAlgn="base"/>
                       <a:r>
-                        <a:rPr dirty="0" sz="1500" lang="en-IN">
+                        <a:rPr lang="en-IN" sz="1500" dirty="0">
                           <a:solidFill>
                             <a:srgbClr val="006FE0"/>
                           </a:solidFill>
@@ -4037,7 +3589,7 @@
                         <a:t>  </a:t>
                       </a:r>
                       <a:r>
-                        <a:rPr b="1" dirty="0" sz="1500" lang="en-IN">
+                        <a:rPr lang="en-IN" sz="1500" b="1" dirty="0">
                           <a:solidFill>
                             <a:srgbClr val="000000"/>
                           </a:solidFill>
@@ -4046,7 +3598,7 @@
                         </a:rPr>
                         <a:t>&lt;table&gt;</a:t>
                       </a:r>
-                      <a:endParaRPr dirty="0" sz="1500" lang="en-IN">
+                      <a:endParaRPr lang="en-IN" sz="1500" dirty="0">
                         <a:solidFill>
                           <a:srgbClr val="000000"/>
                         </a:solidFill>
@@ -4057,7 +3609,7 @@
                     <a:p>
                       <a:pPr algn="l" fontAlgn="base"/>
                       <a:r>
-                        <a:rPr dirty="0" sz="1500" lang="en-IN">
+                        <a:rPr lang="en-IN" sz="1500" dirty="0">
                           <a:solidFill>
                             <a:srgbClr val="000000"/>
                           </a:solidFill>
@@ -4067,7 +3619,7 @@
                         <a:t>    </a:t>
                       </a:r>
                       <a:r>
-                        <a:rPr b="1" dirty="0" sz="1500" lang="en-IN">
+                        <a:rPr lang="en-IN" sz="1500" b="1" dirty="0">
                           <a:solidFill>
                             <a:srgbClr val="000000"/>
                           </a:solidFill>
@@ -4077,7 +3629,7 @@
                         <a:t>&lt;</a:t>
                       </a:r>
                       <a:r>
-                        <a:rPr b="1" dirty="0" sz="1500" lang="en-IN" err="1">
+                        <a:rPr lang="en-IN" sz="1500" b="1" dirty="0" err="1">
                           <a:solidFill>
                             <a:srgbClr val="000000"/>
                           </a:solidFill>
@@ -4087,7 +3639,7 @@
                         <a:t>thead</a:t>
                       </a:r>
                       <a:r>
-                        <a:rPr b="1" dirty="0" sz="1500" lang="en-IN">
+                        <a:rPr lang="en-IN" sz="1500" b="1" dirty="0">
                           <a:solidFill>
                             <a:srgbClr val="000000"/>
                           </a:solidFill>
@@ -4096,7 +3648,7 @@
                         </a:rPr>
                         <a:t>&gt;</a:t>
                       </a:r>
-                      <a:endParaRPr dirty="0" sz="1500" lang="en-IN">
+                      <a:endParaRPr lang="en-IN" sz="1500" dirty="0">
                         <a:solidFill>
                           <a:srgbClr val="000000"/>
                         </a:solidFill>
@@ -4107,7 +3659,7 @@
                     <a:p>
                       <a:pPr algn="l" fontAlgn="base"/>
                       <a:r>
-                        <a:rPr dirty="0" sz="1500" lang="en-IN">
+                        <a:rPr lang="en-IN" sz="1500" dirty="0">
                           <a:solidFill>
                             <a:srgbClr val="000000"/>
                           </a:solidFill>
@@ -4117,7 +3669,7 @@
                         <a:t>      </a:t>
                       </a:r>
                       <a:r>
-                        <a:rPr b="1" dirty="0" sz="1500" lang="en-IN">
+                        <a:rPr lang="en-IN" sz="1500" b="1" dirty="0">
                           <a:solidFill>
                             <a:srgbClr val="000000"/>
                           </a:solidFill>
@@ -4127,7 +3679,7 @@
                         <a:t>&lt;</a:t>
                       </a:r>
                       <a:r>
-                        <a:rPr b="1" dirty="0" sz="1500" lang="en-IN" err="1">
+                        <a:rPr lang="en-IN" sz="1500" b="1" dirty="0" err="1">
                           <a:solidFill>
                             <a:srgbClr val="000000"/>
                           </a:solidFill>
@@ -4137,7 +3689,7 @@
                         <a:t>tr</a:t>
                       </a:r>
                       <a:r>
-                        <a:rPr b="1" dirty="0" sz="1500" lang="en-IN">
+                        <a:rPr lang="en-IN" sz="1500" b="1" dirty="0">
                           <a:solidFill>
                             <a:srgbClr val="000000"/>
                           </a:solidFill>
@@ -4146,7 +3698,7 @@
                         </a:rPr>
                         <a:t>&gt;</a:t>
                       </a:r>
-                      <a:endParaRPr dirty="0" sz="1500" lang="en-IN">
+                      <a:endParaRPr lang="en-IN" sz="1500" dirty="0">
                         <a:solidFill>
                           <a:srgbClr val="000000"/>
                         </a:solidFill>
@@ -4157,7 +3709,7 @@
                     <a:p>
                       <a:pPr algn="l" fontAlgn="base"/>
                       <a:r>
-                        <a:rPr dirty="0" sz="1500" lang="en-IN">
+                        <a:rPr lang="en-IN" sz="1500" dirty="0">
                           <a:solidFill>
                             <a:srgbClr val="000000"/>
                           </a:solidFill>
@@ -4167,7 +3719,7 @@
                         <a:t>        </a:t>
                       </a:r>
                       <a:r>
-                        <a:rPr b="1" dirty="0" sz="1500" lang="en-IN">
+                        <a:rPr lang="en-IN" sz="1500" b="1" dirty="0">
                           <a:solidFill>
                             <a:srgbClr val="000000"/>
                           </a:solidFill>
@@ -4177,7 +3729,7 @@
                         <a:t>&lt;td&gt;</a:t>
                       </a:r>
                       <a:r>
-                        <a:rPr dirty="0" sz="1500" lang="en-IN">
+                        <a:rPr lang="en-IN" sz="1500" dirty="0">
                           <a:solidFill>
                             <a:srgbClr val="000000"/>
                           </a:solidFill>
@@ -4187,7 +3739,7 @@
                         <a:t>Name</a:t>
                       </a:r>
                       <a:r>
-                        <a:rPr b="1" dirty="0" sz="1500" lang="en-IN">
+                        <a:rPr lang="en-IN" sz="1500" b="1" dirty="0">
                           <a:solidFill>
                             <a:srgbClr val="000000"/>
                           </a:solidFill>
@@ -4196,7 +3748,7 @@
                         </a:rPr>
                         <a:t>&lt;/td&gt;</a:t>
                       </a:r>
-                      <a:endParaRPr dirty="0" sz="1500" lang="en-IN">
+                      <a:endParaRPr lang="en-IN" sz="1500" dirty="0">
                         <a:solidFill>
                           <a:srgbClr val="000000"/>
                         </a:solidFill>
@@ -4207,7 +3759,7 @@
                     <a:p>
                       <a:pPr algn="l" fontAlgn="base"/>
                       <a:r>
-                        <a:rPr dirty="0" sz="1500" lang="en-IN">
+                        <a:rPr lang="en-IN" sz="1500" dirty="0">
                           <a:solidFill>
                             <a:srgbClr val="000000"/>
                           </a:solidFill>
@@ -4217,7 +3769,7 @@
                         <a:t>        </a:t>
                       </a:r>
                       <a:r>
-                        <a:rPr b="1" dirty="0" sz="1500" lang="en-IN">
+                        <a:rPr lang="en-IN" sz="1500" b="1" dirty="0">
                           <a:solidFill>
                             <a:srgbClr val="000000"/>
                           </a:solidFill>
@@ -4227,7 +3779,7 @@
                         <a:t>&lt;td&gt;</a:t>
                       </a:r>
                       <a:r>
-                        <a:rPr dirty="0" sz="1500" lang="en-IN">
+                        <a:rPr lang="en-IN" sz="1500" dirty="0">
                           <a:solidFill>
                             <a:srgbClr val="000000"/>
                           </a:solidFill>
@@ -4237,7 +3789,7 @@
                         <a:t>ID</a:t>
                       </a:r>
                       <a:r>
-                        <a:rPr b="1" dirty="0" sz="1500" lang="en-IN">
+                        <a:rPr lang="en-IN" sz="1500" b="1" dirty="0">
                           <a:solidFill>
                             <a:srgbClr val="000000"/>
                           </a:solidFill>
@@ -4246,7 +3798,7 @@
                         </a:rPr>
                         <a:t>&lt;/td&gt;</a:t>
                       </a:r>
-                      <a:endParaRPr dirty="0" sz="1500" lang="en-IN">
+                      <a:endParaRPr lang="en-IN" sz="1500" dirty="0">
                         <a:solidFill>
                           <a:srgbClr val="000000"/>
                         </a:solidFill>
@@ -4257,7 +3809,7 @@
                     <a:p>
                       <a:pPr algn="l" fontAlgn="base"/>
                       <a:r>
-                        <a:rPr dirty="0" sz="1500" lang="en-IN">
+                        <a:rPr lang="en-IN" sz="1500" dirty="0">
                           <a:solidFill>
                             <a:srgbClr val="000000"/>
                           </a:solidFill>
@@ -4267,7 +3819,7 @@
                         <a:t>      </a:t>
                       </a:r>
                       <a:r>
-                        <a:rPr b="1" dirty="0" sz="1500" lang="en-IN">
+                        <a:rPr lang="en-IN" sz="1500" b="1" dirty="0">
                           <a:solidFill>
                             <a:srgbClr val="000000"/>
                           </a:solidFill>
@@ -4277,7 +3829,7 @@
                         <a:t>&lt;/</a:t>
                       </a:r>
                       <a:r>
-                        <a:rPr b="1" dirty="0" sz="1500" lang="en-IN" err="1">
+                        <a:rPr lang="en-IN" sz="1500" b="1" dirty="0" err="1">
                           <a:solidFill>
                             <a:srgbClr val="000000"/>
                           </a:solidFill>
@@ -4287,7 +3839,7 @@
                         <a:t>tr</a:t>
                       </a:r>
                       <a:r>
-                        <a:rPr b="1" dirty="0" sz="1500" lang="en-IN">
+                        <a:rPr lang="en-IN" sz="1500" b="1" dirty="0">
                           <a:solidFill>
                             <a:srgbClr val="000000"/>
                           </a:solidFill>
@@ -4296,7 +3848,7 @@
                         </a:rPr>
                         <a:t>&gt;</a:t>
                       </a:r>
-                      <a:endParaRPr dirty="0" sz="1500" lang="en-IN">
+                      <a:endParaRPr lang="en-IN" sz="1500" dirty="0">
                         <a:solidFill>
                           <a:srgbClr val="000000"/>
                         </a:solidFill>
@@ -4307,7 +3859,7 @@
                     <a:p>
                       <a:pPr algn="l" fontAlgn="base"/>
                       <a:r>
-                        <a:rPr dirty="0" sz="1500" lang="en-IN">
+                        <a:rPr lang="en-IN" sz="1500" dirty="0">
                           <a:solidFill>
                             <a:srgbClr val="000000"/>
                           </a:solidFill>
@@ -4317,7 +3869,7 @@
                         <a:t>    </a:t>
                       </a:r>
                       <a:r>
-                        <a:rPr b="1" dirty="0" sz="1500" lang="en-IN">
+                        <a:rPr lang="en-IN" sz="1500" b="1" dirty="0">
                           <a:solidFill>
                             <a:srgbClr val="000000"/>
                           </a:solidFill>
@@ -4327,7 +3879,7 @@
                         <a:t>&lt;/</a:t>
                       </a:r>
                       <a:r>
-                        <a:rPr b="1" dirty="0" sz="1500" lang="en-IN" err="1">
+                        <a:rPr lang="en-IN" sz="1500" b="1" dirty="0" err="1">
                           <a:solidFill>
                             <a:srgbClr val="000000"/>
                           </a:solidFill>
@@ -4337,7 +3889,7 @@
                         <a:t>thead</a:t>
                       </a:r>
                       <a:r>
-                        <a:rPr b="1" dirty="0" sz="1500" lang="en-IN">
+                        <a:rPr lang="en-IN" sz="1500" b="1" dirty="0">
                           <a:solidFill>
                             <a:srgbClr val="000000"/>
                           </a:solidFill>
@@ -4346,7 +3898,7 @@
                         </a:rPr>
                         <a:t>&gt;</a:t>
                       </a:r>
-                      <a:endParaRPr dirty="0" sz="1500" lang="en-IN">
+                      <a:endParaRPr lang="en-IN" sz="1500" dirty="0">
                         <a:solidFill>
                           <a:srgbClr val="000000"/>
                         </a:solidFill>
@@ -4357,7 +3909,7 @@
                     <a:p>
                       <a:pPr algn="l" fontAlgn="base"/>
                       <a:r>
-                        <a:rPr dirty="0" sz="1500" lang="en-IN">
+                        <a:rPr lang="en-IN" sz="1500" dirty="0">
                           <a:solidFill>
                             <a:srgbClr val="000000"/>
                           </a:solidFill>
@@ -4367,7 +3919,7 @@
                         <a:t>    </a:t>
                       </a:r>
                       <a:r>
-                        <a:rPr b="1" dirty="0" sz="1500" lang="en-IN">
+                        <a:rPr lang="en-IN" sz="1500" b="1" dirty="0">
                           <a:solidFill>
                             <a:srgbClr val="000000"/>
                           </a:solidFill>
@@ -4377,7 +3929,7 @@
                         <a:t>&lt;</a:t>
                       </a:r>
                       <a:r>
-                        <a:rPr b="1" dirty="0" sz="1500" lang="en-IN" err="1">
+                        <a:rPr lang="en-IN" sz="1500" b="1" dirty="0" err="1">
                           <a:solidFill>
                             <a:srgbClr val="000000"/>
                           </a:solidFill>
@@ -4387,7 +3939,7 @@
                         <a:t>tbody</a:t>
                       </a:r>
                       <a:r>
-                        <a:rPr b="1" dirty="0" sz="1500" lang="en-IN">
+                        <a:rPr lang="en-IN" sz="1500" b="1" dirty="0">
                           <a:solidFill>
                             <a:srgbClr val="000000"/>
                           </a:solidFill>
@@ -4396,7 +3948,7 @@
                         </a:rPr>
                         <a:t>&gt;</a:t>
                       </a:r>
-                      <a:endParaRPr dirty="0" sz="1500" lang="en-IN">
+                      <a:endParaRPr lang="en-IN" sz="1500" dirty="0">
                         <a:solidFill>
                           <a:srgbClr val="000000"/>
                         </a:solidFill>
@@ -4407,7 +3959,7 @@
                     <a:p>
                       <a:pPr algn="l" fontAlgn="base"/>
                       <a:r>
-                        <a:rPr dirty="0" sz="1500" lang="en-IN">
+                        <a:rPr lang="en-IN" sz="1500" dirty="0">
                           <a:solidFill>
                             <a:srgbClr val="000000"/>
                           </a:solidFill>
@@ -4417,7 +3969,7 @@
                         <a:t>      </a:t>
                       </a:r>
                       <a:r>
-                        <a:rPr b="1" dirty="0" sz="1500" lang="en-IN">
+                        <a:rPr lang="en-IN" sz="1500" b="1" dirty="0">
                           <a:solidFill>
                             <a:srgbClr val="000000"/>
                           </a:solidFill>
@@ -4427,7 +3979,7 @@
                         <a:t>&lt;</a:t>
                       </a:r>
                       <a:r>
-                        <a:rPr b="1" dirty="0" sz="1500" lang="en-IN" err="1">
+                        <a:rPr lang="en-IN" sz="1500" b="1" dirty="0" err="1">
                           <a:solidFill>
                             <a:srgbClr val="000000"/>
                           </a:solidFill>
@@ -4437,7 +3989,7 @@
                         <a:t>tr</a:t>
                       </a:r>
                       <a:r>
-                        <a:rPr b="1" dirty="0" sz="1500" lang="en-IN">
+                        <a:rPr lang="en-IN" sz="1500" b="1" dirty="0">
                           <a:solidFill>
                             <a:srgbClr val="000000"/>
                           </a:solidFill>
@@ -4447,7 +3999,7 @@
                         <a:t> </a:t>
                       </a:r>
                       <a:r>
-                        <a:rPr dirty="0" sz="1500" lang="en-IN">
+                        <a:rPr lang="en-IN" sz="1500" dirty="0">
                           <a:solidFill>
                             <a:srgbClr val="006FE0"/>
                           </a:solidFill>
@@ -4457,7 +4009,7 @@
                         <a:t>*</a:t>
                       </a:r>
                       <a:r>
-                        <a:rPr dirty="0" sz="1500" lang="en-IN" err="1">
+                        <a:rPr lang="en-IN" sz="1500" dirty="0" err="1">
                           <a:solidFill>
                             <a:srgbClr val="008080"/>
                           </a:solidFill>
@@ -4467,7 +4019,7 @@
                         <a:t>ngFor</a:t>
                       </a:r>
                       <a:r>
-                        <a:rPr dirty="0" sz="1500" lang="en-IN">
+                        <a:rPr lang="en-IN" sz="1500" dirty="0">
                           <a:solidFill>
                             <a:srgbClr val="006FE0"/>
                           </a:solidFill>
@@ -4477,7 +4029,7 @@
                         <a:t>=</a:t>
                       </a:r>
                       <a:r>
-                        <a:rPr dirty="0" sz="1500" lang="en-IN">
+                        <a:rPr lang="en-IN" sz="1500" dirty="0">
                           <a:solidFill>
                             <a:srgbClr val="DD1144"/>
                           </a:solidFill>
@@ -4487,7 +4039,7 @@
                         <a:t>"let row of </a:t>
                       </a:r>
                       <a:r>
-                        <a:rPr dirty="0" sz="1500" lang="en-IN" err="1">
+                        <a:rPr lang="en-IN" sz="1500" dirty="0" err="1">
                           <a:solidFill>
                             <a:srgbClr val="DD1144"/>
                           </a:solidFill>
@@ -4497,7 +4049,7 @@
                         <a:t>tableData</a:t>
                       </a:r>
                       <a:r>
-                        <a:rPr dirty="0" sz="1500" lang="en-IN">
+                        <a:rPr lang="en-IN" sz="1500" dirty="0">
                           <a:solidFill>
                             <a:srgbClr val="DD1144"/>
                           </a:solidFill>
@@ -4507,7 +4059,7 @@
                         <a:t>"</a:t>
                       </a:r>
                       <a:r>
-                        <a:rPr b="1" dirty="0" sz="1500" lang="en-IN">
+                        <a:rPr lang="en-IN" sz="1500" b="1" dirty="0">
                           <a:solidFill>
                             <a:srgbClr val="000000"/>
                           </a:solidFill>
@@ -4516,7 +4068,7 @@
                         </a:rPr>
                         <a:t>&gt;</a:t>
                       </a:r>
-                      <a:endParaRPr dirty="0" sz="1500" lang="en-IN">
+                      <a:endParaRPr lang="en-IN" sz="1500" dirty="0">
                         <a:solidFill>
                           <a:srgbClr val="000000"/>
                         </a:solidFill>
@@ -4527,7 +4079,7 @@
                     <a:p>
                       <a:pPr algn="l" fontAlgn="base"/>
                       <a:r>
-                        <a:rPr dirty="0" sz="1500" lang="en-IN">
+                        <a:rPr lang="en-IN" sz="1500" dirty="0">
                           <a:solidFill>
                             <a:srgbClr val="000000"/>
                           </a:solidFill>
@@ -4537,7 +4089,7 @@
                         <a:t>        </a:t>
                       </a:r>
                       <a:r>
-                        <a:rPr b="1" dirty="0" sz="1500" lang="en-IN">
+                        <a:rPr lang="en-IN" sz="1500" b="1" dirty="0">
                           <a:solidFill>
                             <a:srgbClr val="000000"/>
                           </a:solidFill>
@@ -4547,7 +4099,7 @@
                         <a:t>&lt;td&gt;</a:t>
                       </a:r>
                       <a:r>
-                        <a:rPr dirty="0" sz="1500" lang="en-IN">
+                        <a:rPr lang="en-IN" sz="1500" dirty="0">
                           <a:solidFill>
                             <a:srgbClr val="000000"/>
                           </a:solidFill>
@@ -4557,7 +4109,7 @@
                         <a:t>{{row.name}}</a:t>
                       </a:r>
                       <a:r>
-                        <a:rPr b="1" dirty="0" sz="1500" lang="en-IN">
+                        <a:rPr lang="en-IN" sz="1500" b="1" dirty="0">
                           <a:solidFill>
                             <a:srgbClr val="000000"/>
                           </a:solidFill>
@@ -4566,7 +4118,7 @@
                         </a:rPr>
                         <a:t>&lt;/td&gt;</a:t>
                       </a:r>
-                      <a:endParaRPr dirty="0" sz="1500" lang="en-IN">
+                      <a:endParaRPr lang="en-IN" sz="1500" dirty="0">
                         <a:solidFill>
                           <a:srgbClr val="000000"/>
                         </a:solidFill>
@@ -4577,7 +4129,7 @@
                     <a:p>
                       <a:pPr algn="l" fontAlgn="base"/>
                       <a:r>
-                        <a:rPr dirty="0" sz="1500" lang="en-IN">
+                        <a:rPr lang="en-IN" sz="1500" dirty="0">
                           <a:solidFill>
                             <a:srgbClr val="000000"/>
                           </a:solidFill>
@@ -4587,7 +4139,7 @@
                         <a:t>        </a:t>
                       </a:r>
                       <a:r>
-                        <a:rPr b="1" dirty="0" sz="1500" lang="en-IN">
+                        <a:rPr lang="en-IN" sz="1500" b="1" dirty="0">
                           <a:solidFill>
                             <a:srgbClr val="000000"/>
                           </a:solidFill>
@@ -4597,7 +4149,7 @@
                         <a:t>&lt;td&gt;</a:t>
                       </a:r>
                       <a:r>
-                        <a:rPr dirty="0" sz="1500" lang="en-IN">
+                        <a:rPr lang="en-IN" sz="1500" dirty="0">
                           <a:solidFill>
                             <a:srgbClr val="000000"/>
                           </a:solidFill>
@@ -4607,7 +4159,7 @@
                         <a:t>{{row.id}}</a:t>
                       </a:r>
                       <a:r>
-                        <a:rPr b="1" dirty="0" sz="1500" lang="en-IN">
+                        <a:rPr lang="en-IN" sz="1500" b="1" dirty="0">
                           <a:solidFill>
                             <a:srgbClr val="000000"/>
                           </a:solidFill>
@@ -4616,7 +4168,7 @@
                         </a:rPr>
                         <a:t>&lt;/td&gt;</a:t>
                       </a:r>
-                      <a:endParaRPr dirty="0" sz="1500" lang="en-IN">
+                      <a:endParaRPr lang="en-IN" sz="1500" dirty="0">
                         <a:solidFill>
                           <a:srgbClr val="000000"/>
                         </a:solidFill>
@@ -4627,7 +4179,7 @@
                     <a:p>
                       <a:pPr algn="l" fontAlgn="base"/>
                       <a:r>
-                        <a:rPr dirty="0" sz="1500" lang="en-IN">
+                        <a:rPr lang="en-IN" sz="1500" dirty="0">
                           <a:solidFill>
                             <a:srgbClr val="000000"/>
                           </a:solidFill>
@@ -4637,7 +4189,7 @@
                         <a:t>      </a:t>
                       </a:r>
                       <a:r>
-                        <a:rPr b="1" dirty="0" sz="1500" lang="en-IN">
+                        <a:rPr lang="en-IN" sz="1500" b="1" dirty="0">
                           <a:solidFill>
                             <a:srgbClr val="000000"/>
                           </a:solidFill>
@@ -4647,7 +4199,7 @@
                         <a:t>&lt;/</a:t>
                       </a:r>
                       <a:r>
-                        <a:rPr b="1" dirty="0" sz="1500" lang="en-IN" err="1">
+                        <a:rPr lang="en-IN" sz="1500" b="1" dirty="0" err="1">
                           <a:solidFill>
                             <a:srgbClr val="000000"/>
                           </a:solidFill>
@@ -4657,7 +4209,7 @@
                         <a:t>tr</a:t>
                       </a:r>
                       <a:r>
-                        <a:rPr b="1" dirty="0" sz="1500" lang="en-IN">
+                        <a:rPr lang="en-IN" sz="1500" b="1" dirty="0">
                           <a:solidFill>
                             <a:srgbClr val="000000"/>
                           </a:solidFill>
@@ -4666,7 +4218,7 @@
                         </a:rPr>
                         <a:t>&gt;</a:t>
                       </a:r>
-                      <a:endParaRPr dirty="0" sz="1500" lang="en-IN">
+                      <a:endParaRPr lang="en-IN" sz="1500" dirty="0">
                         <a:solidFill>
                           <a:srgbClr val="000000"/>
                         </a:solidFill>
@@ -4677,7 +4229,7 @@
                     <a:p>
                       <a:pPr algn="l" fontAlgn="base"/>
                       <a:r>
-                        <a:rPr dirty="0" sz="1500" lang="en-IN">
+                        <a:rPr lang="en-IN" sz="1500" dirty="0">
                           <a:solidFill>
                             <a:srgbClr val="000000"/>
                           </a:solidFill>
@@ -4687,7 +4239,7 @@
                         <a:t>    </a:t>
                       </a:r>
                       <a:r>
-                        <a:rPr b="1" dirty="0" sz="1500" lang="en-IN">
+                        <a:rPr lang="en-IN" sz="1500" b="1" dirty="0">
                           <a:solidFill>
                             <a:srgbClr val="000000"/>
                           </a:solidFill>
@@ -4697,7 +4249,7 @@
                         <a:t>&lt;/</a:t>
                       </a:r>
                       <a:r>
-                        <a:rPr b="1" dirty="0" sz="1500" lang="en-IN" err="1">
+                        <a:rPr lang="en-IN" sz="1500" b="1" dirty="0" err="1">
                           <a:solidFill>
                             <a:srgbClr val="000000"/>
                           </a:solidFill>
@@ -4707,7 +4259,7 @@
                         <a:t>tbody</a:t>
                       </a:r>
                       <a:r>
-                        <a:rPr b="1" dirty="0" sz="1500" lang="en-IN">
+                        <a:rPr lang="en-IN" sz="1500" b="1" dirty="0">
                           <a:solidFill>
                             <a:srgbClr val="000000"/>
                           </a:solidFill>
@@ -4716,7 +4268,7 @@
                         </a:rPr>
                         <a:t>&gt;</a:t>
                       </a:r>
-                      <a:endParaRPr dirty="0" sz="1500" lang="en-IN">
+                      <a:endParaRPr lang="en-IN" sz="1500" dirty="0">
                         <a:solidFill>
                           <a:srgbClr val="000000"/>
                         </a:solidFill>
@@ -4727,7 +4279,7 @@
                     <a:p>
                       <a:pPr algn="l" fontAlgn="base"/>
                       <a:r>
-                        <a:rPr dirty="0" sz="1500" lang="en-IN">
+                        <a:rPr lang="en-IN" sz="1500" dirty="0">
                           <a:solidFill>
                             <a:srgbClr val="000000"/>
                           </a:solidFill>
@@ -4737,7 +4289,7 @@
                         <a:t>  </a:t>
                       </a:r>
                       <a:r>
-                        <a:rPr b="1" dirty="0" sz="1500" lang="en-IN">
+                        <a:rPr lang="en-IN" sz="1500" b="1" dirty="0">
                           <a:solidFill>
                             <a:srgbClr val="000000"/>
                           </a:solidFill>
@@ -4746,7 +4298,7 @@
                         </a:rPr>
                         <a:t>&lt;/table&gt;</a:t>
                       </a:r>
-                      <a:endParaRPr dirty="0" sz="1500" lang="en-IN">
+                      <a:endParaRPr lang="en-IN" sz="1500" dirty="0">
                         <a:solidFill>
                           <a:srgbClr val="000000"/>
                         </a:solidFill>
@@ -4767,18 +4319,12 @@
                     </a:lnL>
                     <a:lnR>
                       <a:noFill/>
-                      <a:headEnd type="none" w="med" len="med"/>
-                      <a:tailEnd type="none" w="med" len="med"/>
                     </a:lnR>
                     <a:lnT>
                       <a:noFill/>
-                      <a:headEnd type="none" w="med" len="med"/>
-                      <a:tailEnd type="none" w="med" len="med"/>
                     </a:lnT>
                     <a:lnB>
                       <a:noFill/>
-                      <a:headEnd type="none" w="med" len="med"/>
-                      <a:tailEnd type="none" w="med" len="med"/>
                     </a:lnB>
                     <a:solidFill>
                       <a:srgbClr val="FDFDFD"/>
@@ -4791,6 +4337,11 @@
         </a:graphic>
       </p:graphicFrame>
     </p:spTree>
+    <p:extLst>
+      <p:ext uri="{BB962C8B-B14F-4D97-AF65-F5344CB8AC3E}">
+        <p14:creationId xmlns:p14="http://schemas.microsoft.com/office/powerpoint/2010/main" val="4168072429"/>
+      </p:ext>
+    </p:extLst>
   </p:cSld>
   <p:clrMapOvr>
     <a:masterClrMapping/>
@@ -4803,7 +4354,7 @@
   <p:cSld>
     <p:spTree>
       <p:nvGrpSpPr>
-        <p:cNvPr id="57" name=""/>
+        <p:cNvPr id="1" name=""/>
         <p:cNvGrpSpPr/>
         <p:nvPr/>
       </p:nvGrpSpPr>
@@ -4817,7 +4368,7 @@
       </p:grpSpPr>
       <p:sp>
         <p:nvSpPr>
-          <p:cNvPr id="1048610" name="Title 1"/>
+          <p:cNvPr id="2" name="Title 1"/>
           <p:cNvSpPr>
             <a:spLocks noGrp="1"/>
           </p:cNvSpPr>
@@ -4828,6 +4379,7 @@
         <p:spPr/>
         <p:txBody>
           <a:bodyPr/>
+          <a:lstStyle/>
           <a:p>
             <a:endParaRPr lang="en-IN"/>
           </a:p>
@@ -4835,16 +4387,22 @@
       </p:sp>
       <p:pic>
         <p:nvPicPr>
-          <p:cNvPr id="2097153" name="Picture 3"/>
+          <p:cNvPr id="5123" name="Picture 3"/>
           <p:cNvPicPr>
-            <a:picLocks noChangeAspect="1" noGrp="1" noChangeArrowheads="1"/>
+            <a:picLocks noGrp="1" noChangeAspect="1" noChangeArrowheads="1"/>
           </p:cNvPicPr>
           <p:nvPr>
             <p:ph idx="1"/>
           </p:nvPr>
         </p:nvPicPr>
         <p:blipFill>
-          <a:blip xmlns:r="http://schemas.openxmlformats.org/officeDocument/2006/relationships" r:embed="rId1"/>
+          <a:blip r:embed="rId2">
+            <a:extLst>
+              <a:ext uri="{28A0092B-C50C-407E-A947-70E740481C1C}">
+                <a14:useLocalDpi xmlns:a14="http://schemas.microsoft.com/office/drawing/2010/main" val="0"/>
+              </a:ext>
+            </a:extLst>
+          </a:blip>
           <a:srcRect/>
           <a:stretch>
             <a:fillRect/>
@@ -4855,31 +4413,64 @@
             <a:off x="1038225" y="2276872"/>
             <a:ext cx="6457950" cy="4109640"/>
           </a:xfrm>
-          <a:prstGeom prst="rect"/>
+          <a:prstGeom prst="rect">
+            <a:avLst/>
+          </a:prstGeom>
           <a:noFill/>
           <a:ln>
             <a:noFill/>
           </a:ln>
           <a:effectLst/>
+          <a:extLst>
+            <a:ext uri="{909E8E84-426E-40DD-AFC4-6F175D3DCCD1}">
+              <a14:hiddenFill xmlns:a14="http://schemas.microsoft.com/office/drawing/2010/main">
+                <a:solidFill>
+                  <a:schemeClr val="accent1"/>
+                </a:solidFill>
+              </a14:hiddenFill>
+            </a:ext>
+            <a:ext uri="{91240B29-F687-4F45-9708-019B960494DF}">
+              <a14:hiddenLine xmlns:a14="http://schemas.microsoft.com/office/drawing/2010/main" w="9525">
+                <a:solidFill>
+                  <a:schemeClr val="tx1"/>
+                </a:solidFill>
+                <a:miter lim="800000"/>
+                <a:headEnd/>
+                <a:tailEnd/>
+              </a14:hiddenLine>
+            </a:ext>
+            <a:ext uri="{AF507438-7753-43E0-B8FC-AC1667EBCBE1}">
+              <a14:hiddenEffects xmlns:a14="http://schemas.microsoft.com/office/drawing/2010/main">
+                <a:effectLst>
+                  <a:outerShdw dist="35921" dir="2700000" algn="ctr" rotWithShape="0">
+                    <a:schemeClr val="bg2"/>
+                  </a:outerShdw>
+                </a:effectLst>
+              </a14:hiddenEffects>
+            </a:ext>
+          </a:extLst>
         </p:spPr>
       </p:pic>
       <p:sp>
         <p:nvSpPr>
-          <p:cNvPr id="1048611" name="Rectangle 6"/>
+          <p:cNvPr id="7" name="Rectangle 6"/>
           <p:cNvSpPr/>
           <p:nvPr/>
         </p:nvSpPr>
         <p:spPr>
           <a:xfrm>
             <a:off x="539552" y="1628800"/>
-            <a:ext cx="7560840" cy="497840"/>
+            <a:ext cx="7560840" cy="458074"/>
           </a:xfrm>
-          <a:prstGeom prst="rect"/>
+          <a:prstGeom prst="rect">
+            <a:avLst/>
+          </a:prstGeom>
         </p:spPr>
         <p:txBody>
           <a:bodyPr wrap="square">
             <a:spAutoFit/>
           </a:bodyPr>
+          <a:lstStyle/>
           <a:p>
             <a:pPr>
               <a:lnSpc>
@@ -4887,35 +4478,35 @@
               </a:lnSpc>
             </a:pPr>
             <a:r>
-              <a:rPr dirty="0" lang="en-IN">
+              <a:rPr lang="en-IN" dirty="0">
                 <a:latin typeface="Times New Roman" pitchFamily="18" charset="0"/>
                 <a:cs typeface="Times New Roman" pitchFamily="18" charset="0"/>
               </a:rPr>
               <a:t>The </a:t>
             </a:r>
             <a:r>
-              <a:rPr b="1" dirty="0" lang="en-IN" err="1">
+              <a:rPr lang="en-IN" b="1" dirty="0" err="1">
                 <a:latin typeface="Times New Roman" pitchFamily="18" charset="0"/>
                 <a:cs typeface="Times New Roman" pitchFamily="18" charset="0"/>
               </a:rPr>
               <a:t>tableData</a:t>
             </a:r>
             <a:r>
-              <a:rPr dirty="0" lang="en-IN">
+              <a:rPr lang="en-IN" dirty="0">
                 <a:latin typeface="Times New Roman" pitchFamily="18" charset="0"/>
                 <a:cs typeface="Times New Roman" pitchFamily="18" charset="0"/>
               </a:rPr>
               <a:t> property is defined in the corresponding </a:t>
             </a:r>
             <a:r>
-              <a:rPr dirty="0" lang="en-IN" err="1">
+              <a:rPr lang="en-IN" dirty="0" err="1">
                 <a:latin typeface="Times New Roman" pitchFamily="18" charset="0"/>
                 <a:cs typeface="Times New Roman" pitchFamily="18" charset="0"/>
               </a:rPr>
               <a:t>component.ts</a:t>
             </a:r>
             <a:r>
-              <a:rPr dirty="0" lang="en-IN">
+              <a:rPr lang="en-IN" dirty="0">
                 <a:latin typeface="Times New Roman" pitchFamily="18" charset="0"/>
                 <a:cs typeface="Times New Roman" pitchFamily="18" charset="0"/>
               </a:rPr>
@@ -4925,11 +4516,22 @@
         </p:txBody>
       </p:sp>
     </p:spTree>
+    <p:extLst>
+      <p:ext uri="{BB962C8B-B14F-4D97-AF65-F5344CB8AC3E}">
+        <p14:creationId xmlns:p14="http://schemas.microsoft.com/office/powerpoint/2010/main" val="2153364252"/>
+      </p:ext>
+    </p:extLst>
   </p:cSld>
   <p:clrMapOvr>
     <a:masterClrMapping/>
   </p:clrMapOvr>
-  <p:timing/>
+  <p:timing>
+    <p:tnLst>
+      <p:par>
+        <p:cTn id="1" dur="indefinite" restart="never" nodeType="tmRoot"/>
+      </p:par>
+    </p:tnLst>
+  </p:timing>
 </p:sld>
 </file>
 
@@ -4938,7 +4540,7 @@
   <p:cSld>
     <p:spTree>
       <p:nvGrpSpPr>
-        <p:cNvPr id="58" name=""/>
+        <p:cNvPr id="1" name=""/>
         <p:cNvGrpSpPr/>
         <p:nvPr/>
       </p:nvGrpSpPr>
@@ -4952,7 +4554,7 @@
       </p:grpSpPr>
       <p:sp>
         <p:nvSpPr>
-          <p:cNvPr id="1048612" name="Title 1"/>
+          <p:cNvPr id="2" name="Title 1"/>
           <p:cNvSpPr>
             <a:spLocks noGrp="1"/>
           </p:cNvSpPr>
@@ -4963,6 +4565,7 @@
         <p:spPr/>
         <p:txBody>
           <a:bodyPr/>
+          <a:lstStyle/>
           <a:p>
             <a:endParaRPr lang="en-IN"/>
           </a:p>
@@ -4970,7 +4573,7 @@
       </p:sp>
       <p:sp>
         <p:nvSpPr>
-          <p:cNvPr id="1048613" name="Content Placeholder 2"/>
+          <p:cNvPr id="3" name="Content Placeholder 2"/>
           <p:cNvSpPr>
             <a:spLocks noGrp="1"/>
           </p:cNvSpPr>
@@ -4981,121 +4584,128 @@
         <p:spPr/>
         <p:txBody>
           <a:bodyPr/>
-          <a:p>
-            <a:pPr fontAlgn="base" indent="0" marL="114300">
+          <a:lstStyle/>
+          <a:p>
+            <a:pPr marL="114300" indent="0" fontAlgn="base">
               <a:buNone/>
             </a:pPr>
             <a:r>
-              <a:rPr b="1" dirty="0" lang="en-IN"/>
+              <a:rPr lang="en-IN" b="1" dirty="0"/>
               <a:t>Introducing virtual scrolling</a:t>
             </a:r>
           </a:p>
           <a:p>
             <a:pPr fontAlgn="base"/>
             <a:r>
-              <a:rPr dirty="0" lang="en-IN"/>
+              <a:rPr lang="en-IN" dirty="0"/>
               <a:t>The Angular CDK provides a </a:t>
             </a:r>
             <a:r>
-              <a:rPr dirty="0" lang="en-IN">
-                <a:hlinkClick r:id="rId1"/>
+              <a:rPr lang="en-IN" dirty="0">
+                <a:hlinkClick r:id="rId2"/>
               </a:rPr>
               <a:t>scrolling component</a:t>
             </a:r>
             <a:r>
-              <a:rPr dirty="0" lang="en-IN"/>
+              <a:rPr lang="en-IN" dirty="0"/>
               <a:t>. We’re now going to add it to our plain table in 4 simple </a:t>
             </a:r>
             <a:r>
-              <a:rPr dirty="0" lang="en-IN" smtClean="0"/>
+              <a:rPr lang="en-IN" dirty="0" smtClean="0"/>
               <a:t>steps.</a:t>
             </a:r>
           </a:p>
           <a:p>
-            <a:pPr fontAlgn="base" indent="0" marL="114300">
+            <a:pPr marL="114300" indent="0" fontAlgn="base">
               <a:buNone/>
             </a:pPr>
             <a:r>
-              <a:rPr b="1" dirty="0" lang="en-IN" smtClean="0"/>
+              <a:rPr lang="en-IN" b="1" dirty="0" smtClean="0"/>
               <a:t>1. Add </a:t>
             </a:r>
             <a:r>
-              <a:rPr b="1" dirty="0" lang="en-IN"/>
+              <a:rPr lang="en-IN" b="1" dirty="0"/>
               <a:t>the </a:t>
             </a:r>
             <a:r>
-              <a:rPr b="1" dirty="0" lang="en-IN" smtClean="0"/>
+              <a:rPr lang="en-IN" b="1" dirty="0" smtClean="0"/>
               <a:t>dependency</a:t>
             </a:r>
           </a:p>
           <a:p>
-            <a:pPr indent="0" marL="114300">
+            <a:pPr marL="114300" indent="0">
               <a:buNone/>
             </a:pPr>
-            <a:endParaRPr b="1" dirty="0" lang="en-IN"/>
-          </a:p>
-          <a:p>
-            <a:pPr indent="0" marL="114300">
+            <a:endParaRPr lang="en-IN" b="1" dirty="0"/>
+          </a:p>
+          <a:p>
+            <a:pPr marL="114300" indent="0">
               <a:buNone/>
             </a:pPr>
             <a:r>
-              <a:rPr b="1" dirty="0" lang="en-IN"/>
+              <a:rPr lang="en-IN" b="1" dirty="0"/>
               <a:t> </a:t>
             </a:r>
             <a:r>
-              <a:rPr b="1" dirty="0" lang="en-IN" smtClean="0"/>
+              <a:rPr lang="en-IN" b="1" dirty="0" smtClean="0"/>
               <a:t> </a:t>
             </a:r>
           </a:p>
           <a:p>
-            <a:pPr indent="0" marL="114300">
+            <a:pPr marL="114300" indent="0">
               <a:buNone/>
             </a:pPr>
             <a:r>
-              <a:rPr b="1" dirty="0" lang="en-IN" smtClean="0"/>
+              <a:rPr lang="en-IN" b="1" dirty="0" smtClean="0"/>
               <a:t>2</a:t>
             </a:r>
             <a:r>
-              <a:rPr b="1" dirty="0" lang="en-IN"/>
+              <a:rPr lang="en-IN" b="1" dirty="0"/>
               <a:t>. Add </a:t>
             </a:r>
             <a:r>
-              <a:rPr b="1" dirty="0" lang="en-IN" err="1" smtClean="0"/>
+              <a:rPr lang="en-IN" b="1" dirty="0" err="1" smtClean="0"/>
               <a:t>ScrollingModule</a:t>
             </a:r>
-            <a:endParaRPr b="1" dirty="0" lang="en-IN" smtClean="0"/>
-          </a:p>
-          <a:p>
-            <a:pPr indent="0" marL="114300">
+            <a:endParaRPr lang="en-IN" b="1" dirty="0" smtClean="0"/>
+          </a:p>
+          <a:p>
+            <a:pPr marL="114300" indent="0">
               <a:buNone/>
             </a:pPr>
-            <a:endParaRPr b="1" dirty="0" lang="en-IN"/>
-          </a:p>
-          <a:p>
-            <a:pPr indent="0" marL="114300">
+            <a:endParaRPr lang="en-IN" b="1" dirty="0"/>
+          </a:p>
+          <a:p>
+            <a:pPr marL="114300" indent="0">
               <a:buNone/>
             </a:pPr>
             <a:r>
-              <a:rPr dirty="0" lang="en-IN"/>
+              <a:rPr lang="en-IN" dirty="0"/>
               <a:t/>
             </a:r>
             <a:br>
-              <a:rPr dirty="0" lang="en-IN"/>
+              <a:rPr lang="en-IN" dirty="0"/>
             </a:br>
-            <a:endParaRPr dirty="0" lang="en-IN"/>
+            <a:endParaRPr lang="en-IN" dirty="0"/>
           </a:p>
         </p:txBody>
       </p:sp>
       <p:pic>
         <p:nvPicPr>
-          <p:cNvPr id="2097154" name="Picture 4"/>
+          <p:cNvPr id="6148" name="Picture 4"/>
           <p:cNvPicPr>
             <a:picLocks noChangeAspect="1" noChangeArrowheads="1"/>
           </p:cNvPicPr>
           <p:nvPr/>
         </p:nvPicPr>
         <p:blipFill>
-          <a:blip xmlns:r="http://schemas.openxmlformats.org/officeDocument/2006/relationships" r:embed="rId2"/>
+          <a:blip r:embed="rId3">
+            <a:extLst>
+              <a:ext uri="{28A0092B-C50C-407E-A947-70E740481C1C}">
+                <a14:useLocalDpi xmlns:a14="http://schemas.microsoft.com/office/drawing/2010/main" val="0"/>
+              </a:ext>
+            </a:extLst>
+          </a:blip>
           <a:srcRect/>
           <a:stretch>
             <a:fillRect/>
@@ -5106,24 +4716,60 @@
             <a:off x="827583" y="3284984"/>
             <a:ext cx="6867525" cy="800100"/>
           </a:xfrm>
-          <a:prstGeom prst="rect"/>
+          <a:prstGeom prst="rect">
+            <a:avLst/>
+          </a:prstGeom>
           <a:noFill/>
           <a:ln>
             <a:noFill/>
           </a:ln>
           <a:effectLst/>
+          <a:extLst>
+            <a:ext uri="{909E8E84-426E-40DD-AFC4-6F175D3DCCD1}">
+              <a14:hiddenFill xmlns:a14="http://schemas.microsoft.com/office/drawing/2010/main">
+                <a:solidFill>
+                  <a:schemeClr val="accent1"/>
+                </a:solidFill>
+              </a14:hiddenFill>
+            </a:ext>
+            <a:ext uri="{91240B29-F687-4F45-9708-019B960494DF}">
+              <a14:hiddenLine xmlns:a14="http://schemas.microsoft.com/office/drawing/2010/main" w="9525">
+                <a:solidFill>
+                  <a:schemeClr val="tx1"/>
+                </a:solidFill>
+                <a:miter lim="800000"/>
+                <a:headEnd/>
+                <a:tailEnd/>
+              </a14:hiddenLine>
+            </a:ext>
+            <a:ext uri="{AF507438-7753-43E0-B8FC-AC1667EBCBE1}">
+              <a14:hiddenEffects xmlns:a14="http://schemas.microsoft.com/office/drawing/2010/main">
+                <a:effectLst>
+                  <a:outerShdw dist="35921" dir="2700000" algn="ctr" rotWithShape="0">
+                    <a:schemeClr val="bg2"/>
+                  </a:outerShdw>
+                </a:effectLst>
+              </a14:hiddenEffects>
+            </a:ext>
+          </a:extLst>
         </p:spPr>
       </p:pic>
       <p:pic>
         <p:nvPicPr>
-          <p:cNvPr id="2097155" name="Picture 5"/>
+          <p:cNvPr id="6149" name="Picture 5"/>
           <p:cNvPicPr>
             <a:picLocks noChangeAspect="1" noChangeArrowheads="1"/>
           </p:cNvPicPr>
           <p:nvPr/>
         </p:nvPicPr>
         <p:blipFill>
-          <a:blip xmlns:r="http://schemas.openxmlformats.org/officeDocument/2006/relationships" r:embed="rId3"/>
+          <a:blip r:embed="rId4">
+            <a:extLst>
+              <a:ext uri="{28A0092B-C50C-407E-A947-70E740481C1C}">
+                <a14:useLocalDpi xmlns:a14="http://schemas.microsoft.com/office/drawing/2010/main" val="0"/>
+              </a:ext>
+            </a:extLst>
+          </a:blip>
           <a:srcRect/>
           <a:stretch>
             <a:fillRect/>
@@ -5134,20 +4780,61 @@
             <a:off x="838447" y="4391025"/>
             <a:ext cx="6562725" cy="1924050"/>
           </a:xfrm>
-          <a:prstGeom prst="rect"/>
+          <a:prstGeom prst="rect">
+            <a:avLst/>
+          </a:prstGeom>
           <a:noFill/>
           <a:ln>
             <a:noFill/>
           </a:ln>
           <a:effectLst/>
+          <a:extLst>
+            <a:ext uri="{909E8E84-426E-40DD-AFC4-6F175D3DCCD1}">
+              <a14:hiddenFill xmlns:a14="http://schemas.microsoft.com/office/drawing/2010/main">
+                <a:solidFill>
+                  <a:schemeClr val="accent1"/>
+                </a:solidFill>
+              </a14:hiddenFill>
+            </a:ext>
+            <a:ext uri="{91240B29-F687-4F45-9708-019B960494DF}">
+              <a14:hiddenLine xmlns:a14="http://schemas.microsoft.com/office/drawing/2010/main" w="9525">
+                <a:solidFill>
+                  <a:schemeClr val="tx1"/>
+                </a:solidFill>
+                <a:miter lim="800000"/>
+                <a:headEnd/>
+                <a:tailEnd/>
+              </a14:hiddenLine>
+            </a:ext>
+            <a:ext uri="{AF507438-7753-43E0-B8FC-AC1667EBCBE1}">
+              <a14:hiddenEffects xmlns:a14="http://schemas.microsoft.com/office/drawing/2010/main">
+                <a:effectLst>
+                  <a:outerShdw dist="35921" dir="2700000" algn="ctr" rotWithShape="0">
+                    <a:schemeClr val="bg2"/>
+                  </a:outerShdw>
+                </a:effectLst>
+              </a14:hiddenEffects>
+            </a:ext>
+          </a:extLst>
         </p:spPr>
       </p:pic>
     </p:spTree>
+    <p:extLst>
+      <p:ext uri="{BB962C8B-B14F-4D97-AF65-F5344CB8AC3E}">
+        <p14:creationId xmlns:p14="http://schemas.microsoft.com/office/powerpoint/2010/main" val="785255187"/>
+      </p:ext>
+    </p:extLst>
   </p:cSld>
   <p:clrMapOvr>
     <a:masterClrMapping/>
   </p:clrMapOvr>
-  <p:timing/>
+  <p:timing>
+    <p:tnLst>
+      <p:par>
+        <p:cTn id="1" dur="indefinite" restart="never" nodeType="tmRoot"/>
+      </p:par>
+    </p:tnLst>
+  </p:timing>
 </p:sld>
 </file>
 
@@ -5156,7 +4843,7 @@
   <p:cSld>
     <p:spTree>
       <p:nvGrpSpPr>
-        <p:cNvPr id="59" name=""/>
+        <p:cNvPr id="1" name=""/>
         <p:cNvGrpSpPr/>
         <p:nvPr/>
       </p:nvGrpSpPr>
@@ -5170,7 +4857,7 @@
       </p:grpSpPr>
       <p:sp>
         <p:nvSpPr>
-          <p:cNvPr id="1048614" name="Title 1"/>
+          <p:cNvPr id="2" name="Title 1"/>
           <p:cNvSpPr>
             <a:spLocks noGrp="1"/>
           </p:cNvSpPr>
@@ -5181,6 +4868,7 @@
         <p:spPr/>
         <p:txBody>
           <a:bodyPr/>
+          <a:lstStyle/>
           <a:p>
             <a:endParaRPr lang="en-IN"/>
           </a:p>
@@ -5188,7 +4876,7 @@
       </p:sp>
       <p:sp>
         <p:nvSpPr>
-          <p:cNvPr id="1048615" name="Content Placeholder 2"/>
+          <p:cNvPr id="3" name="Content Placeholder 2"/>
           <p:cNvSpPr>
             <a:spLocks noGrp="1"/>
           </p:cNvSpPr>
@@ -5199,132 +4887,138 @@
         <p:spPr/>
         <p:txBody>
           <a:bodyPr/>
+          <a:lstStyle/>
           <a:p>
             <a:pPr fontAlgn="base"/>
             <a:r>
-              <a:rPr b="1" dirty="0" lang="en-IN"/>
+              <a:rPr lang="en-IN" b="1" dirty="0"/>
               <a:t>3. Add Scrolling Component</a:t>
             </a:r>
           </a:p>
           <a:p>
             <a:pPr fontAlgn="base"/>
             <a:r>
-              <a:rPr dirty="0" lang="en-IN"/>
+              <a:rPr lang="en-IN" dirty="0"/>
               <a:t>Step 2 is to add the </a:t>
             </a:r>
             <a:r>
-              <a:rPr b="1" dirty="0" lang="en-IN"/>
+              <a:rPr lang="en-IN" b="1" dirty="0"/>
               <a:t>&lt;</a:t>
             </a:r>
             <a:r>
-              <a:rPr b="1" dirty="0" lang="en-IN" err="1"/>
+              <a:rPr lang="en-IN" b="1" dirty="0" err="1"/>
               <a:t>cdk</a:t>
             </a:r>
             <a:r>
-              <a:rPr b="1" dirty="0" lang="en-IN"/>
+              <a:rPr lang="en-IN" b="1" dirty="0"/>
               <a:t>-virtual-scroll-viewport&gt;</a:t>
             </a:r>
             <a:r>
-              <a:rPr dirty="0" lang="en-IN"/>
+              <a:rPr lang="en-IN" dirty="0"/>
               <a:t> element around the </a:t>
             </a:r>
             <a:r>
-              <a:rPr dirty="0" lang="en-IN" err="1"/>
+              <a:rPr lang="en-IN" dirty="0" err="1"/>
               <a:t>markup</a:t>
             </a:r>
             <a:r>
-              <a:rPr dirty="0" lang="en-IN"/>
+              <a:rPr lang="en-IN" dirty="0"/>
               <a:t> of your table. We need to provide the attribute </a:t>
             </a:r>
             <a:r>
-              <a:rPr b="1" dirty="0" lang="en-IN"/>
+              <a:rPr lang="en-IN" b="1" dirty="0"/>
               <a:t>[</a:t>
             </a:r>
             <a:r>
-              <a:rPr b="1" dirty="0" lang="en-IN" err="1"/>
+              <a:rPr lang="en-IN" b="1" dirty="0" err="1"/>
               <a:t>itemSize</a:t>
             </a:r>
             <a:r>
-              <a:rPr b="1" dirty="0" lang="en-IN"/>
+              <a:rPr lang="en-IN" b="1" dirty="0"/>
               <a:t>]=”</a:t>
             </a:r>
             <a:r>
-              <a:rPr b="1" dirty="0" lang="en-IN" err="1"/>
+              <a:rPr lang="en-IN" b="1" dirty="0" err="1"/>
               <a:t>heightOfRowInPx</a:t>
             </a:r>
             <a:r>
-              <a:rPr b="1" dirty="0" lang="en-IN"/>
+              <a:rPr lang="en-IN" b="1" dirty="0"/>
               <a:t>”</a:t>
             </a:r>
             <a:r>
-              <a:rPr dirty="0" lang="en-IN"/>
+              <a:rPr lang="en-IN" dirty="0"/>
               <a:t> that tells the scrolling component how high each row is.</a:t>
             </a:r>
           </a:p>
           <a:p>
             <a:pPr fontAlgn="base"/>
             <a:r>
-              <a:rPr b="1" dirty="0" lang="en-IN"/>
+              <a:rPr lang="en-IN" b="1" dirty="0"/>
               <a:t>4. replace *</a:t>
             </a:r>
             <a:r>
-              <a:rPr b="1" dirty="0" lang="en-IN" err="1"/>
+              <a:rPr lang="en-IN" b="1" dirty="0" err="1"/>
               <a:t>ngFor</a:t>
             </a:r>
             <a:r>
-              <a:rPr b="1" dirty="0" lang="en-IN"/>
+              <a:rPr lang="en-IN" b="1" dirty="0"/>
               <a:t> with *</a:t>
             </a:r>
             <a:r>
-              <a:rPr b="1" dirty="0" lang="en-IN" err="1"/>
+              <a:rPr lang="en-IN" b="1" dirty="0" err="1"/>
               <a:t>cdkVirtualFor</a:t>
             </a:r>
-            <a:endParaRPr b="1" dirty="0" lang="en-IN"/>
+            <a:endParaRPr lang="en-IN" b="1" dirty="0"/>
           </a:p>
           <a:p>
             <a:pPr fontAlgn="base"/>
             <a:r>
-              <a:rPr dirty="0" lang="en-IN"/>
+              <a:rPr lang="en-IN" dirty="0"/>
               <a:t>instead of using </a:t>
             </a:r>
             <a:r>
-              <a:rPr b="1" dirty="0" lang="en-IN"/>
+              <a:rPr lang="en-IN" b="1" dirty="0"/>
               <a:t>*</a:t>
             </a:r>
             <a:r>
-              <a:rPr b="1" dirty="0" lang="en-IN" err="1"/>
+              <a:rPr lang="en-IN" b="1" dirty="0" err="1"/>
               <a:t>ngFor</a:t>
             </a:r>
             <a:r>
-              <a:rPr dirty="0" lang="en-IN"/>
+              <a:rPr lang="en-IN" dirty="0"/>
               <a:t> we’re going to use </a:t>
             </a:r>
             <a:r>
-              <a:rPr b="1" dirty="0" lang="en-IN"/>
+              <a:rPr lang="en-IN" b="1" dirty="0"/>
               <a:t>*</a:t>
             </a:r>
             <a:r>
-              <a:rPr b="1" dirty="0" lang="en-IN" err="1"/>
+              <a:rPr lang="en-IN" b="1" dirty="0" err="1"/>
               <a:t>cdkVirtualFor</a:t>
             </a:r>
             <a:r>
-              <a:rPr dirty="0" lang="en-IN"/>
+              <a:rPr lang="en-IN" dirty="0"/>
               <a:t> that is needed in order for the virtual scrolling to work as intended.</a:t>
             </a:r>
           </a:p>
           <a:p>
             <a:r>
-              <a:rPr dirty="0" lang="en-IN"/>
+              <a:rPr lang="en-IN" dirty="0"/>
               <a:t/>
             </a:r>
             <a:br>
-              <a:rPr dirty="0" lang="en-IN"/>
+              <a:rPr lang="en-IN" dirty="0"/>
             </a:br>
-            <a:endParaRPr dirty="0" lang="en-IN"/>
+            <a:endParaRPr lang="en-IN" dirty="0"/>
           </a:p>
         </p:txBody>
       </p:sp>
     </p:spTree>
+    <p:extLst>
+      <p:ext uri="{BB962C8B-B14F-4D97-AF65-F5344CB8AC3E}">
+        <p14:creationId xmlns:p14="http://schemas.microsoft.com/office/powerpoint/2010/main" val="995599389"/>
+      </p:ext>
+    </p:extLst>
   </p:cSld>
   <p:clrMapOvr>
     <a:masterClrMapping/>
@@ -5337,7 +5031,7 @@
   <p:cSld>
     <p:spTree>
       <p:nvGrpSpPr>
-        <p:cNvPr id="60" name=""/>
+        <p:cNvPr id="1" name=""/>
         <p:cNvGrpSpPr/>
         <p:nvPr/>
       </p:nvGrpSpPr>
@@ -5351,7 +5045,7 @@
       </p:grpSpPr>
       <p:sp>
         <p:nvSpPr>
-          <p:cNvPr id="1048616" name="Title 1"/>
+          <p:cNvPr id="2" name="Title 1"/>
           <p:cNvSpPr>
             <a:spLocks noGrp="1"/>
           </p:cNvSpPr>
@@ -5362,6 +5056,7 @@
         <p:spPr/>
         <p:txBody>
           <a:bodyPr/>
+          <a:lstStyle/>
           <a:p>
             <a:endParaRPr lang="en-IN"/>
           </a:p>
@@ -5369,16 +5064,22 @@
       </p:sp>
       <p:pic>
         <p:nvPicPr>
-          <p:cNvPr id="2097156" name="Picture 2"/>
+          <p:cNvPr id="7170" name="Picture 2"/>
           <p:cNvPicPr>
-            <a:picLocks noChangeAspect="1" noGrp="1" noChangeArrowheads="1"/>
+            <a:picLocks noGrp="1" noChangeAspect="1" noChangeArrowheads="1"/>
           </p:cNvPicPr>
           <p:nvPr>
             <p:ph idx="1"/>
           </p:nvPr>
         </p:nvPicPr>
         <p:blipFill>
-          <a:blip xmlns:r="http://schemas.openxmlformats.org/officeDocument/2006/relationships" r:embed="rId1"/>
+          <a:blip r:embed="rId2">
+            <a:extLst>
+              <a:ext uri="{28A0092B-C50C-407E-A947-70E740481C1C}">
+                <a14:useLocalDpi xmlns:a14="http://schemas.microsoft.com/office/drawing/2010/main" val="0"/>
+              </a:ext>
+            </a:extLst>
+          </a:blip>
           <a:srcRect/>
           <a:stretch>
             <a:fillRect/>
@@ -5389,15 +5090,50 @@
             <a:off x="1176337" y="1952625"/>
             <a:ext cx="6181725" cy="4095750"/>
           </a:xfrm>
-          <a:prstGeom prst="rect"/>
+          <a:prstGeom prst="rect">
+            <a:avLst/>
+          </a:prstGeom>
           <a:noFill/>
           <a:ln>
             <a:noFill/>
           </a:ln>
           <a:effectLst/>
+          <a:extLst>
+            <a:ext uri="{909E8E84-426E-40DD-AFC4-6F175D3DCCD1}">
+              <a14:hiddenFill xmlns:a14="http://schemas.microsoft.com/office/drawing/2010/main">
+                <a:solidFill>
+                  <a:schemeClr val="accent1"/>
+                </a:solidFill>
+              </a14:hiddenFill>
+            </a:ext>
+            <a:ext uri="{91240B29-F687-4F45-9708-019B960494DF}">
+              <a14:hiddenLine xmlns:a14="http://schemas.microsoft.com/office/drawing/2010/main" w="9525">
+                <a:solidFill>
+                  <a:schemeClr val="tx1"/>
+                </a:solidFill>
+                <a:miter lim="800000"/>
+                <a:headEnd/>
+                <a:tailEnd/>
+              </a14:hiddenLine>
+            </a:ext>
+            <a:ext uri="{AF507438-7753-43E0-B8FC-AC1667EBCBE1}">
+              <a14:hiddenEffects xmlns:a14="http://schemas.microsoft.com/office/drawing/2010/main">
+                <a:effectLst>
+                  <a:outerShdw dist="35921" dir="2700000" algn="ctr" rotWithShape="0">
+                    <a:schemeClr val="bg2"/>
+                  </a:outerShdw>
+                </a:effectLst>
+              </a14:hiddenEffects>
+            </a:ext>
+          </a:extLst>
         </p:spPr>
       </p:pic>
     </p:spTree>
+    <p:extLst>
+      <p:ext uri="{BB962C8B-B14F-4D97-AF65-F5344CB8AC3E}">
+        <p14:creationId xmlns:p14="http://schemas.microsoft.com/office/powerpoint/2010/main" val="2914816326"/>
+      </p:ext>
+    </p:extLst>
   </p:cSld>
   <p:clrMapOvr>
     <a:masterClrMapping/>
@@ -5410,7 +5146,7 @@
   <p:cSld>
     <p:spTree>
       <p:nvGrpSpPr>
-        <p:cNvPr id="61" name=""/>
+        <p:cNvPr id="1" name=""/>
         <p:cNvGrpSpPr/>
         <p:nvPr/>
       </p:nvGrpSpPr>
@@ -5424,7 +5160,7 @@
       </p:grpSpPr>
       <p:sp>
         <p:nvSpPr>
-          <p:cNvPr id="1048617" name="Title 1"/>
+          <p:cNvPr id="2" name="Title 1"/>
           <p:cNvSpPr>
             <a:spLocks noGrp="1"/>
           </p:cNvSpPr>
@@ -5435,6 +5171,7 @@
         <p:spPr/>
         <p:txBody>
           <a:bodyPr/>
+          <a:lstStyle/>
           <a:p>
             <a:endParaRPr lang="en-IN"/>
           </a:p>
@@ -5442,7 +5179,7 @@
       </p:sp>
       <p:sp>
         <p:nvSpPr>
-          <p:cNvPr id="1048618" name="Content Placeholder 2"/>
+          <p:cNvPr id="3" name="Content Placeholder 2"/>
           <p:cNvSpPr>
             <a:spLocks noGrp="1"/>
           </p:cNvSpPr>
@@ -5453,56 +5190,63 @@
         <p:spPr/>
         <p:txBody>
           <a:bodyPr/>
-          <a:p>
-            <a:pPr indent="0" marL="114300">
+          <a:lstStyle/>
+          <a:p>
+            <a:pPr marL="114300" indent="0">
               <a:buNone/>
             </a:pPr>
             <a:r>
-              <a:rPr dirty="0" lang="en-IN" smtClean="0"/>
+              <a:rPr lang="en-IN" dirty="0" smtClean="0"/>
               <a:t>Result..</a:t>
             </a:r>
           </a:p>
           <a:p>
             <a:pPr fontAlgn="base"/>
             <a:r>
-              <a:rPr dirty="0" lang="en-IN"/>
+              <a:rPr lang="en-IN" dirty="0"/>
               <a:t>If we inspect the DOM changes after introducing the </a:t>
             </a:r>
             <a:r>
-              <a:rPr b="1" dirty="0" lang="en-IN"/>
+              <a:rPr lang="en-IN" b="1" dirty="0"/>
               <a:t>&lt;</a:t>
             </a:r>
             <a:r>
-              <a:rPr b="1" dirty="0" lang="en-IN" err="1"/>
+              <a:rPr lang="en-IN" b="1" dirty="0" err="1"/>
               <a:t>cdk</a:t>
             </a:r>
             <a:r>
-              <a:rPr b="1" dirty="0" lang="en-IN"/>
+              <a:rPr lang="en-IN" b="1" dirty="0"/>
               <a:t>-virtual-scroll-viewport&gt;</a:t>
             </a:r>
             <a:r>
-              <a:rPr dirty="0" lang="en-IN"/>
+              <a:rPr lang="en-IN" dirty="0"/>
               <a:t> we see that the browser is removing and adding DOM Nodes as we are scrolling.</a:t>
             </a:r>
           </a:p>
           <a:p>
-            <a:pPr indent="0" marL="114300">
+            <a:pPr marL="114300" indent="0">
               <a:buNone/>
             </a:pPr>
-            <a:endParaRPr dirty="0" lang="en-IN"/>
+            <a:endParaRPr lang="en-IN" dirty="0"/>
           </a:p>
         </p:txBody>
       </p:sp>
       <p:pic>
         <p:nvPicPr>
-          <p:cNvPr id="2097157" name="Picture 2"/>
+          <p:cNvPr id="8194" name="Picture 2"/>
           <p:cNvPicPr>
             <a:picLocks noChangeAspect="1" noChangeArrowheads="1"/>
           </p:cNvPicPr>
           <p:nvPr/>
         </p:nvPicPr>
         <p:blipFill>
-          <a:blip xmlns:r="http://schemas.openxmlformats.org/officeDocument/2006/relationships" r:embed="rId1"/>
+          <a:blip r:embed="rId2">
+            <a:extLst>
+              <a:ext uri="{28A0092B-C50C-407E-A947-70E740481C1C}">
+                <a14:useLocalDpi xmlns:a14="http://schemas.microsoft.com/office/drawing/2010/main" val="0"/>
+              </a:ext>
+            </a:extLst>
+          </a:blip>
           <a:srcRect/>
           <a:stretch>
             <a:fillRect/>
@@ -5513,15 +5257,50 @@
             <a:off x="755576" y="3356992"/>
             <a:ext cx="6934200" cy="2821310"/>
           </a:xfrm>
-          <a:prstGeom prst="rect"/>
+          <a:prstGeom prst="rect">
+            <a:avLst/>
+          </a:prstGeom>
           <a:noFill/>
           <a:ln>
             <a:noFill/>
           </a:ln>
           <a:effectLst/>
+          <a:extLst>
+            <a:ext uri="{909E8E84-426E-40DD-AFC4-6F175D3DCCD1}">
+              <a14:hiddenFill xmlns:a14="http://schemas.microsoft.com/office/drawing/2010/main">
+                <a:solidFill>
+                  <a:schemeClr val="accent1"/>
+                </a:solidFill>
+              </a14:hiddenFill>
+            </a:ext>
+            <a:ext uri="{91240B29-F687-4F45-9708-019B960494DF}">
+              <a14:hiddenLine xmlns:a14="http://schemas.microsoft.com/office/drawing/2010/main" w="9525">
+                <a:solidFill>
+                  <a:schemeClr val="tx1"/>
+                </a:solidFill>
+                <a:miter lim="800000"/>
+                <a:headEnd/>
+                <a:tailEnd/>
+              </a14:hiddenLine>
+            </a:ext>
+            <a:ext uri="{AF507438-7753-43E0-B8FC-AC1667EBCBE1}">
+              <a14:hiddenEffects xmlns:a14="http://schemas.microsoft.com/office/drawing/2010/main">
+                <a:effectLst>
+                  <a:outerShdw dist="35921" dir="2700000" algn="ctr" rotWithShape="0">
+                    <a:schemeClr val="bg2"/>
+                  </a:outerShdw>
+                </a:effectLst>
+              </a14:hiddenEffects>
+            </a:ext>
+          </a:extLst>
         </p:spPr>
       </p:pic>
     </p:spTree>
+    <p:extLst>
+      <p:ext uri="{BB962C8B-B14F-4D97-AF65-F5344CB8AC3E}">
+        <p14:creationId xmlns:p14="http://schemas.microsoft.com/office/powerpoint/2010/main" val="1637222487"/>
+      </p:ext>
+    </p:extLst>
   </p:cSld>
   <p:clrMapOvr>
     <a:masterClrMapping/>
@@ -5534,7 +5313,7 @@
   <p:cSld>
     <p:spTree>
       <p:nvGrpSpPr>
-        <p:cNvPr id="62" name=""/>
+        <p:cNvPr id="1" name=""/>
         <p:cNvGrpSpPr/>
         <p:nvPr/>
       </p:nvGrpSpPr>
@@ -5548,7 +5327,7 @@
       </p:grpSpPr>
       <p:sp>
         <p:nvSpPr>
-          <p:cNvPr id="1048619" name="Title 1"/>
+          <p:cNvPr id="2" name="Title 1"/>
           <p:cNvSpPr>
             <a:spLocks noGrp="1"/>
           </p:cNvSpPr>
@@ -5559,14 +5338,15 @@
         <p:spPr/>
         <p:txBody>
           <a:bodyPr/>
-          <a:p>
-            <a:endParaRPr dirty="0" lang="en-IN"/>
-          </a:p>
-        </p:txBody>
-      </p:sp>
-      <p:sp>
-        <p:nvSpPr>
-          <p:cNvPr id="1048620" name="Content Placeholder 2"/>
+          <a:lstStyle/>
+          <a:p>
+            <a:endParaRPr lang="en-IN" dirty="0"/>
+          </a:p>
+        </p:txBody>
+      </p:sp>
+      <p:sp>
+        <p:nvSpPr>
+          <p:cNvPr id="3" name="Content Placeholder 2"/>
           <p:cNvSpPr>
             <a:spLocks noGrp="1"/>
           </p:cNvSpPr>
@@ -5577,72 +5357,78 @@
         <p:spPr/>
         <p:txBody>
           <a:bodyPr/>
-          <a:p>
-            <a:pPr fontAlgn="base" indent="0" marL="114300">
+          <a:lstStyle/>
+          <a:p>
+            <a:pPr marL="114300" indent="0" fontAlgn="base">
               <a:buNone/>
             </a:pPr>
             <a:r>
-              <a:rPr b="1" dirty="0" lang="en-IN"/>
+              <a:rPr lang="en-IN" b="1" dirty="0"/>
               <a:t>4. Drag and Drop</a:t>
             </a:r>
           </a:p>
           <a:p>
-            <a:pPr fontAlgn="base" indent="0" marL="114300">
+            <a:pPr marL="114300" indent="0" fontAlgn="base">
               <a:buNone/>
             </a:pPr>
             <a:r>
-              <a:rPr dirty="0" lang="en-IN" smtClean="0"/>
+              <a:rPr lang="en-IN" dirty="0" smtClean="0"/>
               <a:t> </a:t>
             </a:r>
             <a:r>
-              <a:rPr dirty="0" lang="en-IN"/>
+              <a:rPr lang="en-IN" dirty="0"/>
               <a:t> </a:t>
             </a:r>
             <a:r>
-              <a:rPr dirty="0" lang="en-IN" smtClean="0"/>
+              <a:rPr lang="en-IN" dirty="0" smtClean="0"/>
               <a:t>  It </a:t>
             </a:r>
             <a:r>
-              <a:rPr dirty="0" lang="en-IN"/>
+              <a:rPr lang="en-IN" dirty="0"/>
               <a:t>comes with the feature of automatic rendering.</a:t>
             </a:r>
           </a:p>
           <a:p>
-            <a:pPr fontAlgn="base" indent="0" marL="114300">
+            <a:pPr marL="114300" indent="0" fontAlgn="base">
               <a:buNone/>
             </a:pPr>
             <a:r>
-              <a:rPr b="1" dirty="0" lang="en-IN"/>
+              <a:rPr lang="en-IN" b="1" dirty="0"/>
               <a:t>5.Bundle Budget</a:t>
             </a:r>
           </a:p>
           <a:p>
-            <a:pPr fontAlgn="base" indent="0" marL="114300">
+            <a:pPr marL="114300" indent="0" fontAlgn="base">
               <a:buNone/>
             </a:pPr>
             <a:r>
-              <a:rPr dirty="0" lang="en-IN" smtClean="0"/>
+              <a:rPr lang="en-IN" dirty="0" smtClean="0"/>
               <a:t>  If </a:t>
             </a:r>
             <a:r>
-              <a:rPr dirty="0" lang="en-IN"/>
+              <a:rPr lang="en-IN" dirty="0"/>
               <a:t>the bundle size is more than 2MB, a warning message </a:t>
             </a:r>
             <a:r>
-              <a:rPr dirty="0" lang="en-IN" smtClean="0"/>
+              <a:rPr lang="en-IN" dirty="0" smtClean="0"/>
               <a:t>provided </a:t>
             </a:r>
             <a:r>
-              <a:rPr dirty="0" lang="en-IN"/>
+              <a:rPr lang="en-IN" dirty="0"/>
               <a:t>and for above 5MB, an error will be given.</a:t>
             </a:r>
           </a:p>
           <a:p>
-            <a:endParaRPr dirty="0" lang="en-IN"/>
+            <a:endParaRPr lang="en-IN" dirty="0"/>
           </a:p>
         </p:txBody>
       </p:sp>
     </p:spTree>
+    <p:extLst>
+      <p:ext uri="{BB962C8B-B14F-4D97-AF65-F5344CB8AC3E}">
+        <p14:creationId xmlns:p14="http://schemas.microsoft.com/office/powerpoint/2010/main" val="1308499844"/>
+      </p:ext>
+    </p:extLst>
   </p:cSld>
   <p:clrMapOvr>
     <a:masterClrMapping/>
@@ -5655,7 +5441,7 @@
   <p:cSld>
     <p:spTree>
       <p:nvGrpSpPr>
-        <p:cNvPr id="63" name=""/>
+        <p:cNvPr id="1" name=""/>
         <p:cNvGrpSpPr/>
         <p:nvPr/>
       </p:nvGrpSpPr>
@@ -5669,7 +5455,7 @@
       </p:grpSpPr>
       <p:sp>
         <p:nvSpPr>
-          <p:cNvPr id="1048621" name="Title 1"/>
+          <p:cNvPr id="2" name="Title 1"/>
           <p:cNvSpPr>
             <a:spLocks noGrp="1"/>
           </p:cNvSpPr>
@@ -5680,18 +5466,19 @@
         <p:spPr/>
         <p:txBody>
           <a:bodyPr/>
-          <a:p>
-            <a:r>
-              <a:rPr dirty="0" lang="en-IN" smtClean="0"/>
+          <a:lstStyle/>
+          <a:p>
+            <a:r>
+              <a:rPr lang="en-IN" dirty="0" smtClean="0"/>
               <a:t>Animation</a:t>
             </a:r>
-            <a:endParaRPr dirty="0" lang="en-IN"/>
-          </a:p>
-        </p:txBody>
-      </p:sp>
-      <p:sp>
-        <p:nvSpPr>
-          <p:cNvPr id="1048622" name="Content Placeholder 2"/>
+            <a:endParaRPr lang="en-IN" dirty="0"/>
+          </a:p>
+        </p:txBody>
+      </p:sp>
+      <p:sp>
+        <p:nvSpPr>
+          <p:cNvPr id="3" name="Content Placeholder 2"/>
           <p:cNvSpPr>
             <a:spLocks noGrp="1"/>
           </p:cNvSpPr>
@@ -5702,35 +5489,41 @@
         <p:spPr/>
         <p:txBody>
           <a:bodyPr/>
-          <a:p>
-            <a:pPr indent="0" marL="114300">
+          <a:lstStyle/>
+          <a:p>
+            <a:pPr marL="114300" indent="0">
               <a:lnSpc>
                 <a:spcPct val="150000"/>
               </a:lnSpc>
               <a:buNone/>
             </a:pPr>
             <a:r>
-              <a:rPr dirty="0" lang="en-IN">
+              <a:rPr lang="en-IN" dirty="0">
                 <a:latin typeface="Times New Roman" pitchFamily="18" charset="0"/>
                 <a:cs typeface="Times New Roman" pitchFamily="18" charset="0"/>
               </a:rPr>
               <a:t>Animations add a lot of interaction between the html elements. Animation was available with Angular 2, from Angular 4 onwards animation is no more a part of the @angular/core library, but is a separate package that needs to be imported in </a:t>
             </a:r>
             <a:r>
-              <a:rPr dirty="0" lang="en-IN" err="1">
+              <a:rPr lang="en-IN" dirty="0" err="1">
                 <a:latin typeface="Times New Roman" pitchFamily="18" charset="0"/>
                 <a:cs typeface="Times New Roman" pitchFamily="18" charset="0"/>
               </a:rPr>
               <a:t>app.module.ts</a:t>
             </a:r>
             <a:r>
-              <a:rPr dirty="0" lang="en-IN"/>
+              <a:rPr lang="en-IN" dirty="0"/>
               <a:t>.</a:t>
             </a:r>
           </a:p>
         </p:txBody>
       </p:sp>
     </p:spTree>
+    <p:extLst>
+      <p:ext uri="{BB962C8B-B14F-4D97-AF65-F5344CB8AC3E}">
+        <p14:creationId xmlns:p14="http://schemas.microsoft.com/office/powerpoint/2010/main" val="588757588"/>
+      </p:ext>
+    </p:extLst>
   </p:cSld>
   <p:clrMapOvr>
     <a:masterClrMapping/>
@@ -5743,7 +5536,7 @@
   <p:cSld>
     <p:spTree>
       <p:nvGrpSpPr>
-        <p:cNvPr id="64" name=""/>
+        <p:cNvPr id="1" name=""/>
         <p:cNvGrpSpPr/>
         <p:nvPr/>
       </p:nvGrpSpPr>
@@ -5757,7 +5550,7 @@
       </p:grpSpPr>
       <p:sp>
         <p:nvSpPr>
-          <p:cNvPr id="1048623" name="Title 1"/>
+          <p:cNvPr id="2" name="Title 1"/>
           <p:cNvSpPr>
             <a:spLocks noGrp="1"/>
           </p:cNvSpPr>
@@ -5768,6 +5561,7 @@
         <p:spPr/>
         <p:txBody>
           <a:bodyPr/>
+          <a:lstStyle/>
           <a:p>
             <a:endParaRPr lang="en-IN"/>
           </a:p>
@@ -5775,7 +5569,7 @@
       </p:sp>
       <p:sp>
         <p:nvSpPr>
-          <p:cNvPr id="1048624" name="Content Placeholder 2"/>
+          <p:cNvPr id="3" name="Content Placeholder 2"/>
           <p:cNvSpPr>
             <a:spLocks noGrp="1"/>
           </p:cNvSpPr>
@@ -5786,39 +5580,46 @@
         <p:spPr/>
         <p:txBody>
           <a:bodyPr/>
-          <a:p>
-            <a:r>
-              <a:rPr dirty="0" lang="en-IN"/>
+          <a:lstStyle/>
+          <a:p>
+            <a:r>
+              <a:rPr lang="en-IN" dirty="0"/>
               <a:t>To start with, we need to import the library with the below line of code </a:t>
             </a:r>
-            <a:endParaRPr dirty="0" lang="en-IN" smtClean="0"/>
+            <a:endParaRPr lang="en-IN" dirty="0" smtClean="0"/>
           </a:p>
           <a:p>
             <a:pPr lvl="8"/>
-            <a:endParaRPr dirty="0" lang="en-IN" smtClean="0"/>
+            <a:endParaRPr lang="en-IN" dirty="0" smtClean="0"/>
           </a:p>
           <a:p>
             <a:pPr lvl="8"/>
-            <a:endParaRPr dirty="0" lang="en-IN"/>
-          </a:p>
-          <a:p>
-            <a:pPr indent="0" lvl="8" marL="2103120">
+            <a:endParaRPr lang="en-IN" dirty="0"/>
+          </a:p>
+          <a:p>
+            <a:pPr marL="2103120" lvl="8" indent="0">
               <a:buNone/>
             </a:pPr>
-            <a:endParaRPr dirty="0" lang="en-IN" smtClean="0"/>
+            <a:endParaRPr lang="en-IN" dirty="0" smtClean="0"/>
           </a:p>
         </p:txBody>
       </p:sp>
       <p:pic>
         <p:nvPicPr>
-          <p:cNvPr id="2097158" name="Picture 2"/>
+          <p:cNvPr id="9218" name="Picture 2"/>
           <p:cNvPicPr>
             <a:picLocks noChangeAspect="1" noChangeArrowheads="1"/>
           </p:cNvPicPr>
           <p:nvPr/>
         </p:nvPicPr>
         <p:blipFill>
-          <a:blip xmlns:r="http://schemas.openxmlformats.org/officeDocument/2006/relationships" r:embed="rId1"/>
+          <a:blip r:embed="rId2">
+            <a:extLst>
+              <a:ext uri="{28A0092B-C50C-407E-A947-70E740481C1C}">
+                <a14:useLocalDpi xmlns:a14="http://schemas.microsoft.com/office/drawing/2010/main" val="0"/>
+              </a:ext>
+            </a:extLst>
+          </a:blip>
           <a:srcRect/>
           <a:stretch>
             <a:fillRect/>
@@ -5829,15 +5630,50 @@
             <a:off x="719014" y="2456892"/>
             <a:ext cx="6909339" cy="468052"/>
           </a:xfrm>
-          <a:prstGeom prst="rect"/>
+          <a:prstGeom prst="rect">
+            <a:avLst/>
+          </a:prstGeom>
           <a:noFill/>
           <a:ln>
             <a:noFill/>
           </a:ln>
           <a:effectLst/>
+          <a:extLst>
+            <a:ext uri="{909E8E84-426E-40DD-AFC4-6F175D3DCCD1}">
+              <a14:hiddenFill xmlns:a14="http://schemas.microsoft.com/office/drawing/2010/main">
+                <a:solidFill>
+                  <a:schemeClr val="accent1"/>
+                </a:solidFill>
+              </a14:hiddenFill>
+            </a:ext>
+            <a:ext uri="{91240B29-F687-4F45-9708-019B960494DF}">
+              <a14:hiddenLine xmlns:a14="http://schemas.microsoft.com/office/drawing/2010/main" w="9525">
+                <a:solidFill>
+                  <a:schemeClr val="tx1"/>
+                </a:solidFill>
+                <a:miter lim="800000"/>
+                <a:headEnd/>
+                <a:tailEnd/>
+              </a14:hiddenLine>
+            </a:ext>
+            <a:ext uri="{AF507438-7753-43E0-B8FC-AC1667EBCBE1}">
+              <a14:hiddenEffects xmlns:a14="http://schemas.microsoft.com/office/drawing/2010/main">
+                <a:effectLst>
+                  <a:outerShdw dist="35921" dir="2700000" algn="ctr" rotWithShape="0">
+                    <a:schemeClr val="bg2"/>
+                  </a:outerShdw>
+                </a:effectLst>
+              </a14:hiddenEffects>
+            </a:ext>
+          </a:extLst>
         </p:spPr>
       </p:pic>
     </p:spTree>
+    <p:extLst>
+      <p:ext uri="{BB962C8B-B14F-4D97-AF65-F5344CB8AC3E}">
+        <p14:creationId xmlns:p14="http://schemas.microsoft.com/office/powerpoint/2010/main" val="1786512136"/>
+      </p:ext>
+    </p:extLst>
   </p:cSld>
   <p:clrMapOvr>
     <a:masterClrMapping/>
@@ -5850,7 +5686,7 @@
   <p:cSld>
     <p:spTree>
       <p:nvGrpSpPr>
-        <p:cNvPr id="65" name=""/>
+        <p:cNvPr id="1" name=""/>
         <p:cNvGrpSpPr/>
         <p:nvPr/>
       </p:nvGrpSpPr>
@@ -5864,7 +5700,7 @@
       </p:grpSpPr>
       <p:sp>
         <p:nvSpPr>
-          <p:cNvPr id="1048625" name="Title 1"/>
+          <p:cNvPr id="2" name="Title 1"/>
           <p:cNvSpPr>
             <a:spLocks noGrp="1"/>
           </p:cNvSpPr>
@@ -5875,6 +5711,7 @@
         <p:spPr/>
         <p:txBody>
           <a:bodyPr/>
+          <a:lstStyle/>
           <a:p>
             <a:endParaRPr lang="en-IN"/>
           </a:p>
@@ -5882,7 +5719,7 @@
       </p:sp>
       <p:sp>
         <p:nvSpPr>
-          <p:cNvPr id="1048626" name="Content Placeholder 2"/>
+          <p:cNvPr id="3" name="Content Placeholder 2"/>
           <p:cNvSpPr>
             <a:spLocks noGrp="1"/>
           </p:cNvSpPr>
@@ -5893,47 +5730,54 @@
         <p:spPr/>
         <p:txBody>
           <a:bodyPr/>
-          <a:p>
-            <a:r>
-              <a:rPr dirty="0" lang="en-IN"/>
+          <a:lstStyle/>
+          <a:p>
+            <a:r>
+              <a:rPr lang="en-IN" dirty="0"/>
               <a:t>The </a:t>
             </a:r>
             <a:r>
-              <a:rPr b="1" dirty="0" lang="en-IN" err="1"/>
+              <a:rPr lang="en-IN" b="1" dirty="0" err="1"/>
               <a:t>BrowserAnimationsModule</a:t>
             </a:r>
             <a:r>
-              <a:rPr dirty="0" lang="en-IN"/>
+              <a:rPr lang="en-IN" dirty="0"/>
               <a:t> needs to be added to the import array in </a:t>
             </a:r>
             <a:r>
-              <a:rPr b="1" dirty="0" lang="en-IN" err="1"/>
+              <a:rPr lang="en-IN" b="1" dirty="0" err="1"/>
               <a:t>app.module.ts</a:t>
             </a:r>
             <a:r>
-              <a:rPr dirty="0" lang="en-IN"/>
+              <a:rPr lang="en-IN" dirty="0"/>
               <a:t> as shown below </a:t>
             </a:r>
             <a:r>
-              <a:rPr dirty="0" lang="en-IN" smtClean="0"/>
+              <a:rPr lang="en-IN" dirty="0" smtClean="0"/>
               <a:t>−</a:t>
             </a:r>
           </a:p>
           <a:p>
-            <a:endParaRPr dirty="0" lang="en-IN"/>
+            <a:endParaRPr lang="en-IN" dirty="0"/>
           </a:p>
         </p:txBody>
       </p:sp>
       <p:pic>
         <p:nvPicPr>
-          <p:cNvPr id="2097159" name="Picture 2"/>
+          <p:cNvPr id="10242" name="Picture 2"/>
           <p:cNvPicPr>
             <a:picLocks noChangeAspect="1" noChangeArrowheads="1"/>
           </p:cNvPicPr>
           <p:nvPr/>
         </p:nvPicPr>
         <p:blipFill>
-          <a:blip xmlns:r="http://schemas.openxmlformats.org/officeDocument/2006/relationships" r:embed="rId1"/>
+          <a:blip r:embed="rId2">
+            <a:extLst>
+              <a:ext uri="{28A0092B-C50C-407E-A947-70E740481C1C}">
+                <a14:useLocalDpi xmlns:a14="http://schemas.microsoft.com/office/drawing/2010/main" val="0"/>
+              </a:ext>
+            </a:extLst>
+          </a:blip>
           <a:srcRect/>
           <a:stretch>
             <a:fillRect/>
@@ -5944,15 +5788,50 @@
             <a:off x="1167061" y="2564904"/>
             <a:ext cx="6257925" cy="3257922"/>
           </a:xfrm>
-          <a:prstGeom prst="rect"/>
+          <a:prstGeom prst="rect">
+            <a:avLst/>
+          </a:prstGeom>
           <a:noFill/>
           <a:ln>
             <a:noFill/>
           </a:ln>
           <a:effectLst/>
+          <a:extLst>
+            <a:ext uri="{909E8E84-426E-40DD-AFC4-6F175D3DCCD1}">
+              <a14:hiddenFill xmlns:a14="http://schemas.microsoft.com/office/drawing/2010/main">
+                <a:solidFill>
+                  <a:schemeClr val="accent1"/>
+                </a:solidFill>
+              </a14:hiddenFill>
+            </a:ext>
+            <a:ext uri="{91240B29-F687-4F45-9708-019B960494DF}">
+              <a14:hiddenLine xmlns:a14="http://schemas.microsoft.com/office/drawing/2010/main" w="9525">
+                <a:solidFill>
+                  <a:schemeClr val="tx1"/>
+                </a:solidFill>
+                <a:miter lim="800000"/>
+                <a:headEnd/>
+                <a:tailEnd/>
+              </a14:hiddenLine>
+            </a:ext>
+            <a:ext uri="{AF507438-7753-43E0-B8FC-AC1667EBCBE1}">
+              <a14:hiddenEffects xmlns:a14="http://schemas.microsoft.com/office/drawing/2010/main">
+                <a:effectLst>
+                  <a:outerShdw dist="35921" dir="2700000" algn="ctr" rotWithShape="0">
+                    <a:schemeClr val="bg2"/>
+                  </a:outerShdw>
+                </a:effectLst>
+              </a14:hiddenEffects>
+            </a:ext>
+          </a:extLst>
         </p:spPr>
       </p:pic>
     </p:spTree>
+    <p:extLst>
+      <p:ext uri="{BB962C8B-B14F-4D97-AF65-F5344CB8AC3E}">
+        <p14:creationId xmlns:p14="http://schemas.microsoft.com/office/powerpoint/2010/main" val="2093328813"/>
+      </p:ext>
+    </p:extLst>
   </p:cSld>
   <p:clrMapOvr>
     <a:masterClrMapping/>
@@ -5965,7 +5844,7 @@
   <p:cSld>
     <p:spTree>
       <p:nvGrpSpPr>
-        <p:cNvPr id="48" name=""/>
+        <p:cNvPr id="1" name=""/>
         <p:cNvGrpSpPr/>
         <p:nvPr/>
       </p:nvGrpSpPr>
@@ -5979,7 +5858,7 @@
       </p:grpSpPr>
       <p:sp>
         <p:nvSpPr>
-          <p:cNvPr id="1048595" name="Title 1"/>
+          <p:cNvPr id="2" name="Title 1"/>
           <p:cNvSpPr>
             <a:spLocks noGrp="1"/>
           </p:cNvSpPr>
@@ -5990,18 +5869,19 @@
         <p:spPr/>
         <p:txBody>
           <a:bodyPr/>
-          <a:p>
-            <a:r>
-              <a:rPr dirty="0" lang="en-IN" smtClean="0"/>
+          <a:lstStyle/>
+          <a:p>
+            <a:r>
+              <a:rPr lang="en-IN" dirty="0" smtClean="0"/>
               <a:t>OBJECTIVE:</a:t>
             </a:r>
-            <a:endParaRPr dirty="0" lang="en-IN"/>
-          </a:p>
-        </p:txBody>
-      </p:sp>
-      <p:sp>
-        <p:nvSpPr>
-          <p:cNvPr id="1048596" name="Content Placeholder 2"/>
+            <a:endParaRPr lang="en-IN" dirty="0"/>
+          </a:p>
+        </p:txBody>
+      </p:sp>
+      <p:sp>
+        <p:nvSpPr>
+          <p:cNvPr id="3" name="Content Placeholder 2"/>
           <p:cNvSpPr>
             <a:spLocks noGrp="1"/>
           </p:cNvSpPr>
@@ -6012,6 +5892,7 @@
         <p:spPr/>
         <p:txBody>
           <a:bodyPr/>
+          <a:lstStyle/>
           <a:p>
             <a:pPr>
               <a:lnSpc>
@@ -6022,11 +5903,11 @@
               <a:buChar char="Ø"/>
             </a:pPr>
             <a:r>
-              <a:rPr dirty="0" lang="en-IN" smtClean="0"/>
+              <a:rPr lang="en-IN" dirty="0" smtClean="0"/>
               <a:t> </a:t>
             </a:r>
             <a:r>
-              <a:rPr dirty="0" lang="en-IN" smtClean="0">
+              <a:rPr lang="en-IN" dirty="0" smtClean="0">
                 <a:latin typeface="Times New Roman" pitchFamily="18" charset="0"/>
                 <a:cs typeface="Times New Roman" pitchFamily="18" charset="0"/>
               </a:rPr>
@@ -6043,7 +5924,7 @@
               <a:buChar char="Ø"/>
             </a:pPr>
             <a:r>
-              <a:rPr dirty="0" lang="en-IN" smtClean="0">
+              <a:rPr lang="en-IN" dirty="0" smtClean="0">
                 <a:latin typeface="Times New Roman" pitchFamily="18" charset="0"/>
                 <a:cs typeface="Times New Roman" pitchFamily="18" charset="0"/>
               </a:rPr>
@@ -6060,7 +5941,7 @@
               <a:buChar char="Ø"/>
             </a:pPr>
             <a:r>
-              <a:rPr dirty="0" lang="en-IN" smtClean="0">
+              <a:rPr lang="en-IN" dirty="0" smtClean="0">
                 <a:latin typeface="Times New Roman" pitchFamily="18" charset="0"/>
                 <a:cs typeface="Times New Roman" pitchFamily="18" charset="0"/>
               </a:rPr>
@@ -6077,13 +5958,13 @@
               <a:buChar char="Ø"/>
             </a:pPr>
             <a:r>
-              <a:rPr dirty="0" lang="en-IN" smtClean="0">
+              <a:rPr lang="en-IN" dirty="0" smtClean="0">
                 <a:latin typeface="Times New Roman" pitchFamily="18" charset="0"/>
                 <a:cs typeface="Times New Roman" pitchFamily="18" charset="0"/>
               </a:rPr>
               <a:t>Guards</a:t>
             </a:r>
-            <a:endParaRPr dirty="0" lang="en-IN">
+            <a:endParaRPr lang="en-IN" dirty="0">
               <a:latin typeface="Times New Roman" pitchFamily="18" charset="0"/>
               <a:cs typeface="Times New Roman" pitchFamily="18" charset="0"/>
             </a:endParaRPr>
@@ -6091,6 +5972,11 @@
         </p:txBody>
       </p:sp>
     </p:spTree>
+    <p:extLst>
+      <p:ext uri="{BB962C8B-B14F-4D97-AF65-F5344CB8AC3E}">
+        <p14:creationId xmlns:p14="http://schemas.microsoft.com/office/powerpoint/2010/main" val="2504317632"/>
+      </p:ext>
+    </p:extLst>
   </p:cSld>
   <p:clrMapOvr>
     <a:masterClrMapping/>
@@ -6103,7 +5989,7 @@
   <p:cSld>
     <p:spTree>
       <p:nvGrpSpPr>
-        <p:cNvPr id="66" name=""/>
+        <p:cNvPr id="1" name=""/>
         <p:cNvGrpSpPr/>
         <p:nvPr/>
       </p:nvGrpSpPr>
@@ -6117,7 +6003,7 @@
       </p:grpSpPr>
       <p:sp>
         <p:nvSpPr>
-          <p:cNvPr id="1048627" name="Title 1"/>
+          <p:cNvPr id="2" name="Title 1"/>
           <p:cNvSpPr>
             <a:spLocks noGrp="1"/>
           </p:cNvSpPr>
@@ -6128,6 +6014,7 @@
         <p:spPr/>
         <p:txBody>
           <a:bodyPr/>
+          <a:lstStyle/>
           <a:p>
             <a:endParaRPr lang="en-IN"/>
           </a:p>
@@ -6135,16 +6022,22 @@
       </p:sp>
       <p:pic>
         <p:nvPicPr>
-          <p:cNvPr id="2097160" name="Picture 2"/>
+          <p:cNvPr id="11266" name="Picture 2"/>
           <p:cNvPicPr>
-            <a:picLocks noChangeAspect="1" noGrp="1" noChangeArrowheads="1"/>
+            <a:picLocks noGrp="1" noChangeAspect="1" noChangeArrowheads="1"/>
           </p:cNvPicPr>
           <p:nvPr>
             <p:ph idx="1"/>
           </p:nvPr>
         </p:nvPicPr>
         <p:blipFill>
-          <a:blip xmlns:r="http://schemas.openxmlformats.org/officeDocument/2006/relationships" r:embed="rId1"/>
+          <a:blip r:embed="rId2">
+            <a:extLst>
+              <a:ext uri="{28A0092B-C50C-407E-A947-70E740481C1C}">
+                <a14:useLocalDpi xmlns:a14="http://schemas.microsoft.com/office/drawing/2010/main" val="0"/>
+              </a:ext>
+            </a:extLst>
+          </a:blip>
           <a:srcRect/>
           <a:stretch>
             <a:fillRect/>
@@ -6155,15 +6048,50 @@
             <a:off x="971600" y="1772816"/>
             <a:ext cx="5886450" cy="3933825"/>
           </a:xfrm>
-          <a:prstGeom prst="rect"/>
+          <a:prstGeom prst="rect">
+            <a:avLst/>
+          </a:prstGeom>
           <a:noFill/>
           <a:ln>
             <a:noFill/>
           </a:ln>
           <a:effectLst/>
+          <a:extLst>
+            <a:ext uri="{909E8E84-426E-40DD-AFC4-6F175D3DCCD1}">
+              <a14:hiddenFill xmlns:a14="http://schemas.microsoft.com/office/drawing/2010/main">
+                <a:solidFill>
+                  <a:schemeClr val="accent1"/>
+                </a:solidFill>
+              </a14:hiddenFill>
+            </a:ext>
+            <a:ext uri="{91240B29-F687-4F45-9708-019B960494DF}">
+              <a14:hiddenLine xmlns:a14="http://schemas.microsoft.com/office/drawing/2010/main" w="9525">
+                <a:solidFill>
+                  <a:schemeClr val="tx1"/>
+                </a:solidFill>
+                <a:miter lim="800000"/>
+                <a:headEnd/>
+                <a:tailEnd/>
+              </a14:hiddenLine>
+            </a:ext>
+            <a:ext uri="{AF507438-7753-43E0-B8FC-AC1667EBCBE1}">
+              <a14:hiddenEffects xmlns:a14="http://schemas.microsoft.com/office/drawing/2010/main">
+                <a:effectLst>
+                  <a:outerShdw dist="35921" dir="2700000" algn="ctr" rotWithShape="0">
+                    <a:schemeClr val="bg2"/>
+                  </a:outerShdw>
+                </a:effectLst>
+              </a14:hiddenEffects>
+            </a:ext>
+          </a:extLst>
         </p:spPr>
       </p:pic>
     </p:spTree>
+    <p:extLst>
+      <p:ext uri="{BB962C8B-B14F-4D97-AF65-F5344CB8AC3E}">
+        <p14:creationId xmlns:p14="http://schemas.microsoft.com/office/powerpoint/2010/main" val="3312889711"/>
+      </p:ext>
+    </p:extLst>
   </p:cSld>
   <p:clrMapOvr>
     <a:masterClrMapping/>
@@ -6176,7 +6104,7 @@
   <p:cSld>
     <p:spTree>
       <p:nvGrpSpPr>
-        <p:cNvPr id="67" name=""/>
+        <p:cNvPr id="1" name=""/>
         <p:cNvGrpSpPr/>
         <p:nvPr/>
       </p:nvGrpSpPr>
@@ -6190,7 +6118,7 @@
       </p:grpSpPr>
       <p:sp>
         <p:nvSpPr>
-          <p:cNvPr id="1048628" name="Title 1"/>
+          <p:cNvPr id="2" name="Title 1"/>
           <p:cNvSpPr>
             <a:spLocks noGrp="1"/>
           </p:cNvSpPr>
@@ -6201,6 +6129,7 @@
         <p:spPr/>
         <p:txBody>
           <a:bodyPr/>
+          <a:lstStyle/>
           <a:p>
             <a:endParaRPr lang="en-IN"/>
           </a:p>
@@ -6208,7 +6137,7 @@
       </p:sp>
       <p:sp>
         <p:nvSpPr>
-          <p:cNvPr id="1048629" name="Content Placeholder 2"/>
+          <p:cNvPr id="3" name="Content Placeholder 2"/>
           <p:cNvSpPr>
             <a:spLocks noGrp="1"/>
           </p:cNvSpPr>
@@ -6219,63 +6148,70 @@
         <p:spPr/>
         <p:txBody>
           <a:bodyPr/>
-          <a:p>
-            <a:r>
-              <a:rPr dirty="0" lang="en-IN"/>
+          <a:lstStyle/>
+          <a:p>
+            <a:r>
+              <a:rPr lang="en-IN" dirty="0"/>
               <a:t>In </a:t>
             </a:r>
             <a:r>
-              <a:rPr b="1" dirty="0" lang="en-IN"/>
+              <a:rPr lang="en-IN" b="1" dirty="0"/>
               <a:t>app.component.html</a:t>
             </a:r>
             <a:r>
-              <a:rPr dirty="0" lang="en-IN"/>
+              <a:rPr lang="en-IN" dirty="0"/>
               <a:t>, we have added the html elements, which are to be animated</a:t>
             </a:r>
             <a:r>
-              <a:rPr dirty="0" lang="en-IN" smtClean="0"/>
+              <a:rPr lang="en-IN" dirty="0" smtClean="0"/>
               <a:t>.</a:t>
             </a:r>
           </a:p>
           <a:p>
-            <a:endParaRPr dirty="0" lang="en-IN" smtClean="0"/>
-          </a:p>
-          <a:p>
-            <a:endParaRPr dirty="0" lang="en-IN"/>
-          </a:p>
-          <a:p>
-            <a:endParaRPr dirty="0" lang="en-IN" smtClean="0"/>
-          </a:p>
-          <a:p>
-            <a:endParaRPr dirty="0" lang="en-IN"/>
-          </a:p>
-          <a:p>
-            <a:r>
-              <a:rPr dirty="0" lang="en-IN"/>
+            <a:endParaRPr lang="en-IN" dirty="0" smtClean="0"/>
+          </a:p>
+          <a:p>
+            <a:endParaRPr lang="en-IN" dirty="0"/>
+          </a:p>
+          <a:p>
+            <a:endParaRPr lang="en-IN" dirty="0" smtClean="0"/>
+          </a:p>
+          <a:p>
+            <a:endParaRPr lang="en-IN" dirty="0"/>
+          </a:p>
+          <a:p>
+            <a:r>
+              <a:rPr lang="en-IN" dirty="0"/>
               <a:t>Let us now see the </a:t>
             </a:r>
             <a:r>
-              <a:rPr b="1" dirty="0" lang="en-IN" err="1"/>
+              <a:rPr lang="en-IN" b="1" dirty="0" err="1"/>
               <a:t>app.component.ts</a:t>
             </a:r>
             <a:r>
-              <a:rPr dirty="0" lang="en-IN"/>
+              <a:rPr lang="en-IN" dirty="0"/>
               <a:t> where the animation is defined.</a:t>
             </a:r>
-            <a:endParaRPr dirty="0" lang="en-IN"/>
+            <a:endParaRPr lang="en-IN" dirty="0"/>
           </a:p>
         </p:txBody>
       </p:sp>
       <p:pic>
         <p:nvPicPr>
-          <p:cNvPr id="2097161" name="Picture 2"/>
+          <p:cNvPr id="1026" name="Picture 2"/>
           <p:cNvPicPr>
             <a:picLocks noChangeAspect="1" noChangeArrowheads="1"/>
           </p:cNvPicPr>
           <p:nvPr/>
         </p:nvPicPr>
         <p:blipFill>
-          <a:blip xmlns:r="http://schemas.openxmlformats.org/officeDocument/2006/relationships" r:embed="rId1"/>
+          <a:blip r:embed="rId2">
+            <a:extLst>
+              <a:ext uri="{28A0092B-C50C-407E-A947-70E740481C1C}">
+                <a14:useLocalDpi xmlns:a14="http://schemas.microsoft.com/office/drawing/2010/main" val="0"/>
+              </a:ext>
+            </a:extLst>
+          </a:blip>
           <a:srcRect/>
           <a:stretch>
             <a:fillRect/>
@@ -6286,15 +6222,50 @@
             <a:off x="1259632" y="2564904"/>
             <a:ext cx="5705475" cy="1209675"/>
           </a:xfrm>
-          <a:prstGeom prst="rect"/>
+          <a:prstGeom prst="rect">
+            <a:avLst/>
+          </a:prstGeom>
           <a:noFill/>
           <a:ln>
             <a:noFill/>
           </a:ln>
           <a:effectLst/>
+          <a:extLst>
+            <a:ext uri="{909E8E84-426E-40DD-AFC4-6F175D3DCCD1}">
+              <a14:hiddenFill xmlns:a14="http://schemas.microsoft.com/office/drawing/2010/main">
+                <a:solidFill>
+                  <a:schemeClr val="accent1"/>
+                </a:solidFill>
+              </a14:hiddenFill>
+            </a:ext>
+            <a:ext uri="{91240B29-F687-4F45-9708-019B960494DF}">
+              <a14:hiddenLine xmlns:a14="http://schemas.microsoft.com/office/drawing/2010/main" w="9525">
+                <a:solidFill>
+                  <a:schemeClr val="tx1"/>
+                </a:solidFill>
+                <a:miter lim="800000"/>
+                <a:headEnd/>
+                <a:tailEnd/>
+              </a14:hiddenLine>
+            </a:ext>
+            <a:ext uri="{AF507438-7753-43E0-B8FC-AC1667EBCBE1}">
+              <a14:hiddenEffects xmlns:a14="http://schemas.microsoft.com/office/drawing/2010/main">
+                <a:effectLst>
+                  <a:outerShdw dist="35921" dir="2700000" algn="ctr" rotWithShape="0">
+                    <a:schemeClr val="bg2"/>
+                  </a:outerShdw>
+                </a:effectLst>
+              </a14:hiddenEffects>
+            </a:ext>
+          </a:extLst>
         </p:spPr>
       </p:pic>
     </p:spTree>
+    <p:extLst>
+      <p:ext uri="{BB962C8B-B14F-4D97-AF65-F5344CB8AC3E}">
+        <p14:creationId xmlns:p14="http://schemas.microsoft.com/office/powerpoint/2010/main" val="2154445615"/>
+      </p:ext>
+    </p:extLst>
   </p:cSld>
   <p:clrMapOvr>
     <a:masterClrMapping/>
@@ -6307,7 +6278,7 @@
   <p:cSld>
     <p:spTree>
       <p:nvGrpSpPr>
-        <p:cNvPr id="68" name=""/>
+        <p:cNvPr id="1" name=""/>
         <p:cNvGrpSpPr/>
         <p:nvPr/>
       </p:nvGrpSpPr>
@@ -6321,7 +6292,7 @@
       </p:grpSpPr>
       <p:sp>
         <p:nvSpPr>
-          <p:cNvPr id="1048630" name="Title 1"/>
+          <p:cNvPr id="2" name="Title 1"/>
           <p:cNvSpPr>
             <a:spLocks noGrp="1"/>
           </p:cNvSpPr>
@@ -6332,6 +6303,7 @@
         <p:spPr/>
         <p:txBody>
           <a:bodyPr/>
+          <a:lstStyle/>
           <a:p>
             <a:endParaRPr lang="en-IN"/>
           </a:p>
@@ -6339,16 +6311,22 @@
       </p:sp>
       <p:pic>
         <p:nvPicPr>
-          <p:cNvPr id="2097162" name="Picture 2"/>
+          <p:cNvPr id="2050" name="Picture 2"/>
           <p:cNvPicPr>
-            <a:picLocks noChangeAspect="1" noGrp="1" noChangeArrowheads="1"/>
+            <a:picLocks noGrp="1" noChangeAspect="1" noChangeArrowheads="1"/>
           </p:cNvPicPr>
           <p:nvPr>
             <p:ph idx="1"/>
           </p:nvPr>
         </p:nvPicPr>
         <p:blipFill>
-          <a:blip xmlns:r="http://schemas.openxmlformats.org/officeDocument/2006/relationships" r:embed="rId1"/>
+          <a:blip r:embed="rId2">
+            <a:extLst>
+              <a:ext uri="{28A0092B-C50C-407E-A947-70E740481C1C}">
+                <a14:useLocalDpi xmlns:a14="http://schemas.microsoft.com/office/drawing/2010/main" val="0"/>
+              </a:ext>
+            </a:extLst>
+          </a:blip>
           <a:srcRect/>
           <a:stretch>
             <a:fillRect/>
@@ -6359,15 +6337,50 @@
             <a:off x="1043608" y="1556792"/>
             <a:ext cx="5904656" cy="4653508"/>
           </a:xfrm>
-          <a:prstGeom prst="rect"/>
+          <a:prstGeom prst="rect">
+            <a:avLst/>
+          </a:prstGeom>
           <a:noFill/>
           <a:ln>
             <a:noFill/>
           </a:ln>
           <a:effectLst/>
+          <a:extLst>
+            <a:ext uri="{909E8E84-426E-40DD-AFC4-6F175D3DCCD1}">
+              <a14:hiddenFill xmlns:a14="http://schemas.microsoft.com/office/drawing/2010/main">
+                <a:solidFill>
+                  <a:schemeClr val="accent1"/>
+                </a:solidFill>
+              </a14:hiddenFill>
+            </a:ext>
+            <a:ext uri="{91240B29-F687-4F45-9708-019B960494DF}">
+              <a14:hiddenLine xmlns:a14="http://schemas.microsoft.com/office/drawing/2010/main" w="9525">
+                <a:solidFill>
+                  <a:schemeClr val="tx1"/>
+                </a:solidFill>
+                <a:miter lim="800000"/>
+                <a:headEnd/>
+                <a:tailEnd/>
+              </a14:hiddenLine>
+            </a:ext>
+            <a:ext uri="{AF507438-7753-43E0-B8FC-AC1667EBCBE1}">
+              <a14:hiddenEffects xmlns:a14="http://schemas.microsoft.com/office/drawing/2010/main">
+                <a:effectLst>
+                  <a:outerShdw dist="35921" dir="2700000" algn="ctr" rotWithShape="0">
+                    <a:schemeClr val="bg2"/>
+                  </a:outerShdw>
+                </a:effectLst>
+              </a14:hiddenEffects>
+            </a:ext>
+          </a:extLst>
         </p:spPr>
       </p:pic>
     </p:spTree>
+    <p:extLst>
+      <p:ext uri="{BB962C8B-B14F-4D97-AF65-F5344CB8AC3E}">
+        <p14:creationId xmlns:p14="http://schemas.microsoft.com/office/powerpoint/2010/main" val="3263846708"/>
+      </p:ext>
+    </p:extLst>
   </p:cSld>
   <p:clrMapOvr>
     <a:masterClrMapping/>
@@ -6380,7 +6393,7 @@
   <p:cSld>
     <p:spTree>
       <p:nvGrpSpPr>
-        <p:cNvPr id="69" name=""/>
+        <p:cNvPr id="1" name=""/>
         <p:cNvGrpSpPr/>
         <p:nvPr/>
       </p:nvGrpSpPr>
@@ -6394,7 +6407,7 @@
       </p:grpSpPr>
       <p:sp>
         <p:nvSpPr>
-          <p:cNvPr id="1048631" name="Title 1"/>
+          <p:cNvPr id="2" name="Title 1"/>
           <p:cNvSpPr>
             <a:spLocks noGrp="1"/>
           </p:cNvSpPr>
@@ -6405,6 +6418,7 @@
         <p:spPr/>
         <p:txBody>
           <a:bodyPr/>
+          <a:lstStyle/>
           <a:p>
             <a:endParaRPr lang="en-IN"/>
           </a:p>
@@ -6412,7 +6426,7 @@
       </p:sp>
       <p:sp>
         <p:nvSpPr>
-          <p:cNvPr id="1048632" name="Content Placeholder 2"/>
+          <p:cNvPr id="3" name="Content Placeholder 2"/>
           <p:cNvSpPr>
             <a:spLocks noGrp="1"/>
           </p:cNvSpPr>
@@ -6423,76 +6437,83 @@
         <p:spPr/>
         <p:txBody>
           <a:bodyPr/>
-          <a:p>
-            <a:r>
-              <a:rPr dirty="0" lang="en-IN"/>
+          <a:lstStyle/>
+          <a:p>
+            <a:r>
+              <a:rPr lang="en-IN" dirty="0"/>
               <a:t>We have to import the animation function that is to be used in the .</a:t>
             </a:r>
             <a:r>
-              <a:rPr dirty="0" lang="en-IN" err="1"/>
+              <a:rPr lang="en-IN" dirty="0" err="1"/>
               <a:t>ts</a:t>
             </a:r>
             <a:r>
-              <a:rPr dirty="0" lang="en-IN"/>
+              <a:rPr lang="en-IN" dirty="0"/>
               <a:t> </a:t>
             </a:r>
             <a:r>
-              <a:rPr dirty="0" lang="en-IN" smtClean="0"/>
+              <a:rPr lang="en-IN" dirty="0" smtClean="0"/>
               <a:t>file </a:t>
             </a:r>
             <a:r>
-              <a:rPr dirty="0" lang="en-IN"/>
+              <a:rPr lang="en-IN" dirty="0"/>
               <a:t>as shown above</a:t>
             </a:r>
             <a:r>
-              <a:rPr dirty="0" lang="en-IN" smtClean="0"/>
+              <a:rPr lang="en-IN" dirty="0" smtClean="0"/>
               <a:t>.</a:t>
             </a:r>
           </a:p>
           <a:p>
-            <a:endParaRPr dirty="0" lang="en-IN"/>
-          </a:p>
-          <a:p>
-            <a:pPr indent="0" marL="114300">
+            <a:endParaRPr lang="en-IN" dirty="0"/>
+          </a:p>
+          <a:p>
+            <a:pPr marL="114300" indent="0">
               <a:buNone/>
             </a:pPr>
             <a:r>
-              <a:rPr dirty="0" lang="en-IN" smtClean="0"/>
+              <a:rPr lang="en-IN" dirty="0" smtClean="0"/>
               <a:t>Here </a:t>
             </a:r>
             <a:r>
-              <a:rPr dirty="0" lang="en-IN"/>
+              <a:rPr lang="en-IN" dirty="0"/>
               <a:t>we have imported trigger, state, style, transition, and animate from @angular/animations.</a:t>
             </a:r>
           </a:p>
           <a:p>
-            <a:pPr indent="0" marL="114300">
+            <a:pPr marL="114300" indent="0">
               <a:buNone/>
             </a:pPr>
             <a:r>
-              <a:rPr dirty="0" lang="en-IN" smtClean="0"/>
+              <a:rPr lang="en-IN" dirty="0" smtClean="0"/>
               <a:t>    Now</a:t>
             </a:r>
             <a:r>
-              <a:rPr dirty="0" lang="en-IN"/>
+              <a:rPr lang="en-IN" dirty="0"/>
               <a:t>, we will add the animations property to the @Component () decorator −</a:t>
             </a:r>
           </a:p>
           <a:p>
-            <a:endParaRPr dirty="0" lang="en-IN"/>
+            <a:endParaRPr lang="en-IN" dirty="0"/>
           </a:p>
         </p:txBody>
       </p:sp>
       <p:pic>
         <p:nvPicPr>
-          <p:cNvPr id="2097163" name="Picture 2"/>
+          <p:cNvPr id="3074" name="Picture 2"/>
           <p:cNvPicPr>
             <a:picLocks noChangeAspect="1" noChangeArrowheads="1"/>
           </p:cNvPicPr>
           <p:nvPr/>
         </p:nvPicPr>
         <p:blipFill>
-          <a:blip xmlns:r="http://schemas.openxmlformats.org/officeDocument/2006/relationships" r:embed="rId1"/>
+          <a:blip r:embed="rId2">
+            <a:extLst>
+              <a:ext uri="{28A0092B-C50C-407E-A947-70E740481C1C}">
+                <a14:useLocalDpi xmlns:a14="http://schemas.microsoft.com/office/drawing/2010/main" val="0"/>
+              </a:ext>
+            </a:extLst>
+          </a:blip>
           <a:srcRect/>
           <a:stretch>
             <a:fillRect/>
@@ -6503,24 +6524,60 @@
             <a:off x="1011634" y="2357437"/>
             <a:ext cx="6128113" cy="514350"/>
           </a:xfrm>
-          <a:prstGeom prst="rect"/>
+          <a:prstGeom prst="rect">
+            <a:avLst/>
+          </a:prstGeom>
           <a:noFill/>
           <a:ln>
             <a:noFill/>
           </a:ln>
           <a:effectLst/>
+          <a:extLst>
+            <a:ext uri="{909E8E84-426E-40DD-AFC4-6F175D3DCCD1}">
+              <a14:hiddenFill xmlns:a14="http://schemas.microsoft.com/office/drawing/2010/main">
+                <a:solidFill>
+                  <a:schemeClr val="accent1"/>
+                </a:solidFill>
+              </a14:hiddenFill>
+            </a:ext>
+            <a:ext uri="{91240B29-F687-4F45-9708-019B960494DF}">
+              <a14:hiddenLine xmlns:a14="http://schemas.microsoft.com/office/drawing/2010/main" w="9525">
+                <a:solidFill>
+                  <a:schemeClr val="tx1"/>
+                </a:solidFill>
+                <a:miter lim="800000"/>
+                <a:headEnd/>
+                <a:tailEnd/>
+              </a14:hiddenLine>
+            </a:ext>
+            <a:ext uri="{AF507438-7753-43E0-B8FC-AC1667EBCBE1}">
+              <a14:hiddenEffects xmlns:a14="http://schemas.microsoft.com/office/drawing/2010/main">
+                <a:effectLst>
+                  <a:outerShdw dist="35921" dir="2700000" algn="ctr" rotWithShape="0">
+                    <a:schemeClr val="bg2"/>
+                  </a:outerShdw>
+                </a:effectLst>
+              </a14:hiddenEffects>
+            </a:ext>
+          </a:extLst>
         </p:spPr>
       </p:pic>
       <p:pic>
         <p:nvPicPr>
-          <p:cNvPr id="2097164" name="Picture 3"/>
+          <p:cNvPr id="3075" name="Picture 3"/>
           <p:cNvPicPr>
             <a:picLocks noChangeAspect="1" noChangeArrowheads="1"/>
           </p:cNvPicPr>
           <p:nvPr/>
         </p:nvPicPr>
         <p:blipFill>
-          <a:blip xmlns:r="http://schemas.openxmlformats.org/officeDocument/2006/relationships" r:embed="rId2"/>
+          <a:blip r:embed="rId3">
+            <a:extLst>
+              <a:ext uri="{28A0092B-C50C-407E-A947-70E740481C1C}">
+                <a14:useLocalDpi xmlns:a14="http://schemas.microsoft.com/office/drawing/2010/main" val="0"/>
+              </a:ext>
+            </a:extLst>
+          </a:blip>
           <a:srcRect/>
           <a:stretch>
             <a:fillRect/>
@@ -6531,15 +6588,50 @@
             <a:off x="1187624" y="4641700"/>
             <a:ext cx="6120680" cy="1667620"/>
           </a:xfrm>
-          <a:prstGeom prst="rect"/>
+          <a:prstGeom prst="rect">
+            <a:avLst/>
+          </a:prstGeom>
           <a:noFill/>
           <a:ln>
             <a:noFill/>
           </a:ln>
           <a:effectLst/>
+          <a:extLst>
+            <a:ext uri="{909E8E84-426E-40DD-AFC4-6F175D3DCCD1}">
+              <a14:hiddenFill xmlns:a14="http://schemas.microsoft.com/office/drawing/2010/main">
+                <a:solidFill>
+                  <a:schemeClr val="accent1"/>
+                </a:solidFill>
+              </a14:hiddenFill>
+            </a:ext>
+            <a:ext uri="{91240B29-F687-4F45-9708-019B960494DF}">
+              <a14:hiddenLine xmlns:a14="http://schemas.microsoft.com/office/drawing/2010/main" w="9525">
+                <a:solidFill>
+                  <a:schemeClr val="tx1"/>
+                </a:solidFill>
+                <a:miter lim="800000"/>
+                <a:headEnd/>
+                <a:tailEnd/>
+              </a14:hiddenLine>
+            </a:ext>
+            <a:ext uri="{AF507438-7753-43E0-B8FC-AC1667EBCBE1}">
+              <a14:hiddenEffects xmlns:a14="http://schemas.microsoft.com/office/drawing/2010/main">
+                <a:effectLst>
+                  <a:outerShdw dist="35921" dir="2700000" algn="ctr" rotWithShape="0">
+                    <a:schemeClr val="bg2"/>
+                  </a:outerShdw>
+                </a:effectLst>
+              </a14:hiddenEffects>
+            </a:ext>
+          </a:extLst>
         </p:spPr>
       </p:pic>
     </p:spTree>
+    <p:extLst>
+      <p:ext uri="{BB962C8B-B14F-4D97-AF65-F5344CB8AC3E}">
+        <p14:creationId xmlns:p14="http://schemas.microsoft.com/office/powerpoint/2010/main" val="1128318263"/>
+      </p:ext>
+    </p:extLst>
   </p:cSld>
   <p:clrMapOvr>
     <a:masterClrMapping/>
@@ -6552,7 +6644,7 @@
   <p:cSld>
     <p:spTree>
       <p:nvGrpSpPr>
-        <p:cNvPr id="70" name=""/>
+        <p:cNvPr id="1" name=""/>
         <p:cNvGrpSpPr/>
         <p:nvPr/>
       </p:nvGrpSpPr>
@@ -6566,7 +6658,7 @@
       </p:grpSpPr>
       <p:sp>
         <p:nvSpPr>
-          <p:cNvPr id="1048633" name="Title 1"/>
+          <p:cNvPr id="2" name="Title 1"/>
           <p:cNvSpPr>
             <a:spLocks noGrp="1"/>
           </p:cNvSpPr>
@@ -6577,14 +6669,15 @@
         <p:spPr/>
         <p:txBody>
           <a:bodyPr/>
-          <a:p>
-            <a:endParaRPr dirty="0" lang="en-IN"/>
-          </a:p>
-        </p:txBody>
-      </p:sp>
-      <p:sp>
-        <p:nvSpPr>
-          <p:cNvPr id="1048634" name="Content Placeholder 2"/>
+          <a:lstStyle/>
+          <a:p>
+            <a:endParaRPr lang="en-IN" dirty="0"/>
+          </a:p>
+        </p:txBody>
+      </p:sp>
+      <p:sp>
+        <p:nvSpPr>
+          <p:cNvPr id="3" name="Content Placeholder 2"/>
           <p:cNvSpPr>
             <a:spLocks noGrp="1"/>
           </p:cNvSpPr>
@@ -6600,53 +6693,60 @@
         </p:spPr>
         <p:txBody>
           <a:bodyPr/>
-          <a:p>
-            <a:r>
-              <a:rPr dirty="0" lang="en-IN"/>
+          <a:lstStyle/>
+          <a:p>
+            <a:r>
+              <a:rPr lang="en-IN" dirty="0"/>
               <a:t>Let us now see the .html file to see how the transition function works </a:t>
             </a:r>
             <a:r>
-              <a:rPr dirty="0" lang="en-IN" smtClean="0"/>
+              <a:rPr lang="en-IN" dirty="0" smtClean="0"/>
               <a:t>−</a:t>
             </a:r>
           </a:p>
           <a:p>
-            <a:endParaRPr dirty="0" lang="en-IN"/>
-          </a:p>
-          <a:p>
-            <a:endParaRPr dirty="0" lang="en-IN" smtClean="0"/>
-          </a:p>
-          <a:p>
-            <a:endParaRPr dirty="0" lang="en-IN"/>
-          </a:p>
-          <a:p>
-            <a:r>
-              <a:rPr dirty="0" lang="en-IN"/>
+            <a:endParaRPr lang="en-IN" dirty="0"/>
+          </a:p>
+          <a:p>
+            <a:endParaRPr lang="en-IN" dirty="0" smtClean="0"/>
+          </a:p>
+          <a:p>
+            <a:endParaRPr lang="en-IN" dirty="0"/>
+          </a:p>
+          <a:p>
+            <a:r>
+              <a:rPr lang="en-IN" dirty="0"/>
               <a:t>There is a style property added in the @component directive, which centrally aligns the div. Let us consider the following example to understand the same </a:t>
             </a:r>
             <a:r>
-              <a:rPr dirty="0" lang="en-IN" smtClean="0"/>
+              <a:rPr lang="en-IN" dirty="0" smtClean="0"/>
               <a:t>−</a:t>
             </a:r>
           </a:p>
           <a:p>
-            <a:endParaRPr dirty="0" lang="en-IN" smtClean="0"/>
-          </a:p>
-          <a:p>
-            <a:endParaRPr dirty="0" lang="en-IN"/>
+            <a:endParaRPr lang="en-IN" dirty="0" smtClean="0"/>
+          </a:p>
+          <a:p>
+            <a:endParaRPr lang="en-IN" dirty="0"/>
           </a:p>
         </p:txBody>
       </p:sp>
       <p:pic>
         <p:nvPicPr>
-          <p:cNvPr id="2097165" name="Picture 2"/>
+          <p:cNvPr id="4098" name="Picture 2"/>
           <p:cNvPicPr>
             <a:picLocks noChangeAspect="1" noChangeArrowheads="1"/>
           </p:cNvPicPr>
           <p:nvPr/>
         </p:nvPicPr>
         <p:blipFill>
-          <a:blip xmlns:r="http://schemas.openxmlformats.org/officeDocument/2006/relationships" r:embed="rId1"/>
+          <a:blip r:embed="rId2">
+            <a:extLst>
+              <a:ext uri="{28A0092B-C50C-407E-A947-70E740481C1C}">
+                <a14:useLocalDpi xmlns:a14="http://schemas.microsoft.com/office/drawing/2010/main" val="0"/>
+              </a:ext>
+            </a:extLst>
+          </a:blip>
           <a:srcRect/>
           <a:stretch>
             <a:fillRect/>
@@ -6657,24 +6757,60 @@
             <a:off x="1763688" y="2683197"/>
             <a:ext cx="3790950" cy="771525"/>
           </a:xfrm>
-          <a:prstGeom prst="rect"/>
+          <a:prstGeom prst="rect">
+            <a:avLst/>
+          </a:prstGeom>
           <a:noFill/>
           <a:ln>
             <a:noFill/>
           </a:ln>
           <a:effectLst/>
+          <a:extLst>
+            <a:ext uri="{909E8E84-426E-40DD-AFC4-6F175D3DCCD1}">
+              <a14:hiddenFill xmlns:a14="http://schemas.microsoft.com/office/drawing/2010/main">
+                <a:solidFill>
+                  <a:schemeClr val="accent1"/>
+                </a:solidFill>
+              </a14:hiddenFill>
+            </a:ext>
+            <a:ext uri="{91240B29-F687-4F45-9708-019B960494DF}">
+              <a14:hiddenLine xmlns:a14="http://schemas.microsoft.com/office/drawing/2010/main" w="9525">
+                <a:solidFill>
+                  <a:schemeClr val="tx1"/>
+                </a:solidFill>
+                <a:miter lim="800000"/>
+                <a:headEnd/>
+                <a:tailEnd/>
+              </a14:hiddenLine>
+            </a:ext>
+            <a:ext uri="{AF507438-7753-43E0-B8FC-AC1667EBCBE1}">
+              <a14:hiddenEffects xmlns:a14="http://schemas.microsoft.com/office/drawing/2010/main">
+                <a:effectLst>
+                  <a:outerShdw dist="35921" dir="2700000" algn="ctr" rotWithShape="0">
+                    <a:schemeClr val="bg2"/>
+                  </a:outerShdw>
+                </a:effectLst>
+              </a14:hiddenEffects>
+            </a:ext>
+          </a:extLst>
         </p:spPr>
       </p:pic>
       <p:pic>
         <p:nvPicPr>
-          <p:cNvPr id="2097166" name="Picture 3"/>
+          <p:cNvPr id="4099" name="Picture 3"/>
           <p:cNvPicPr>
             <a:picLocks noChangeAspect="1" noChangeArrowheads="1"/>
           </p:cNvPicPr>
           <p:nvPr/>
         </p:nvPicPr>
         <p:blipFill>
-          <a:blip xmlns:r="http://schemas.openxmlformats.org/officeDocument/2006/relationships" r:embed="rId2"/>
+          <a:blip r:embed="rId3">
+            <a:extLst>
+              <a:ext uri="{28A0092B-C50C-407E-A947-70E740481C1C}">
+                <a14:useLocalDpi xmlns:a14="http://schemas.microsoft.com/office/drawing/2010/main" val="0"/>
+              </a:ext>
+            </a:extLst>
+          </a:blip>
           <a:srcRect/>
           <a:stretch>
             <a:fillRect/>
@@ -6685,15 +6821,50 @@
             <a:off x="1403648" y="4725144"/>
             <a:ext cx="5688632" cy="1438275"/>
           </a:xfrm>
-          <a:prstGeom prst="rect"/>
+          <a:prstGeom prst="rect">
+            <a:avLst/>
+          </a:prstGeom>
           <a:noFill/>
           <a:ln>
             <a:noFill/>
           </a:ln>
           <a:effectLst/>
+          <a:extLst>
+            <a:ext uri="{909E8E84-426E-40DD-AFC4-6F175D3DCCD1}">
+              <a14:hiddenFill xmlns:a14="http://schemas.microsoft.com/office/drawing/2010/main">
+                <a:solidFill>
+                  <a:schemeClr val="accent1"/>
+                </a:solidFill>
+              </a14:hiddenFill>
+            </a:ext>
+            <a:ext uri="{91240B29-F687-4F45-9708-019B960494DF}">
+              <a14:hiddenLine xmlns:a14="http://schemas.microsoft.com/office/drawing/2010/main" w="9525">
+                <a:solidFill>
+                  <a:schemeClr val="tx1"/>
+                </a:solidFill>
+                <a:miter lim="800000"/>
+                <a:headEnd/>
+                <a:tailEnd/>
+              </a14:hiddenLine>
+            </a:ext>
+            <a:ext uri="{AF507438-7753-43E0-B8FC-AC1667EBCBE1}">
+              <a14:hiddenEffects xmlns:a14="http://schemas.microsoft.com/office/drawing/2010/main">
+                <a:effectLst>
+                  <a:outerShdw dist="35921" dir="2700000" algn="ctr" rotWithShape="0">
+                    <a:schemeClr val="bg2"/>
+                  </a:outerShdw>
+                </a:effectLst>
+              </a14:hiddenEffects>
+            </a:ext>
+          </a:extLst>
         </p:spPr>
       </p:pic>
     </p:spTree>
+    <p:extLst>
+      <p:ext uri="{BB962C8B-B14F-4D97-AF65-F5344CB8AC3E}">
+        <p14:creationId xmlns:p14="http://schemas.microsoft.com/office/powerpoint/2010/main" val="2549256602"/>
+      </p:ext>
+    </p:extLst>
   </p:cSld>
   <p:clrMapOvr>
     <a:masterClrMapping/>
@@ -6706,7 +6877,7 @@
   <p:cSld>
     <p:spTree>
       <p:nvGrpSpPr>
-        <p:cNvPr id="71" name=""/>
+        <p:cNvPr id="1" name=""/>
         <p:cNvGrpSpPr/>
         <p:nvPr/>
       </p:nvGrpSpPr>
@@ -6720,7 +6891,7 @@
       </p:grpSpPr>
       <p:sp>
         <p:nvSpPr>
-          <p:cNvPr id="1048635" name="Title 1"/>
+          <p:cNvPr id="2" name="Title 1"/>
           <p:cNvSpPr>
             <a:spLocks noGrp="1"/>
           </p:cNvSpPr>
@@ -6731,6 +6902,7 @@
         <p:spPr/>
         <p:txBody>
           <a:bodyPr/>
+          <a:lstStyle/>
           <a:p>
             <a:endParaRPr lang="en-IN"/>
           </a:p>
@@ -6738,7 +6910,7 @@
       </p:sp>
       <p:sp>
         <p:nvSpPr>
-          <p:cNvPr id="1048636" name="Content Placeholder 2"/>
+          <p:cNvPr id="3" name="Content Placeholder 2"/>
           <p:cNvSpPr>
             <a:spLocks noGrp="1"/>
           </p:cNvSpPr>
@@ -6749,49 +6921,56 @@
         <p:spPr/>
         <p:txBody>
           <a:bodyPr/>
-          <a:p>
-            <a:r>
-              <a:rPr dirty="0" lang="en-IN"/>
+          <a:lstStyle/>
+          <a:p>
+            <a:r>
+              <a:rPr lang="en-IN" dirty="0"/>
               <a:t>Here, a special character [``] is used to add styles to the html element, if any. For the div, we have given the animation name defined in the </a:t>
             </a:r>
             <a:r>
-              <a:rPr b="1" dirty="0" lang="en-IN" err="1"/>
+              <a:rPr lang="en-IN" b="1" dirty="0" err="1"/>
               <a:t>app.component.ts</a:t>
             </a:r>
             <a:r>
-              <a:rPr dirty="0" lang="en-IN"/>
+              <a:rPr lang="en-IN" dirty="0"/>
               <a:t> file.</a:t>
             </a:r>
           </a:p>
           <a:p>
             <a:r>
-              <a:rPr dirty="0" lang="en-IN"/>
+              <a:rPr lang="en-IN" dirty="0"/>
               <a:t>On the click of a button it calls the animate function, which is defined in the </a:t>
             </a:r>
             <a:r>
-              <a:rPr b="1" dirty="0" lang="en-IN" err="1"/>
+              <a:rPr lang="en-IN" b="1" dirty="0" err="1"/>
               <a:t>app.component.ts</a:t>
             </a:r>
             <a:r>
-              <a:rPr dirty="0" lang="en-IN"/>
+              <a:rPr lang="en-IN" dirty="0"/>
               <a:t> file as follows −</a:t>
             </a:r>
           </a:p>
           <a:p>
-            <a:endParaRPr dirty="0" lang="en-IN"/>
+            <a:endParaRPr lang="en-IN" dirty="0"/>
           </a:p>
         </p:txBody>
       </p:sp>
       <p:pic>
         <p:nvPicPr>
-          <p:cNvPr id="2097167" name="Picture 2"/>
+          <p:cNvPr id="5122" name="Picture 2"/>
           <p:cNvPicPr>
             <a:picLocks noChangeAspect="1" noChangeArrowheads="1"/>
           </p:cNvPicPr>
           <p:nvPr/>
         </p:nvPicPr>
         <p:blipFill>
-          <a:blip xmlns:r="http://schemas.openxmlformats.org/officeDocument/2006/relationships" r:embed="rId1"/>
+          <a:blip r:embed="rId2">
+            <a:extLst>
+              <a:ext uri="{28A0092B-C50C-407E-A947-70E740481C1C}">
+                <a14:useLocalDpi xmlns:a14="http://schemas.microsoft.com/office/drawing/2010/main" val="0"/>
+              </a:ext>
+            </a:extLst>
+          </a:blip>
           <a:srcRect/>
           <a:stretch>
             <a:fillRect/>
@@ -6802,15 +6981,50 @@
             <a:off x="1187624" y="3717032"/>
             <a:ext cx="6048672" cy="2304256"/>
           </a:xfrm>
-          <a:prstGeom prst="rect"/>
+          <a:prstGeom prst="rect">
+            <a:avLst/>
+          </a:prstGeom>
           <a:noFill/>
           <a:ln>
             <a:noFill/>
           </a:ln>
           <a:effectLst/>
+          <a:extLst>
+            <a:ext uri="{909E8E84-426E-40DD-AFC4-6F175D3DCCD1}">
+              <a14:hiddenFill xmlns:a14="http://schemas.microsoft.com/office/drawing/2010/main">
+                <a:solidFill>
+                  <a:schemeClr val="accent1"/>
+                </a:solidFill>
+              </a14:hiddenFill>
+            </a:ext>
+            <a:ext uri="{91240B29-F687-4F45-9708-019B960494DF}">
+              <a14:hiddenLine xmlns:a14="http://schemas.microsoft.com/office/drawing/2010/main" w="9525">
+                <a:solidFill>
+                  <a:schemeClr val="tx1"/>
+                </a:solidFill>
+                <a:miter lim="800000"/>
+                <a:headEnd/>
+                <a:tailEnd/>
+              </a14:hiddenLine>
+            </a:ext>
+            <a:ext uri="{AF507438-7753-43E0-B8FC-AC1667EBCBE1}">
+              <a14:hiddenEffects xmlns:a14="http://schemas.microsoft.com/office/drawing/2010/main">
+                <a:effectLst>
+                  <a:outerShdw dist="35921" dir="2700000" algn="ctr" rotWithShape="0">
+                    <a:schemeClr val="bg2"/>
+                  </a:outerShdw>
+                </a:effectLst>
+              </a14:hiddenEffects>
+            </a:ext>
+          </a:extLst>
         </p:spPr>
       </p:pic>
     </p:spTree>
+    <p:extLst>
+      <p:ext uri="{BB962C8B-B14F-4D97-AF65-F5344CB8AC3E}">
+        <p14:creationId xmlns:p14="http://schemas.microsoft.com/office/powerpoint/2010/main" val="4033089385"/>
+      </p:ext>
+    </p:extLst>
   </p:cSld>
   <p:clrMapOvr>
     <a:masterClrMapping/>
@@ -6823,7 +7037,7 @@
   <p:cSld>
     <p:spTree>
       <p:nvGrpSpPr>
-        <p:cNvPr id="72" name=""/>
+        <p:cNvPr id="1" name=""/>
         <p:cNvGrpSpPr/>
         <p:nvPr/>
       </p:nvGrpSpPr>
@@ -6837,7 +7051,7 @@
       </p:grpSpPr>
       <p:sp>
         <p:nvSpPr>
-          <p:cNvPr id="1048637" name="Title 1"/>
+          <p:cNvPr id="2" name="Title 1"/>
           <p:cNvSpPr>
             <a:spLocks noGrp="1"/>
           </p:cNvSpPr>
@@ -6848,6 +7062,7 @@
         <p:spPr/>
         <p:txBody>
           <a:bodyPr/>
+          <a:lstStyle/>
           <a:p>
             <a:endParaRPr lang="en-IN"/>
           </a:p>
@@ -6855,7 +7070,7 @@
       </p:sp>
       <p:sp>
         <p:nvSpPr>
-          <p:cNvPr id="1048638" name="Content Placeholder 2"/>
+          <p:cNvPr id="3" name="Content Placeholder 2"/>
           <p:cNvSpPr>
             <a:spLocks noGrp="1"/>
           </p:cNvSpPr>
@@ -6866,39 +7081,46 @@
         <p:spPr/>
         <p:txBody>
           <a:bodyPr/>
-          <a:p>
-            <a:r>
-              <a:rPr dirty="0" lang="en-IN"/>
+          <a:lstStyle/>
+          <a:p>
+            <a:r>
+              <a:rPr lang="en-IN" dirty="0"/>
               <a:t>This is how the output in the browser </a:t>
             </a:r>
             <a:r>
-              <a:rPr b="1" dirty="0" lang="en-IN"/>
+              <a:rPr lang="en-IN" b="1" dirty="0"/>
               <a:t>(http://localhost:4200/)</a:t>
             </a:r>
             <a:r>
-              <a:rPr dirty="0" lang="en-IN"/>
+              <a:rPr lang="en-IN" dirty="0"/>
               <a:t> will look like </a:t>
             </a:r>
             <a:r>
-              <a:rPr dirty="0" lang="en-IN" smtClean="0"/>
+              <a:rPr lang="en-IN" dirty="0" smtClean="0"/>
               <a:t>−</a:t>
             </a:r>
           </a:p>
           <a:p>
-            <a:endParaRPr dirty="0" lang="en-IN"/>
+            <a:endParaRPr lang="en-IN" dirty="0"/>
           </a:p>
         </p:txBody>
       </p:sp>
       <p:pic>
         <p:nvPicPr>
-          <p:cNvPr id="2097168" name="Picture 2"/>
+          <p:cNvPr id="6146" name="Picture 2"/>
           <p:cNvPicPr>
             <a:picLocks noChangeAspect="1" noChangeArrowheads="1"/>
           </p:cNvPicPr>
           <p:nvPr/>
         </p:nvPicPr>
         <p:blipFill>
-          <a:blip xmlns:r="http://schemas.openxmlformats.org/officeDocument/2006/relationships" r:embed="rId1"/>
+          <a:blip r:embed="rId2">
+            <a:extLst>
+              <a:ext uri="{28A0092B-C50C-407E-A947-70E740481C1C}">
+                <a14:useLocalDpi xmlns:a14="http://schemas.microsoft.com/office/drawing/2010/main" val="0"/>
+              </a:ext>
+            </a:extLst>
+          </a:blip>
           <a:srcRect/>
           <a:stretch>
             <a:fillRect/>
@@ -6909,24 +7131,60 @@
             <a:off x="1619672" y="2924944"/>
             <a:ext cx="1076325" cy="2095500"/>
           </a:xfrm>
-          <a:prstGeom prst="rect"/>
+          <a:prstGeom prst="rect">
+            <a:avLst/>
+          </a:prstGeom>
           <a:noFill/>
           <a:ln>
             <a:noFill/>
           </a:ln>
           <a:effectLst/>
+          <a:extLst>
+            <a:ext uri="{909E8E84-426E-40DD-AFC4-6F175D3DCCD1}">
+              <a14:hiddenFill xmlns:a14="http://schemas.microsoft.com/office/drawing/2010/main">
+                <a:solidFill>
+                  <a:schemeClr val="accent1"/>
+                </a:solidFill>
+              </a14:hiddenFill>
+            </a:ext>
+            <a:ext uri="{91240B29-F687-4F45-9708-019B960494DF}">
+              <a14:hiddenLine xmlns:a14="http://schemas.microsoft.com/office/drawing/2010/main" w="9525">
+                <a:solidFill>
+                  <a:schemeClr val="tx1"/>
+                </a:solidFill>
+                <a:miter lim="800000"/>
+                <a:headEnd/>
+                <a:tailEnd/>
+              </a14:hiddenLine>
+            </a:ext>
+            <a:ext uri="{AF507438-7753-43E0-B8FC-AC1667EBCBE1}">
+              <a14:hiddenEffects xmlns:a14="http://schemas.microsoft.com/office/drawing/2010/main">
+                <a:effectLst>
+                  <a:outerShdw dist="35921" dir="2700000" algn="ctr" rotWithShape="0">
+                    <a:schemeClr val="bg2"/>
+                  </a:outerShdw>
+                </a:effectLst>
+              </a14:hiddenEffects>
+            </a:ext>
+          </a:extLst>
         </p:spPr>
       </p:pic>
       <p:pic>
         <p:nvPicPr>
-          <p:cNvPr id="2097169" name="Picture 3"/>
+          <p:cNvPr id="6147" name="Picture 3"/>
           <p:cNvPicPr>
             <a:picLocks noChangeAspect="1" noChangeArrowheads="1"/>
           </p:cNvPicPr>
           <p:nvPr/>
         </p:nvPicPr>
         <p:blipFill>
-          <a:blip xmlns:r="http://schemas.openxmlformats.org/officeDocument/2006/relationships" r:embed="rId2"/>
+          <a:blip r:embed="rId3">
+            <a:extLst>
+              <a:ext uri="{28A0092B-C50C-407E-A947-70E740481C1C}">
+                <a14:useLocalDpi xmlns:a14="http://schemas.microsoft.com/office/drawing/2010/main" val="0"/>
+              </a:ext>
+            </a:extLst>
+          </a:blip>
           <a:srcRect/>
           <a:stretch>
             <a:fillRect/>
@@ -6937,15 +7195,50 @@
             <a:off x="4932040" y="2953518"/>
             <a:ext cx="1656184" cy="2066925"/>
           </a:xfrm>
-          <a:prstGeom prst="rect"/>
+          <a:prstGeom prst="rect">
+            <a:avLst/>
+          </a:prstGeom>
           <a:noFill/>
           <a:ln>
             <a:noFill/>
           </a:ln>
           <a:effectLst/>
+          <a:extLst>
+            <a:ext uri="{909E8E84-426E-40DD-AFC4-6F175D3DCCD1}">
+              <a14:hiddenFill xmlns:a14="http://schemas.microsoft.com/office/drawing/2010/main">
+                <a:solidFill>
+                  <a:schemeClr val="accent1"/>
+                </a:solidFill>
+              </a14:hiddenFill>
+            </a:ext>
+            <a:ext uri="{91240B29-F687-4F45-9708-019B960494DF}">
+              <a14:hiddenLine xmlns:a14="http://schemas.microsoft.com/office/drawing/2010/main" w="9525">
+                <a:solidFill>
+                  <a:schemeClr val="tx1"/>
+                </a:solidFill>
+                <a:miter lim="800000"/>
+                <a:headEnd/>
+                <a:tailEnd/>
+              </a14:hiddenLine>
+            </a:ext>
+            <a:ext uri="{AF507438-7753-43E0-B8FC-AC1667EBCBE1}">
+              <a14:hiddenEffects xmlns:a14="http://schemas.microsoft.com/office/drawing/2010/main">
+                <a:effectLst>
+                  <a:outerShdw dist="35921" dir="2700000" algn="ctr" rotWithShape="0">
+                    <a:schemeClr val="bg2"/>
+                  </a:outerShdw>
+                </a:effectLst>
+              </a14:hiddenEffects>
+            </a:ext>
+          </a:extLst>
         </p:spPr>
       </p:pic>
     </p:spTree>
+    <p:extLst>
+      <p:ext uri="{BB962C8B-B14F-4D97-AF65-F5344CB8AC3E}">
+        <p14:creationId xmlns:p14="http://schemas.microsoft.com/office/powerpoint/2010/main" val="466058435"/>
+      </p:ext>
+    </p:extLst>
   </p:cSld>
   <p:clrMapOvr>
     <a:masterClrMapping/>
@@ -6958,7 +7251,7 @@
   <p:cSld>
     <p:spTree>
       <p:nvGrpSpPr>
-        <p:cNvPr id="73" name=""/>
+        <p:cNvPr id="1" name=""/>
         <p:cNvGrpSpPr/>
         <p:nvPr/>
       </p:nvGrpSpPr>
@@ -6972,7 +7265,7 @@
       </p:grpSpPr>
       <p:sp>
         <p:nvSpPr>
-          <p:cNvPr id="1048639" name="Title 1"/>
+          <p:cNvPr id="2" name="Title 1"/>
           <p:cNvSpPr>
             <a:spLocks noGrp="1"/>
           </p:cNvSpPr>
@@ -6983,18 +7276,19 @@
         <p:spPr/>
         <p:txBody>
           <a:bodyPr/>
-          <a:p>
-            <a:r>
-              <a:rPr dirty="0" lang="en-IN" smtClean="0"/>
+          <a:lstStyle/>
+          <a:p>
+            <a:r>
+              <a:rPr lang="en-IN" dirty="0" smtClean="0"/>
               <a:t>Materials</a:t>
             </a:r>
-            <a:endParaRPr dirty="0" lang="en-IN"/>
-          </a:p>
-        </p:txBody>
-      </p:sp>
-      <p:sp>
-        <p:nvSpPr>
-          <p:cNvPr id="1048640" name="Content Placeholder 2"/>
+            <a:endParaRPr lang="en-IN" dirty="0"/>
+          </a:p>
+        </p:txBody>
+      </p:sp>
+      <p:sp>
+        <p:nvSpPr>
+          <p:cNvPr id="3" name="Content Placeholder 2"/>
           <p:cNvSpPr>
             <a:spLocks noGrp="1"/>
           </p:cNvSpPr>
@@ -7005,67 +7299,74 @@
         <p:spPr/>
         <p:txBody>
           <a:bodyPr/>
-          <a:p>
-            <a:r>
-              <a:rPr dirty="0" lang="en-IN"/>
+          <a:lstStyle/>
+          <a:p>
+            <a:r>
+              <a:rPr lang="en-IN" dirty="0"/>
               <a:t>Materials offer a lot of built-in modules for your project. Features such as autocomplete, </a:t>
             </a:r>
             <a:r>
-              <a:rPr dirty="0" lang="en-IN" err="1"/>
+              <a:rPr lang="en-IN" dirty="0" err="1"/>
               <a:t>datepicker</a:t>
             </a:r>
             <a:r>
-              <a:rPr dirty="0" lang="en-IN"/>
+              <a:rPr lang="en-IN" dirty="0"/>
               <a:t>, slider, menus, grids, and toolbar are available for use with materials in Angular 7</a:t>
             </a:r>
             <a:r>
-              <a:rPr dirty="0" lang="en-IN" smtClean="0"/>
+              <a:rPr lang="en-IN" dirty="0" smtClean="0"/>
               <a:t>.</a:t>
             </a:r>
           </a:p>
           <a:p>
             <a:r>
-              <a:rPr dirty="0" lang="en-IN"/>
+              <a:rPr lang="en-IN" dirty="0"/>
               <a:t>To use materials, we need to import the package. Angular 2 also has all the above features but they are available as part of the </a:t>
             </a:r>
             <a:r>
-              <a:rPr b="1" dirty="0" lang="en-IN"/>
+              <a:rPr lang="en-IN" b="1" dirty="0"/>
               <a:t>@angular/core module</a:t>
             </a:r>
             <a:r>
-              <a:rPr dirty="0" lang="en-IN"/>
+              <a:rPr lang="en-IN" dirty="0"/>
               <a:t>. From Angular 4, Materials module has been made available with a separate module @angular/materials. This helps the user to import only the required materials in their project</a:t>
             </a:r>
             <a:r>
-              <a:rPr dirty="0" lang="en-IN" smtClean="0"/>
+              <a:rPr lang="en-IN" dirty="0" smtClean="0"/>
               <a:t>.</a:t>
             </a:r>
           </a:p>
           <a:p>
             <a:r>
-              <a:rPr dirty="0" lang="en-IN"/>
+              <a:rPr lang="en-IN" dirty="0"/>
               <a:t>Following is the command to add materials to your project </a:t>
             </a:r>
             <a:r>
-              <a:rPr dirty="0" lang="en-IN" smtClean="0"/>
+              <a:rPr lang="en-IN" dirty="0" smtClean="0"/>
               <a:t>−</a:t>
             </a:r>
           </a:p>
           <a:p>
-            <a:endParaRPr dirty="0" lang="en-IN"/>
+            <a:endParaRPr lang="en-IN" dirty="0"/>
           </a:p>
         </p:txBody>
       </p:sp>
       <p:pic>
         <p:nvPicPr>
-          <p:cNvPr id="2097170" name="Picture 2"/>
+          <p:cNvPr id="7170" name="Picture 2"/>
           <p:cNvPicPr>
             <a:picLocks noChangeAspect="1" noChangeArrowheads="1"/>
           </p:cNvPicPr>
           <p:nvPr/>
         </p:nvPicPr>
         <p:blipFill>
-          <a:blip xmlns:r="http://schemas.openxmlformats.org/officeDocument/2006/relationships" r:embed="rId1"/>
+          <a:blip r:embed="rId2">
+            <a:extLst>
+              <a:ext uri="{28A0092B-C50C-407E-A947-70E740481C1C}">
+                <a14:useLocalDpi xmlns:a14="http://schemas.microsoft.com/office/drawing/2010/main" val="0"/>
+              </a:ext>
+            </a:extLst>
+          </a:blip>
           <a:srcRect/>
           <a:stretch>
             <a:fillRect/>
@@ -7076,15 +7377,50 @@
             <a:off x="1475656" y="5589240"/>
             <a:ext cx="5400600" cy="864096"/>
           </a:xfrm>
-          <a:prstGeom prst="rect"/>
+          <a:prstGeom prst="rect">
+            <a:avLst/>
+          </a:prstGeom>
           <a:noFill/>
           <a:ln>
             <a:noFill/>
           </a:ln>
           <a:effectLst/>
+          <a:extLst>
+            <a:ext uri="{909E8E84-426E-40DD-AFC4-6F175D3DCCD1}">
+              <a14:hiddenFill xmlns:a14="http://schemas.microsoft.com/office/drawing/2010/main">
+                <a:solidFill>
+                  <a:schemeClr val="accent1"/>
+                </a:solidFill>
+              </a14:hiddenFill>
+            </a:ext>
+            <a:ext uri="{91240B29-F687-4F45-9708-019B960494DF}">
+              <a14:hiddenLine xmlns:a14="http://schemas.microsoft.com/office/drawing/2010/main" w="9525">
+                <a:solidFill>
+                  <a:schemeClr val="tx1"/>
+                </a:solidFill>
+                <a:miter lim="800000"/>
+                <a:headEnd/>
+                <a:tailEnd/>
+              </a14:hiddenLine>
+            </a:ext>
+            <a:ext uri="{AF507438-7753-43E0-B8FC-AC1667EBCBE1}">
+              <a14:hiddenEffects xmlns:a14="http://schemas.microsoft.com/office/drawing/2010/main">
+                <a:effectLst>
+                  <a:outerShdw dist="35921" dir="2700000" algn="ctr" rotWithShape="0">
+                    <a:schemeClr val="bg2"/>
+                  </a:outerShdw>
+                </a:effectLst>
+              </a14:hiddenEffects>
+            </a:ext>
+          </a:extLst>
         </p:spPr>
       </p:pic>
     </p:spTree>
+    <p:extLst>
+      <p:ext uri="{BB962C8B-B14F-4D97-AF65-F5344CB8AC3E}">
+        <p14:creationId xmlns:p14="http://schemas.microsoft.com/office/powerpoint/2010/main" val="1902967765"/>
+      </p:ext>
+    </p:extLst>
   </p:cSld>
   <p:clrMapOvr>
     <a:masterClrMapping/>
@@ -7097,7 +7433,7 @@
   <p:cSld>
     <p:spTree>
       <p:nvGrpSpPr>
-        <p:cNvPr id="74" name=""/>
+        <p:cNvPr id="1" name=""/>
         <p:cNvGrpSpPr/>
         <p:nvPr/>
       </p:nvGrpSpPr>
@@ -7111,7 +7447,7 @@
       </p:grpSpPr>
       <p:sp>
         <p:nvSpPr>
-          <p:cNvPr id="1048641" name="Title 1"/>
+          <p:cNvPr id="2" name="Title 1"/>
           <p:cNvSpPr>
             <a:spLocks noGrp="1"/>
           </p:cNvSpPr>
@@ -7122,6 +7458,7 @@
         <p:spPr/>
         <p:txBody>
           <a:bodyPr/>
+          <a:lstStyle/>
           <a:p>
             <a:endParaRPr lang="en-IN"/>
           </a:p>
@@ -7129,7 +7466,7 @@
       </p:sp>
       <p:sp>
         <p:nvSpPr>
-          <p:cNvPr id="1048642" name="Content Placeholder 2"/>
+          <p:cNvPr id="3" name="Content Placeholder 2"/>
           <p:cNvSpPr>
             <a:spLocks noGrp="1"/>
           </p:cNvSpPr>
@@ -7140,39 +7477,46 @@
         <p:spPr/>
         <p:txBody>
           <a:bodyPr/>
-          <a:p>
-            <a:r>
-              <a:rPr dirty="0" lang="en-IN"/>
+          <a:lstStyle/>
+          <a:p>
+            <a:r>
+              <a:rPr lang="en-IN" dirty="0"/>
               <a:t>We will now import the modules in the parent module - </a:t>
             </a:r>
             <a:r>
-              <a:rPr b="1" dirty="0" lang="en-IN" err="1"/>
+              <a:rPr lang="en-IN" b="1" dirty="0" err="1"/>
               <a:t>app.module.ts</a:t>
             </a:r>
             <a:r>
-              <a:rPr dirty="0" lang="en-IN"/>
+              <a:rPr lang="en-IN" dirty="0"/>
               <a:t> as shown below</a:t>
             </a:r>
             <a:r>
-              <a:rPr dirty="0" lang="en-IN" smtClean="0"/>
+              <a:rPr lang="en-IN" dirty="0" smtClean="0"/>
               <a:t>.</a:t>
             </a:r>
           </a:p>
           <a:p>
-            <a:endParaRPr dirty="0" lang="en-IN"/>
+            <a:endParaRPr lang="en-IN" dirty="0"/>
           </a:p>
         </p:txBody>
       </p:sp>
       <p:pic>
         <p:nvPicPr>
-          <p:cNvPr id="2097171" name="Picture 2"/>
+          <p:cNvPr id="8194" name="Picture 2"/>
           <p:cNvPicPr>
             <a:picLocks noChangeAspect="1" noChangeArrowheads="1"/>
           </p:cNvPicPr>
           <p:nvPr/>
         </p:nvPicPr>
         <p:blipFill>
-          <a:blip xmlns:r="http://schemas.openxmlformats.org/officeDocument/2006/relationships" r:embed="rId1"/>
+          <a:blip r:embed="rId2">
+            <a:extLst>
+              <a:ext uri="{28A0092B-C50C-407E-A947-70E740481C1C}">
+                <a14:useLocalDpi xmlns:a14="http://schemas.microsoft.com/office/drawing/2010/main" val="0"/>
+              </a:ext>
+            </a:extLst>
+          </a:blip>
           <a:srcRect/>
           <a:stretch>
             <a:fillRect/>
@@ -7183,15 +7527,50 @@
             <a:off x="683568" y="2636912"/>
             <a:ext cx="6696744" cy="4032448"/>
           </a:xfrm>
-          <a:prstGeom prst="rect"/>
+          <a:prstGeom prst="rect">
+            <a:avLst/>
+          </a:prstGeom>
           <a:noFill/>
           <a:ln>
             <a:noFill/>
           </a:ln>
           <a:effectLst/>
+          <a:extLst>
+            <a:ext uri="{909E8E84-426E-40DD-AFC4-6F175D3DCCD1}">
+              <a14:hiddenFill xmlns:a14="http://schemas.microsoft.com/office/drawing/2010/main">
+                <a:solidFill>
+                  <a:schemeClr val="accent1"/>
+                </a:solidFill>
+              </a14:hiddenFill>
+            </a:ext>
+            <a:ext uri="{91240B29-F687-4F45-9708-019B960494DF}">
+              <a14:hiddenLine xmlns:a14="http://schemas.microsoft.com/office/drawing/2010/main" w="9525">
+                <a:solidFill>
+                  <a:schemeClr val="tx1"/>
+                </a:solidFill>
+                <a:miter lim="800000"/>
+                <a:headEnd/>
+                <a:tailEnd/>
+              </a14:hiddenLine>
+            </a:ext>
+            <a:ext uri="{AF507438-7753-43E0-B8FC-AC1667EBCBE1}">
+              <a14:hiddenEffects xmlns:a14="http://schemas.microsoft.com/office/drawing/2010/main">
+                <a:effectLst>
+                  <a:outerShdw dist="35921" dir="2700000" algn="ctr" rotWithShape="0">
+                    <a:schemeClr val="bg2"/>
+                  </a:outerShdw>
+                </a:effectLst>
+              </a14:hiddenEffects>
+            </a:ext>
+          </a:extLst>
         </p:spPr>
       </p:pic>
     </p:spTree>
+    <p:extLst>
+      <p:ext uri="{BB962C8B-B14F-4D97-AF65-F5344CB8AC3E}">
+        <p14:creationId xmlns:p14="http://schemas.microsoft.com/office/powerpoint/2010/main" val="269479499"/>
+      </p:ext>
+    </p:extLst>
   </p:cSld>
   <p:clrMapOvr>
     <a:masterClrMapping/>
@@ -7204,7 +7583,7 @@
   <p:cSld>
     <p:spTree>
       <p:nvGrpSpPr>
-        <p:cNvPr id="75" name=""/>
+        <p:cNvPr id="1" name=""/>
         <p:cNvGrpSpPr/>
         <p:nvPr/>
       </p:nvGrpSpPr>
@@ -7218,7 +7597,7 @@
       </p:grpSpPr>
       <p:sp>
         <p:nvSpPr>
-          <p:cNvPr id="1048643" name="Title 1"/>
+          <p:cNvPr id="2" name="Title 1"/>
           <p:cNvSpPr>
             <a:spLocks noGrp="1"/>
           </p:cNvSpPr>
@@ -7229,14 +7608,15 @@
         <p:spPr/>
         <p:txBody>
           <a:bodyPr/>
-          <a:p>
-            <a:endParaRPr dirty="0" lang="en-IN"/>
-          </a:p>
-        </p:txBody>
-      </p:sp>
-      <p:sp>
-        <p:nvSpPr>
-          <p:cNvPr id="1048644" name="Content Placeholder 2"/>
+          <a:lstStyle/>
+          <a:p>
+            <a:endParaRPr lang="en-IN" dirty="0"/>
+          </a:p>
+        </p:txBody>
+      </p:sp>
+      <p:sp>
+        <p:nvSpPr>
+          <p:cNvPr id="3" name="Content Placeholder 2"/>
           <p:cNvSpPr>
             <a:spLocks noGrp="1"/>
           </p:cNvSpPr>
@@ -7252,60 +7632,67 @@
         </p:spPr>
         <p:txBody>
           <a:bodyPr/>
-          <a:p>
-            <a:r>
-              <a:rPr dirty="0" lang="en-IN"/>
+          <a:lstStyle/>
+          <a:p>
+            <a:r>
+              <a:rPr lang="en-IN" dirty="0"/>
               <a:t>In the above file, we have imported the following modules from </a:t>
             </a:r>
             <a:r>
-              <a:rPr b="1" dirty="0" lang="en-IN"/>
+              <a:rPr lang="en-IN" b="1" dirty="0"/>
               <a:t>@angular/materials</a:t>
             </a:r>
             <a:r>
-              <a:rPr dirty="0" lang="en-IN" smtClean="0"/>
+              <a:rPr lang="en-IN" dirty="0" smtClean="0"/>
               <a:t>.</a:t>
             </a:r>
           </a:p>
           <a:p>
-            <a:endParaRPr dirty="0" lang="en-IN"/>
-          </a:p>
-          <a:p>
-            <a:endParaRPr dirty="0" lang="en-IN" smtClean="0"/>
-          </a:p>
-          <a:p>
-            <a:pPr indent="0" marL="114300">
+            <a:endParaRPr lang="en-IN" dirty="0"/>
+          </a:p>
+          <a:p>
+            <a:endParaRPr lang="en-IN" dirty="0" smtClean="0"/>
+          </a:p>
+          <a:p>
+            <a:pPr marL="114300" indent="0">
               <a:buNone/>
             </a:pPr>
-            <a:endParaRPr dirty="0" lang="en-IN" smtClean="0"/>
-          </a:p>
-          <a:p>
-            <a:r>
-              <a:rPr dirty="0" lang="en-IN"/>
+            <a:endParaRPr lang="en-IN" dirty="0" smtClean="0"/>
+          </a:p>
+          <a:p>
+            <a:r>
+              <a:rPr lang="en-IN" dirty="0"/>
               <a:t>And the same is used in the imports array as shown below </a:t>
             </a:r>
             <a:r>
-              <a:rPr dirty="0" lang="en-IN" smtClean="0"/>
+              <a:rPr lang="en-IN" dirty="0" smtClean="0"/>
               <a:t>−</a:t>
             </a:r>
           </a:p>
           <a:p>
-            <a:endParaRPr dirty="0" lang="en-IN" smtClean="0"/>
-          </a:p>
-          <a:p>
-            <a:endParaRPr dirty="0" lang="en-IN"/>
+            <a:endParaRPr lang="en-IN" dirty="0" smtClean="0"/>
+          </a:p>
+          <a:p>
+            <a:endParaRPr lang="en-IN" dirty="0"/>
           </a:p>
         </p:txBody>
       </p:sp>
       <p:pic>
         <p:nvPicPr>
-          <p:cNvPr id="2097172" name="Picture 2"/>
+          <p:cNvPr id="9218" name="Picture 2"/>
           <p:cNvPicPr>
             <a:picLocks noChangeAspect="1" noChangeArrowheads="1"/>
           </p:cNvPicPr>
           <p:nvPr/>
         </p:nvPicPr>
         <p:blipFill>
-          <a:blip xmlns:r="http://schemas.openxmlformats.org/officeDocument/2006/relationships" r:embed="rId1"/>
+          <a:blip r:embed="rId2">
+            <a:extLst>
+              <a:ext uri="{28A0092B-C50C-407E-A947-70E740481C1C}">
+                <a14:useLocalDpi xmlns:a14="http://schemas.microsoft.com/office/drawing/2010/main" val="0"/>
+              </a:ext>
+            </a:extLst>
+          </a:blip>
           <a:srcRect/>
           <a:stretch>
             <a:fillRect/>
@@ -7316,24 +7703,60 @@
             <a:off x="755576" y="2409465"/>
             <a:ext cx="6552728" cy="648072"/>
           </a:xfrm>
-          <a:prstGeom prst="rect"/>
+          <a:prstGeom prst="rect">
+            <a:avLst/>
+          </a:prstGeom>
           <a:noFill/>
           <a:ln>
             <a:noFill/>
           </a:ln>
           <a:effectLst/>
+          <a:extLst>
+            <a:ext uri="{909E8E84-426E-40DD-AFC4-6F175D3DCCD1}">
+              <a14:hiddenFill xmlns:a14="http://schemas.microsoft.com/office/drawing/2010/main">
+                <a:solidFill>
+                  <a:schemeClr val="accent1"/>
+                </a:solidFill>
+              </a14:hiddenFill>
+            </a:ext>
+            <a:ext uri="{91240B29-F687-4F45-9708-019B960494DF}">
+              <a14:hiddenLine xmlns:a14="http://schemas.microsoft.com/office/drawing/2010/main" w="9525">
+                <a:solidFill>
+                  <a:schemeClr val="tx1"/>
+                </a:solidFill>
+                <a:miter lim="800000"/>
+                <a:headEnd/>
+                <a:tailEnd/>
+              </a14:hiddenLine>
+            </a:ext>
+            <a:ext uri="{AF507438-7753-43E0-B8FC-AC1667EBCBE1}">
+              <a14:hiddenEffects xmlns:a14="http://schemas.microsoft.com/office/drawing/2010/main">
+                <a:effectLst>
+                  <a:outerShdw dist="35921" dir="2700000" algn="ctr" rotWithShape="0">
+                    <a:schemeClr val="bg2"/>
+                  </a:outerShdw>
+                </a:effectLst>
+              </a14:hiddenEffects>
+            </a:ext>
+          </a:extLst>
         </p:spPr>
       </p:pic>
       <p:pic>
         <p:nvPicPr>
-          <p:cNvPr id="2097173" name="Picture 3"/>
+          <p:cNvPr id="9219" name="Picture 3"/>
           <p:cNvPicPr>
             <a:picLocks noChangeAspect="1" noChangeArrowheads="1"/>
           </p:cNvPicPr>
           <p:nvPr/>
         </p:nvPicPr>
         <p:blipFill>
-          <a:blip xmlns:r="http://schemas.openxmlformats.org/officeDocument/2006/relationships" r:embed="rId2"/>
+          <a:blip r:embed="rId3">
+            <a:extLst>
+              <a:ext uri="{28A0092B-C50C-407E-A947-70E740481C1C}">
+                <a14:useLocalDpi xmlns:a14="http://schemas.microsoft.com/office/drawing/2010/main" val="0"/>
+              </a:ext>
+            </a:extLst>
+          </a:blip>
           <a:srcRect/>
           <a:stretch>
             <a:fillRect/>
@@ -7344,15 +7767,50 @@
             <a:off x="1331640" y="3789040"/>
             <a:ext cx="5832648" cy="2520280"/>
           </a:xfrm>
-          <a:prstGeom prst="rect"/>
+          <a:prstGeom prst="rect">
+            <a:avLst/>
+          </a:prstGeom>
           <a:noFill/>
           <a:ln>
             <a:noFill/>
           </a:ln>
           <a:effectLst/>
+          <a:extLst>
+            <a:ext uri="{909E8E84-426E-40DD-AFC4-6F175D3DCCD1}">
+              <a14:hiddenFill xmlns:a14="http://schemas.microsoft.com/office/drawing/2010/main">
+                <a:solidFill>
+                  <a:schemeClr val="accent1"/>
+                </a:solidFill>
+              </a14:hiddenFill>
+            </a:ext>
+            <a:ext uri="{91240B29-F687-4F45-9708-019B960494DF}">
+              <a14:hiddenLine xmlns:a14="http://schemas.microsoft.com/office/drawing/2010/main" w="9525">
+                <a:solidFill>
+                  <a:schemeClr val="tx1"/>
+                </a:solidFill>
+                <a:miter lim="800000"/>
+                <a:headEnd/>
+                <a:tailEnd/>
+              </a14:hiddenLine>
+            </a:ext>
+            <a:ext uri="{AF507438-7753-43E0-B8FC-AC1667EBCBE1}">
+              <a14:hiddenEffects xmlns:a14="http://schemas.microsoft.com/office/drawing/2010/main">
+                <a:effectLst>
+                  <a:outerShdw dist="35921" dir="2700000" algn="ctr" rotWithShape="0">
+                    <a:schemeClr val="bg2"/>
+                  </a:outerShdw>
+                </a:effectLst>
+              </a14:hiddenEffects>
+            </a:ext>
+          </a:extLst>
         </p:spPr>
       </p:pic>
     </p:spTree>
+    <p:extLst>
+      <p:ext uri="{BB962C8B-B14F-4D97-AF65-F5344CB8AC3E}">
+        <p14:creationId xmlns:p14="http://schemas.microsoft.com/office/powerpoint/2010/main" val="1078603661"/>
+      </p:ext>
+    </p:extLst>
   </p:cSld>
   <p:clrMapOvr>
     <a:masterClrMapping/>
@@ -7365,7 +7823,7 @@
   <p:cSld>
     <p:spTree>
       <p:nvGrpSpPr>
-        <p:cNvPr id="49" name=""/>
+        <p:cNvPr id="1" name=""/>
         <p:cNvGrpSpPr/>
         <p:nvPr/>
       </p:nvGrpSpPr>
@@ -7379,7 +7837,7 @@
       </p:grpSpPr>
       <p:sp>
         <p:nvSpPr>
-          <p:cNvPr id="1048597" name="Title 1"/>
+          <p:cNvPr id="2" name="Title 1"/>
           <p:cNvSpPr>
             <a:spLocks noGrp="1"/>
           </p:cNvSpPr>
@@ -7390,18 +7848,19 @@
         <p:spPr/>
         <p:txBody>
           <a:bodyPr/>
-          <a:p>
-            <a:r>
-              <a:rPr dirty="0" lang="en-IN" smtClean="0"/>
+          <a:lstStyle/>
+          <a:p>
+            <a:r>
+              <a:rPr lang="en-IN" dirty="0" smtClean="0"/>
               <a:t>What is Angular 7?</a:t>
             </a:r>
-            <a:endParaRPr dirty="0" lang="en-IN"/>
-          </a:p>
-        </p:txBody>
-      </p:sp>
-      <p:sp>
-        <p:nvSpPr>
-          <p:cNvPr id="1048598" name="Content Placeholder 2"/>
+            <a:endParaRPr lang="en-IN" dirty="0"/>
+          </a:p>
+        </p:txBody>
+      </p:sp>
+      <p:sp>
+        <p:nvSpPr>
+          <p:cNvPr id="3" name="Content Placeholder 2"/>
           <p:cNvSpPr>
             <a:spLocks noGrp="1"/>
           </p:cNvSpPr>
@@ -7412,6 +7871,7 @@
         <p:spPr/>
         <p:txBody>
           <a:bodyPr/>
+          <a:lstStyle/>
           <a:p>
             <a:pPr>
               <a:lnSpc>
@@ -7419,21 +7879,21 @@
               </a:lnSpc>
             </a:pPr>
             <a:r>
-              <a:rPr dirty="0" lang="en-IN">
+              <a:rPr lang="en-IN" dirty="0">
                 <a:latin typeface="Times New Roman" pitchFamily="18" charset="0"/>
                 <a:cs typeface="Times New Roman" pitchFamily="18" charset="0"/>
               </a:rPr>
               <a:t>Angular is a framework to build a web application, which is becoming popular because of its unique features and ease to build an application. Angular 7 is an open source framework developed by Google. It completely relies on HTML and </a:t>
             </a:r>
             <a:r>
-              <a:rPr dirty="0" lang="en-IN" smtClean="0">
+              <a:rPr lang="en-IN" dirty="0" smtClean="0">
                 <a:latin typeface="Times New Roman" pitchFamily="18" charset="0"/>
                 <a:cs typeface="Times New Roman" pitchFamily="18" charset="0"/>
               </a:rPr>
               <a:t>JavaScript. </a:t>
             </a:r>
             <a:r>
-              <a:rPr dirty="0" lang="en-IN">
+              <a:rPr lang="en-IN" dirty="0">
                 <a:latin typeface="Times New Roman" pitchFamily="18" charset="0"/>
                 <a:cs typeface="Times New Roman" pitchFamily="18" charset="0"/>
               </a:rPr>
@@ -7443,6 +7903,11 @@
         </p:txBody>
       </p:sp>
     </p:spTree>
+    <p:extLst>
+      <p:ext uri="{BB962C8B-B14F-4D97-AF65-F5344CB8AC3E}">
+        <p14:creationId xmlns:p14="http://schemas.microsoft.com/office/powerpoint/2010/main" val="3378379466"/>
+      </p:ext>
+    </p:extLst>
   </p:cSld>
   <p:clrMapOvr>
     <a:masterClrMapping/>
@@ -7455,7 +7920,7 @@
   <p:cSld>
     <p:spTree>
       <p:nvGrpSpPr>
-        <p:cNvPr id="76" name=""/>
+        <p:cNvPr id="1" name=""/>
         <p:cNvGrpSpPr/>
         <p:nvPr/>
       </p:nvGrpSpPr>
@@ -7469,7 +7934,7 @@
       </p:grpSpPr>
       <p:sp>
         <p:nvSpPr>
-          <p:cNvPr id="1048645" name="Title 1"/>
+          <p:cNvPr id="2" name="Title 1"/>
           <p:cNvSpPr>
             <a:spLocks noGrp="1"/>
           </p:cNvSpPr>
@@ -7480,6 +7945,7 @@
         <p:spPr/>
         <p:txBody>
           <a:bodyPr/>
+          <a:lstStyle/>
           <a:p>
             <a:endParaRPr lang="en-IN"/>
           </a:p>
@@ -7487,7 +7953,7 @@
       </p:sp>
       <p:sp>
         <p:nvSpPr>
-          <p:cNvPr id="1048646" name="Content Placeholder 2"/>
+          <p:cNvPr id="3" name="Content Placeholder 2"/>
           <p:cNvSpPr>
             <a:spLocks noGrp="1"/>
           </p:cNvSpPr>
@@ -7498,82 +7964,89 @@
         <p:spPr/>
         <p:txBody>
           <a:bodyPr/>
-          <a:p>
-            <a:r>
-              <a:rPr dirty="0" lang="en-IN"/>
+          <a:lstStyle/>
+          <a:p>
+            <a:r>
+              <a:rPr lang="en-IN" dirty="0"/>
               <a:t>The </a:t>
             </a:r>
             <a:r>
-              <a:rPr dirty="0" lang="en-IN" err="1"/>
+              <a:rPr lang="en-IN" dirty="0" err="1"/>
               <a:t>app.component.ts</a:t>
             </a:r>
             <a:r>
-              <a:rPr dirty="0" lang="en-IN"/>
+              <a:rPr lang="en-IN" dirty="0"/>
               <a:t> is as shown below </a:t>
             </a:r>
             <a:r>
-              <a:rPr dirty="0" lang="en-IN" smtClean="0"/>
+              <a:rPr lang="en-IN" dirty="0" smtClean="0"/>
               <a:t>−</a:t>
             </a:r>
           </a:p>
           <a:p>
-            <a:endParaRPr dirty="0" lang="en-IN"/>
-          </a:p>
-          <a:p>
-            <a:endParaRPr dirty="0" lang="en-IN" smtClean="0"/>
-          </a:p>
-          <a:p>
-            <a:endParaRPr dirty="0" lang="en-IN"/>
-          </a:p>
-          <a:p>
-            <a:endParaRPr dirty="0" lang="en-IN" smtClean="0"/>
-          </a:p>
-          <a:p>
-            <a:endParaRPr dirty="0" lang="en-IN"/>
-          </a:p>
-          <a:p>
-            <a:endParaRPr dirty="0" lang="en-IN" smtClean="0"/>
-          </a:p>
-          <a:p>
-            <a:r>
-              <a:rPr dirty="0" lang="en-IN"/>
+            <a:endParaRPr lang="en-IN" dirty="0"/>
+          </a:p>
+          <a:p>
+            <a:endParaRPr lang="en-IN" dirty="0" smtClean="0"/>
+          </a:p>
+          <a:p>
+            <a:endParaRPr lang="en-IN" dirty="0"/>
+          </a:p>
+          <a:p>
+            <a:endParaRPr lang="en-IN" dirty="0" smtClean="0"/>
+          </a:p>
+          <a:p>
+            <a:endParaRPr lang="en-IN" dirty="0"/>
+          </a:p>
+          <a:p>
+            <a:endParaRPr lang="en-IN" dirty="0" smtClean="0"/>
+          </a:p>
+          <a:p>
+            <a:r>
+              <a:rPr lang="en-IN" dirty="0"/>
               <a:t>Let us now add the material-</a:t>
             </a:r>
             <a:r>
-              <a:rPr dirty="0" lang="en-IN" err="1"/>
+              <a:rPr lang="en-IN" dirty="0" err="1"/>
               <a:t>css</a:t>
             </a:r>
             <a:r>
-              <a:rPr dirty="0" lang="en-IN"/>
+              <a:rPr lang="en-IN" dirty="0"/>
               <a:t> support in </a:t>
             </a:r>
             <a:r>
-              <a:rPr b="1" dirty="0" lang="en-IN"/>
+              <a:rPr lang="en-IN" b="1" dirty="0"/>
               <a:t>styles.css</a:t>
             </a:r>
             <a:r>
-              <a:rPr dirty="0" lang="en-IN" smtClean="0"/>
+              <a:rPr lang="en-IN" dirty="0" smtClean="0"/>
               <a:t>.</a:t>
             </a:r>
           </a:p>
           <a:p>
-            <a:endParaRPr dirty="0" lang="en-IN" smtClean="0"/>
-          </a:p>
-          <a:p>
-            <a:endParaRPr dirty="0" lang="en-IN"/>
+            <a:endParaRPr lang="en-IN" dirty="0" smtClean="0"/>
+          </a:p>
+          <a:p>
+            <a:endParaRPr lang="en-IN" dirty="0"/>
           </a:p>
         </p:txBody>
       </p:sp>
       <p:pic>
         <p:nvPicPr>
-          <p:cNvPr id="2097174" name="Picture 3"/>
+          <p:cNvPr id="10243" name="Picture 3"/>
           <p:cNvPicPr>
             <a:picLocks noChangeAspect="1" noChangeArrowheads="1"/>
           </p:cNvPicPr>
           <p:nvPr/>
         </p:nvPicPr>
         <p:blipFill>
-          <a:blip xmlns:r="http://schemas.openxmlformats.org/officeDocument/2006/relationships" r:embed="rId1"/>
+          <a:blip r:embed="rId2">
+            <a:extLst>
+              <a:ext uri="{28A0092B-C50C-407E-A947-70E740481C1C}">
+                <a14:useLocalDpi xmlns:a14="http://schemas.microsoft.com/office/drawing/2010/main" val="0"/>
+              </a:ext>
+            </a:extLst>
+          </a:blip>
           <a:srcRect/>
           <a:stretch>
             <a:fillRect/>
@@ -7584,24 +8057,60 @@
             <a:off x="1403648" y="2276872"/>
             <a:ext cx="4752527" cy="2053357"/>
           </a:xfrm>
-          <a:prstGeom prst="rect"/>
+          <a:prstGeom prst="rect">
+            <a:avLst/>
+          </a:prstGeom>
           <a:noFill/>
           <a:ln>
             <a:noFill/>
           </a:ln>
           <a:effectLst/>
+          <a:extLst>
+            <a:ext uri="{909E8E84-426E-40DD-AFC4-6F175D3DCCD1}">
+              <a14:hiddenFill xmlns:a14="http://schemas.microsoft.com/office/drawing/2010/main">
+                <a:solidFill>
+                  <a:schemeClr val="accent1"/>
+                </a:solidFill>
+              </a14:hiddenFill>
+            </a:ext>
+            <a:ext uri="{91240B29-F687-4F45-9708-019B960494DF}">
+              <a14:hiddenLine xmlns:a14="http://schemas.microsoft.com/office/drawing/2010/main" w="9525">
+                <a:solidFill>
+                  <a:schemeClr val="tx1"/>
+                </a:solidFill>
+                <a:miter lim="800000"/>
+                <a:headEnd/>
+                <a:tailEnd/>
+              </a14:hiddenLine>
+            </a:ext>
+            <a:ext uri="{AF507438-7753-43E0-B8FC-AC1667EBCBE1}">
+              <a14:hiddenEffects xmlns:a14="http://schemas.microsoft.com/office/drawing/2010/main">
+                <a:effectLst>
+                  <a:outerShdw dist="35921" dir="2700000" algn="ctr" rotWithShape="0">
+                    <a:schemeClr val="bg2"/>
+                  </a:outerShdw>
+                </a:effectLst>
+              </a14:hiddenEffects>
+            </a:ext>
+          </a:extLst>
         </p:spPr>
       </p:pic>
       <p:pic>
         <p:nvPicPr>
-          <p:cNvPr id="2097175" name="Picture 4"/>
+          <p:cNvPr id="10244" name="Picture 4"/>
           <p:cNvPicPr>
             <a:picLocks noChangeAspect="1" noChangeArrowheads="1"/>
           </p:cNvPicPr>
           <p:nvPr/>
         </p:nvPicPr>
         <p:blipFill>
-          <a:blip xmlns:r="http://schemas.openxmlformats.org/officeDocument/2006/relationships" r:embed="rId2"/>
+          <a:blip r:embed="rId3">
+            <a:extLst>
+              <a:ext uri="{28A0092B-C50C-407E-A947-70E740481C1C}">
+                <a14:useLocalDpi xmlns:a14="http://schemas.microsoft.com/office/drawing/2010/main" val="0"/>
+              </a:ext>
+            </a:extLst>
+          </a:blip>
           <a:srcRect/>
           <a:stretch>
             <a:fillRect/>
@@ -7612,15 +8121,50 @@
             <a:off x="899592" y="5161731"/>
             <a:ext cx="6552728" cy="787549"/>
           </a:xfrm>
-          <a:prstGeom prst="rect"/>
+          <a:prstGeom prst="rect">
+            <a:avLst/>
+          </a:prstGeom>
           <a:noFill/>
           <a:ln>
             <a:noFill/>
           </a:ln>
           <a:effectLst/>
+          <a:extLst>
+            <a:ext uri="{909E8E84-426E-40DD-AFC4-6F175D3DCCD1}">
+              <a14:hiddenFill xmlns:a14="http://schemas.microsoft.com/office/drawing/2010/main">
+                <a:solidFill>
+                  <a:schemeClr val="accent1"/>
+                </a:solidFill>
+              </a14:hiddenFill>
+            </a:ext>
+            <a:ext uri="{91240B29-F687-4F45-9708-019B960494DF}">
+              <a14:hiddenLine xmlns:a14="http://schemas.microsoft.com/office/drawing/2010/main" w="9525">
+                <a:solidFill>
+                  <a:schemeClr val="tx1"/>
+                </a:solidFill>
+                <a:miter lim="800000"/>
+                <a:headEnd/>
+                <a:tailEnd/>
+              </a14:hiddenLine>
+            </a:ext>
+            <a:ext uri="{AF507438-7753-43E0-B8FC-AC1667EBCBE1}">
+              <a14:hiddenEffects xmlns:a14="http://schemas.microsoft.com/office/drawing/2010/main">
+                <a:effectLst>
+                  <a:outerShdw dist="35921" dir="2700000" algn="ctr" rotWithShape="0">
+                    <a:schemeClr val="bg2"/>
+                  </a:outerShdw>
+                </a:effectLst>
+              </a14:hiddenEffects>
+            </a:ext>
+          </a:extLst>
         </p:spPr>
       </p:pic>
     </p:spTree>
+    <p:extLst>
+      <p:ext uri="{BB962C8B-B14F-4D97-AF65-F5344CB8AC3E}">
+        <p14:creationId xmlns:p14="http://schemas.microsoft.com/office/powerpoint/2010/main" val="250409835"/>
+      </p:ext>
+    </p:extLst>
   </p:cSld>
   <p:clrMapOvr>
     <a:masterClrMapping/>
@@ -7633,7 +8177,7 @@
   <p:cSld>
     <p:spTree>
       <p:nvGrpSpPr>
-        <p:cNvPr id="77" name=""/>
+        <p:cNvPr id="1" name=""/>
         <p:cNvGrpSpPr/>
         <p:nvPr/>
       </p:nvGrpSpPr>
@@ -7647,7 +8191,7 @@
       </p:grpSpPr>
       <p:sp>
         <p:nvSpPr>
-          <p:cNvPr id="1048647" name="Title 1"/>
+          <p:cNvPr id="2" name="Title 1"/>
           <p:cNvSpPr>
             <a:spLocks noGrp="1"/>
           </p:cNvSpPr>
@@ -7658,6 +8202,7 @@
         <p:spPr/>
         <p:txBody>
           <a:bodyPr/>
+          <a:lstStyle/>
           <a:p>
             <a:endParaRPr lang="en-IN"/>
           </a:p>
@@ -7665,7 +8210,7 @@
       </p:sp>
       <p:sp>
         <p:nvSpPr>
-          <p:cNvPr id="1048648" name="Content Placeholder 2"/>
+          <p:cNvPr id="3" name="Content Placeholder 2"/>
           <p:cNvSpPr>
             <a:spLocks noGrp="1"/>
           </p:cNvSpPr>
@@ -7676,102 +8221,109 @@
         <p:spPr/>
         <p:txBody>
           <a:bodyPr/>
-          <a:p>
-            <a:r>
-              <a:rPr dirty="0" lang="en-IN"/>
+          <a:lstStyle/>
+          <a:p>
+            <a:r>
+              <a:rPr lang="en-IN" dirty="0"/>
               <a:t>To add menu, </a:t>
             </a:r>
             <a:r>
-              <a:rPr b="1" dirty="0" lang="en-IN"/>
+              <a:rPr lang="en-IN" b="1" dirty="0"/>
               <a:t>&lt;mat-menu&gt;&lt;/mat-menu&gt;</a:t>
             </a:r>
             <a:r>
-              <a:rPr dirty="0" lang="en-IN"/>
+              <a:rPr lang="en-IN" dirty="0"/>
               <a:t> is used. The </a:t>
             </a:r>
             <a:r>
-              <a:rPr b="1" dirty="0" lang="en-IN"/>
+              <a:rPr lang="en-IN" b="1" dirty="0"/>
               <a:t>file</a:t>
             </a:r>
             <a:r>
-              <a:rPr dirty="0" lang="en-IN"/>
+              <a:rPr lang="en-IN" dirty="0"/>
               <a:t> and </a:t>
             </a:r>
             <a:r>
-              <a:rPr b="1" dirty="0" lang="en-IN"/>
+              <a:rPr lang="en-IN" b="1" dirty="0"/>
               <a:t>Save As</a:t>
             </a:r>
             <a:r>
-              <a:rPr dirty="0" lang="en-IN"/>
+              <a:rPr lang="en-IN" dirty="0"/>
               <a:t> items are added to the button under mat-menu. There is a main button added </a:t>
             </a:r>
             <a:r>
-              <a:rPr b="1" dirty="0" lang="en-IN"/>
+              <a:rPr lang="en-IN" b="1" dirty="0"/>
               <a:t>Menu</a:t>
             </a:r>
             <a:r>
-              <a:rPr dirty="0" lang="en-IN"/>
+              <a:rPr lang="en-IN" dirty="0"/>
               <a:t>. The reference of the same is given the </a:t>
             </a:r>
             <a:r>
-              <a:rPr b="1" dirty="0" lang="en-IN"/>
+              <a:rPr lang="en-IN" b="1" dirty="0"/>
               <a:t>&lt;mat-menu&gt;</a:t>
             </a:r>
             <a:r>
-              <a:rPr dirty="0" lang="en-IN"/>
+              <a:rPr lang="en-IN" dirty="0"/>
               <a:t> by using </a:t>
             </a:r>
             <a:r>
-              <a:rPr b="1" dirty="0" lang="en-IN"/>
+              <a:rPr lang="en-IN" b="1" dirty="0"/>
               <a:t>[</a:t>
             </a:r>
             <a:r>
-              <a:rPr b="1" dirty="0" lang="en-IN" err="1"/>
+              <a:rPr lang="en-IN" b="1" dirty="0" err="1"/>
               <a:t>matMenuTriggerFor</a:t>
             </a:r>
             <a:r>
-              <a:rPr b="1" dirty="0" lang="en-IN"/>
+              <a:rPr lang="en-IN" b="1" dirty="0"/>
               <a:t>]="menu"</a:t>
             </a:r>
             <a:r>
-              <a:rPr dirty="0" lang="en-IN"/>
+              <a:rPr lang="en-IN" dirty="0"/>
               <a:t> and using the menu with </a:t>
             </a:r>
             <a:r>
-              <a:rPr b="1" dirty="0" lang="en-IN"/>
+              <a:rPr lang="en-IN" b="1" dirty="0"/>
               <a:t># in&lt;mat-menu</a:t>
             </a:r>
             <a:r>
-              <a:rPr b="1" dirty="0" lang="en-IN" smtClean="0"/>
+              <a:rPr lang="en-IN" b="1" dirty="0" smtClean="0"/>
               <a:t>&gt;</a:t>
             </a:r>
             <a:r>
-              <a:rPr dirty="0" lang="en-IN" smtClean="0"/>
+              <a:rPr lang="en-IN" dirty="0" smtClean="0"/>
               <a:t>.</a:t>
             </a:r>
           </a:p>
           <a:p>
             <a:r>
-              <a:rPr dirty="0" lang="en-IN"/>
+              <a:rPr lang="en-IN" dirty="0"/>
               <a:t>The below image is displayed in the browser −</a:t>
             </a:r>
-            <a:endParaRPr dirty="0" lang="en-IN" smtClean="0"/>
-          </a:p>
-          <a:p>
-            <a:endParaRPr dirty="0" lang="en-IN"/>
+            <a:endParaRPr lang="en-IN" dirty="0" smtClean="0"/>
+          </a:p>
+          <a:p>
+            <a:endParaRPr lang="en-IN" dirty="0"/>
           </a:p>
         </p:txBody>
       </p:sp>
       <p:pic>
         <p:nvPicPr>
-          <p:cNvPr id="2097176" name="Picture 2"/>
+          <p:cNvPr id="11266" name="Picture 2"/>
           <p:cNvPicPr>
             <a:picLocks noChangeAspect="1" noChangeArrowheads="1"/>
           </p:cNvPicPr>
           <p:nvPr/>
         </p:nvPicPr>
         <p:blipFill>
-          <a:blip xmlns:r="http://schemas.openxmlformats.org/officeDocument/2006/relationships" r:embed="rId1"/>
+          <a:blip r:embed="rId2">
+            <a:extLst>
+              <a:ext uri="{28A0092B-C50C-407E-A947-70E740481C1C}">
+                <a14:useLocalDpi xmlns:a14="http://schemas.microsoft.com/office/drawing/2010/main" val="0"/>
+              </a:ext>
+            </a:extLst>
+          </a:blip>
           <a:srcRect/>
           <a:stretch>
             <a:fillRect/>
@@ -7782,15 +8334,50 @@
             <a:off x="2483768" y="4437112"/>
             <a:ext cx="2813298" cy="1872208"/>
           </a:xfrm>
-          <a:prstGeom prst="rect"/>
+          <a:prstGeom prst="rect">
+            <a:avLst/>
+          </a:prstGeom>
           <a:noFill/>
           <a:ln>
             <a:noFill/>
           </a:ln>
           <a:effectLst/>
+          <a:extLst>
+            <a:ext uri="{909E8E84-426E-40DD-AFC4-6F175D3DCCD1}">
+              <a14:hiddenFill xmlns:a14="http://schemas.microsoft.com/office/drawing/2010/main">
+                <a:solidFill>
+                  <a:schemeClr val="accent1"/>
+                </a:solidFill>
+              </a14:hiddenFill>
+            </a:ext>
+            <a:ext uri="{91240B29-F687-4F45-9708-019B960494DF}">
+              <a14:hiddenLine xmlns:a14="http://schemas.microsoft.com/office/drawing/2010/main" w="9525">
+                <a:solidFill>
+                  <a:schemeClr val="tx1"/>
+                </a:solidFill>
+                <a:miter lim="800000"/>
+                <a:headEnd/>
+                <a:tailEnd/>
+              </a14:hiddenLine>
+            </a:ext>
+            <a:ext uri="{AF507438-7753-43E0-B8FC-AC1667EBCBE1}">
+              <a14:hiddenEffects xmlns:a14="http://schemas.microsoft.com/office/drawing/2010/main">
+                <a:effectLst>
+                  <a:outerShdw dist="35921" dir="2700000" algn="ctr" rotWithShape="0">
+                    <a:schemeClr val="bg2"/>
+                  </a:outerShdw>
+                </a:effectLst>
+              </a14:hiddenEffects>
+            </a:ext>
+          </a:extLst>
         </p:spPr>
       </p:pic>
     </p:spTree>
+    <p:extLst>
+      <p:ext uri="{BB962C8B-B14F-4D97-AF65-F5344CB8AC3E}">
+        <p14:creationId xmlns:p14="http://schemas.microsoft.com/office/powerpoint/2010/main" val="3979211505"/>
+      </p:ext>
+    </p:extLst>
   </p:cSld>
   <p:clrMapOvr>
     <a:masterClrMapping/>
@@ -7803,7 +8390,7 @@
   <p:cSld>
     <p:spTree>
       <p:nvGrpSpPr>
-        <p:cNvPr id="78" name=""/>
+        <p:cNvPr id="1" name=""/>
         <p:cNvGrpSpPr/>
         <p:nvPr/>
       </p:nvGrpSpPr>
@@ -7817,7 +8404,7 @@
       </p:grpSpPr>
       <p:sp>
         <p:nvSpPr>
-          <p:cNvPr id="1048649" name="Title 1"/>
+          <p:cNvPr id="2" name="Title 1"/>
           <p:cNvSpPr>
             <a:spLocks noGrp="1"/>
           </p:cNvSpPr>
@@ -7828,6 +8415,7 @@
         <p:spPr/>
         <p:txBody>
           <a:bodyPr/>
+          <a:lstStyle/>
           <a:p>
             <a:endParaRPr lang="en-IN"/>
           </a:p>
@@ -7835,16 +8423,22 @@
       </p:sp>
       <p:pic>
         <p:nvPicPr>
-          <p:cNvPr id="2097177" name="Picture 2"/>
+          <p:cNvPr id="12290" name="Picture 2"/>
           <p:cNvPicPr>
-            <a:picLocks noChangeAspect="1" noGrp="1" noChangeArrowheads="1"/>
+            <a:picLocks noGrp="1" noChangeAspect="1" noChangeArrowheads="1"/>
           </p:cNvPicPr>
           <p:nvPr>
             <p:ph idx="1"/>
           </p:nvPr>
         </p:nvPicPr>
         <p:blipFill>
-          <a:blip xmlns:r="http://schemas.openxmlformats.org/officeDocument/2006/relationships" r:embed="rId1"/>
+          <a:blip r:embed="rId2">
+            <a:extLst>
+              <a:ext uri="{28A0092B-C50C-407E-A947-70E740481C1C}">
+                <a14:useLocalDpi xmlns:a14="http://schemas.microsoft.com/office/drawing/2010/main" val="0"/>
+              </a:ext>
+            </a:extLst>
+          </a:blip>
           <a:srcRect/>
           <a:stretch>
             <a:fillRect/>
@@ -7855,15 +8449,50 @@
             <a:off x="1691680" y="2420888"/>
             <a:ext cx="5040560" cy="3240360"/>
           </a:xfrm>
-          <a:prstGeom prst="rect"/>
+          <a:prstGeom prst="rect">
+            <a:avLst/>
+          </a:prstGeom>
           <a:noFill/>
           <a:ln>
             <a:noFill/>
           </a:ln>
           <a:effectLst/>
+          <a:extLst>
+            <a:ext uri="{909E8E84-426E-40DD-AFC4-6F175D3DCCD1}">
+              <a14:hiddenFill xmlns:a14="http://schemas.microsoft.com/office/drawing/2010/main">
+                <a:solidFill>
+                  <a:schemeClr val="accent1"/>
+                </a:solidFill>
+              </a14:hiddenFill>
+            </a:ext>
+            <a:ext uri="{91240B29-F687-4F45-9708-019B960494DF}">
+              <a14:hiddenLine xmlns:a14="http://schemas.microsoft.com/office/drawing/2010/main" w="9525">
+                <a:solidFill>
+                  <a:schemeClr val="tx1"/>
+                </a:solidFill>
+                <a:miter lim="800000"/>
+                <a:headEnd/>
+                <a:tailEnd/>
+              </a14:hiddenLine>
+            </a:ext>
+            <a:ext uri="{AF507438-7753-43E0-B8FC-AC1667EBCBE1}">
+              <a14:hiddenEffects xmlns:a14="http://schemas.microsoft.com/office/drawing/2010/main">
+                <a:effectLst>
+                  <a:outerShdw dist="35921" dir="2700000" algn="ctr" rotWithShape="0">
+                    <a:schemeClr val="bg2"/>
+                  </a:outerShdw>
+                </a:effectLst>
+              </a14:hiddenEffects>
+            </a:ext>
+          </a:extLst>
         </p:spPr>
       </p:pic>
     </p:spTree>
+    <p:extLst>
+      <p:ext uri="{BB962C8B-B14F-4D97-AF65-F5344CB8AC3E}">
+        <p14:creationId xmlns:p14="http://schemas.microsoft.com/office/powerpoint/2010/main" val="2394188590"/>
+      </p:ext>
+    </p:extLst>
   </p:cSld>
   <p:clrMapOvr>
     <a:masterClrMapping/>
@@ -7876,7 +8505,7 @@
   <p:cSld>
     <p:spTree>
       <p:nvGrpSpPr>
-        <p:cNvPr id="50" name=""/>
+        <p:cNvPr id="1" name=""/>
         <p:cNvGrpSpPr/>
         <p:nvPr/>
       </p:nvGrpSpPr>
@@ -7890,7 +8519,7 @@
       </p:grpSpPr>
       <p:sp>
         <p:nvSpPr>
-          <p:cNvPr id="1048599" name="Title 1"/>
+          <p:cNvPr id="2" name="Title 1"/>
           <p:cNvSpPr>
             <a:spLocks noGrp="1"/>
           </p:cNvSpPr>
@@ -7901,18 +8530,19 @@
         <p:spPr/>
         <p:txBody>
           <a:bodyPr/>
-          <a:p>
-            <a:r>
-              <a:rPr dirty="0" lang="en-IN" smtClean="0"/>
+          <a:lstStyle/>
+          <a:p>
+            <a:r>
+              <a:rPr lang="en-IN" dirty="0" smtClean="0"/>
               <a:t>Prerequisites of Angular7.</a:t>
             </a:r>
-            <a:endParaRPr dirty="0" lang="en-IN"/>
-          </a:p>
-        </p:txBody>
-      </p:sp>
-      <p:sp>
-        <p:nvSpPr>
-          <p:cNvPr id="1048600" name="Content Placeholder 2"/>
+            <a:endParaRPr lang="en-IN" dirty="0"/>
+          </a:p>
+        </p:txBody>
+      </p:sp>
+      <p:sp>
+        <p:nvSpPr>
+          <p:cNvPr id="3" name="Content Placeholder 2"/>
           <p:cNvSpPr>
             <a:spLocks noGrp="1"/>
           </p:cNvSpPr>
@@ -7923,6 +8553,7 @@
         <p:spPr/>
         <p:txBody>
           <a:bodyPr/>
+          <a:lstStyle/>
           <a:p>
             <a:pPr fontAlgn="base">
               <a:lnSpc>
@@ -7930,7 +8561,7 @@
               </a:lnSpc>
             </a:pPr>
             <a:r>
-              <a:rPr dirty="0" lang="en-IN">
+              <a:rPr lang="en-IN" dirty="0">
                 <a:latin typeface="Times New Roman" pitchFamily="18" charset="0"/>
                 <a:cs typeface="Times New Roman" pitchFamily="18" charset="0"/>
               </a:rPr>
@@ -7944,13 +8575,13 @@
               </a:lnSpc>
             </a:pPr>
             <a:r>
-              <a:rPr dirty="0" lang="en-IN" err="1">
+              <a:rPr lang="en-IN" dirty="0" err="1">
                 <a:latin typeface="Times New Roman" pitchFamily="18" charset="0"/>
                 <a:cs typeface="Times New Roman" pitchFamily="18" charset="0"/>
               </a:rPr>
               <a:t>TypeScript</a:t>
             </a:r>
-            <a:endParaRPr dirty="0" lang="en-IN">
+            <a:endParaRPr lang="en-IN" dirty="0">
               <a:latin typeface="Times New Roman" pitchFamily="18" charset="0"/>
               <a:cs typeface="Times New Roman" pitchFamily="18" charset="0"/>
             </a:endParaRPr>
@@ -7962,7 +8593,7 @@
               </a:lnSpc>
             </a:pPr>
             <a:r>
-              <a:rPr dirty="0" lang="en-IN">
+              <a:rPr lang="en-IN" dirty="0">
                 <a:latin typeface="Times New Roman" pitchFamily="18" charset="0"/>
                 <a:cs typeface="Times New Roman" pitchFamily="18" charset="0"/>
               </a:rPr>
@@ -7976,7 +8607,7 @@
               </a:lnSpc>
             </a:pPr>
             <a:r>
-              <a:rPr dirty="0" lang="en-IN">
+              <a:rPr lang="en-IN" dirty="0">
                 <a:latin typeface="Times New Roman" pitchFamily="18" charset="0"/>
                 <a:cs typeface="Times New Roman" pitchFamily="18" charset="0"/>
               </a:rPr>
@@ -7984,11 +8615,16 @@
             </a:r>
           </a:p>
           <a:p>
-            <a:endParaRPr dirty="0" lang="en-IN"/>
+            <a:endParaRPr lang="en-IN" dirty="0"/>
           </a:p>
         </p:txBody>
       </p:sp>
     </p:spTree>
+    <p:extLst>
+      <p:ext uri="{BB962C8B-B14F-4D97-AF65-F5344CB8AC3E}">
+        <p14:creationId xmlns:p14="http://schemas.microsoft.com/office/powerpoint/2010/main" val="1706823160"/>
+      </p:ext>
+    </p:extLst>
   </p:cSld>
   <p:clrMapOvr>
     <a:masterClrMapping/>
@@ -8001,7 +8637,7 @@
   <p:cSld>
     <p:spTree>
       <p:nvGrpSpPr>
-        <p:cNvPr id="51" name=""/>
+        <p:cNvPr id="1" name=""/>
         <p:cNvGrpSpPr/>
         <p:nvPr/>
       </p:nvGrpSpPr>
@@ -8015,7 +8651,7 @@
       </p:grpSpPr>
       <p:sp>
         <p:nvSpPr>
-          <p:cNvPr id="1048601" name="Title 1"/>
+          <p:cNvPr id="2" name="Title 1"/>
           <p:cNvSpPr>
             <a:spLocks noGrp="1"/>
           </p:cNvSpPr>
@@ -8026,27 +8662,34 @@
         <p:spPr/>
         <p:txBody>
           <a:bodyPr/>
-          <a:p>
-            <a:r>
-              <a:rPr dirty="0" lang="en-IN" smtClean="0"/>
+          <a:lstStyle/>
+          <a:p>
+            <a:r>
+              <a:rPr lang="en-IN" dirty="0" smtClean="0"/>
               <a:t>Features of Angular7…</a:t>
             </a:r>
-            <a:endParaRPr dirty="0" lang="en-IN"/>
+            <a:endParaRPr lang="en-IN" dirty="0"/>
           </a:p>
         </p:txBody>
       </p:sp>
       <p:pic>
         <p:nvPicPr>
-          <p:cNvPr id="2097152" name="Picture 2"/>
+          <p:cNvPr id="1026" name="Picture 2"/>
           <p:cNvPicPr>
-            <a:picLocks noChangeAspect="1" noGrp="1" noChangeArrowheads="1"/>
+            <a:picLocks noGrp="1" noChangeAspect="1" noChangeArrowheads="1"/>
           </p:cNvPicPr>
           <p:nvPr>
             <p:ph idx="1"/>
           </p:nvPr>
         </p:nvPicPr>
         <p:blipFill>
-          <a:blip xmlns:r="http://schemas.openxmlformats.org/officeDocument/2006/relationships" r:embed="rId1"/>
+          <a:blip r:embed="rId2">
+            <a:extLst>
+              <a:ext uri="{28A0092B-C50C-407E-A947-70E740481C1C}">
+                <a14:useLocalDpi xmlns:a14="http://schemas.microsoft.com/office/drawing/2010/main" val="0"/>
+              </a:ext>
+            </a:extLst>
+          </a:blip>
           <a:srcRect/>
           <a:stretch>
             <a:fillRect/>
@@ -8057,15 +8700,50 @@
             <a:off x="2144176" y="1600200"/>
             <a:ext cx="4246047" cy="4800600"/>
           </a:xfrm>
-          <a:prstGeom prst="rect"/>
+          <a:prstGeom prst="rect">
+            <a:avLst/>
+          </a:prstGeom>
           <a:noFill/>
           <a:ln>
             <a:noFill/>
           </a:ln>
           <a:effectLst/>
+          <a:extLst>
+            <a:ext uri="{909E8E84-426E-40DD-AFC4-6F175D3DCCD1}">
+              <a14:hiddenFill xmlns:a14="http://schemas.microsoft.com/office/drawing/2010/main">
+                <a:solidFill>
+                  <a:schemeClr val="accent1"/>
+                </a:solidFill>
+              </a14:hiddenFill>
+            </a:ext>
+            <a:ext uri="{91240B29-F687-4F45-9708-019B960494DF}">
+              <a14:hiddenLine xmlns:a14="http://schemas.microsoft.com/office/drawing/2010/main" w="9525">
+                <a:solidFill>
+                  <a:schemeClr val="tx1"/>
+                </a:solidFill>
+                <a:miter lim="800000"/>
+                <a:headEnd/>
+                <a:tailEnd/>
+              </a14:hiddenLine>
+            </a:ext>
+            <a:ext uri="{AF507438-7753-43E0-B8FC-AC1667EBCBE1}">
+              <a14:hiddenEffects xmlns:a14="http://schemas.microsoft.com/office/drawing/2010/main">
+                <a:effectLst>
+                  <a:outerShdw dist="35921" dir="2700000" algn="ctr" rotWithShape="0">
+                    <a:schemeClr val="bg2"/>
+                  </a:outerShdw>
+                </a:effectLst>
+              </a14:hiddenEffects>
+            </a:ext>
+          </a:extLst>
         </p:spPr>
       </p:pic>
     </p:spTree>
+    <p:extLst>
+      <p:ext uri="{BB962C8B-B14F-4D97-AF65-F5344CB8AC3E}">
+        <p14:creationId xmlns:p14="http://schemas.microsoft.com/office/powerpoint/2010/main" val="1857055000"/>
+      </p:ext>
+    </p:extLst>
   </p:cSld>
   <p:clrMapOvr>
     <a:masterClrMapping/>
@@ -8078,7 +8756,7 @@
   <p:cSld>
     <p:spTree>
       <p:nvGrpSpPr>
-        <p:cNvPr id="52" name=""/>
+        <p:cNvPr id="1" name=""/>
         <p:cNvGrpSpPr/>
         <p:nvPr/>
       </p:nvGrpSpPr>
@@ -8092,7 +8770,7 @@
       </p:grpSpPr>
       <p:sp>
         <p:nvSpPr>
-          <p:cNvPr id="1048602" name="Title 1"/>
+          <p:cNvPr id="2" name="Title 1"/>
           <p:cNvSpPr>
             <a:spLocks noGrp="1"/>
           </p:cNvSpPr>
@@ -8103,14 +8781,15 @@
         <p:spPr/>
         <p:txBody>
           <a:bodyPr/>
-          <a:p>
-            <a:endParaRPr dirty="0" lang="en-IN"/>
-          </a:p>
-        </p:txBody>
-      </p:sp>
-      <p:sp>
-        <p:nvSpPr>
-          <p:cNvPr id="1048603" name="Content Placeholder 2"/>
+          <a:lstStyle/>
+          <a:p>
+            <a:endParaRPr lang="en-IN" dirty="0"/>
+          </a:p>
+        </p:txBody>
+      </p:sp>
+      <p:sp>
+        <p:nvSpPr>
+          <p:cNvPr id="3" name="Content Placeholder 2"/>
           <p:cNvSpPr>
             <a:spLocks noGrp="1"/>
           </p:cNvSpPr>
@@ -8121,15 +8800,16 @@
         <p:spPr/>
         <p:txBody>
           <a:bodyPr/>
-          <a:p>
-            <a:pPr fontAlgn="base" indent="0" marL="114300">
+          <a:lstStyle/>
+          <a:p>
+            <a:pPr marL="114300" indent="0" fontAlgn="base">
               <a:lnSpc>
                 <a:spcPct val="150000"/>
               </a:lnSpc>
               <a:buNone/>
             </a:pPr>
             <a:r>
-              <a:rPr b="1" dirty="0" lang="en-IN" smtClean="0">
+              <a:rPr lang="en-IN" b="1" dirty="0" smtClean="0">
                 <a:latin typeface="Times New Roman" pitchFamily="18" charset="0"/>
                 <a:cs typeface="Times New Roman" pitchFamily="18" charset="0"/>
               </a:rPr>
@@ -8137,42 +8817,42 @@
             </a:r>
           </a:p>
           <a:p>
-            <a:pPr fontAlgn="base" indent="0" marL="114300">
+            <a:pPr marL="114300" indent="0" fontAlgn="base">
               <a:lnSpc>
                 <a:spcPct val="150000"/>
               </a:lnSpc>
               <a:buNone/>
             </a:pPr>
             <a:r>
-              <a:rPr dirty="0" lang="en-IN" smtClean="0">
+              <a:rPr lang="en-IN" dirty="0" smtClean="0">
                 <a:latin typeface="Times New Roman" pitchFamily="18" charset="0"/>
                 <a:cs typeface="Times New Roman" pitchFamily="18" charset="0"/>
               </a:rPr>
               <a:t> It </a:t>
             </a:r>
             <a:r>
-              <a:rPr dirty="0" lang="en-IN">
+              <a:rPr lang="en-IN" dirty="0">
                 <a:latin typeface="Times New Roman" pitchFamily="18" charset="0"/>
                 <a:cs typeface="Times New Roman" pitchFamily="18" charset="0"/>
               </a:rPr>
               <a:t>helps users to make a decision. It asks users about “want to </a:t>
             </a:r>
             <a:r>
-              <a:rPr dirty="0" lang="en-IN" smtClean="0">
+              <a:rPr lang="en-IN" dirty="0" smtClean="0">
                 <a:latin typeface="Times New Roman" pitchFamily="18" charset="0"/>
                 <a:cs typeface="Times New Roman" pitchFamily="18" charset="0"/>
               </a:rPr>
               <a:t>     add </a:t>
             </a:r>
             <a:r>
-              <a:rPr dirty="0" lang="en-IN">
+              <a:rPr lang="en-IN" dirty="0">
                 <a:latin typeface="Times New Roman" pitchFamily="18" charset="0"/>
                 <a:cs typeface="Times New Roman" pitchFamily="18" charset="0"/>
               </a:rPr>
               <a:t>routing? Y/N” and about the type of styles user want to </a:t>
             </a:r>
             <a:r>
-              <a:rPr dirty="0" lang="en-IN" smtClean="0">
+              <a:rPr lang="en-IN" dirty="0" smtClean="0">
                 <a:latin typeface="Times New Roman" pitchFamily="18" charset="0"/>
                 <a:cs typeface="Times New Roman" pitchFamily="18" charset="0"/>
               </a:rPr>
@@ -8185,7 +8865,7 @@
                 <a:spcPct val="150000"/>
               </a:lnSpc>
             </a:pPr>
-            <a:endParaRPr dirty="0" lang="en-IN">
+            <a:endParaRPr lang="en-IN" dirty="0">
               <a:latin typeface="Times New Roman" pitchFamily="18" charset="0"/>
               <a:cs typeface="Times New Roman" pitchFamily="18" charset="0"/>
             </a:endParaRPr>
@@ -8193,6 +8873,11 @@
         </p:txBody>
       </p:sp>
     </p:spTree>
+    <p:extLst>
+      <p:ext uri="{BB962C8B-B14F-4D97-AF65-F5344CB8AC3E}">
+        <p14:creationId xmlns:p14="http://schemas.microsoft.com/office/powerpoint/2010/main" val="2829664805"/>
+      </p:ext>
+    </p:extLst>
   </p:cSld>
   <p:clrMapOvr>
     <a:masterClrMapping/>
@@ -8205,7 +8890,7 @@
   <p:cSld>
     <p:spTree>
       <p:nvGrpSpPr>
-        <p:cNvPr id="53" name=""/>
+        <p:cNvPr id="1" name=""/>
         <p:cNvGrpSpPr/>
         <p:nvPr/>
       </p:nvGrpSpPr>
@@ -8219,7 +8904,7 @@
       </p:grpSpPr>
       <p:sp>
         <p:nvSpPr>
-          <p:cNvPr id="1048604" name="Title 1"/>
+          <p:cNvPr id="2" name="Title 1"/>
           <p:cNvSpPr>
             <a:spLocks noGrp="1"/>
           </p:cNvSpPr>
@@ -8230,27 +8915,33 @@
         <p:spPr/>
         <p:txBody>
           <a:bodyPr/>
-          <a:p>
-            <a:r>
-              <a:rPr dirty="0" lang="en-IN" err="1" smtClean="0"/>
+          <a:lstStyle/>
+          <a:p>
+            <a:r>
+              <a:rPr lang="en-IN" dirty="0" err="1" smtClean="0"/>
               <a:t>Commads</a:t>
             </a:r>
             <a:r>
-              <a:rPr dirty="0" lang="en-IN" smtClean="0"/>
+              <a:rPr lang="en-IN" dirty="0" smtClean="0"/>
               <a:t> used in Angular7 projects…</a:t>
             </a:r>
-            <a:endParaRPr dirty="0" lang="en-IN"/>
+            <a:endParaRPr lang="en-IN" dirty="0"/>
           </a:p>
         </p:txBody>
       </p:sp>
       <p:graphicFrame>
         <p:nvGraphicFramePr>
-          <p:cNvPr id="4194304" name="Content Placeholder 3"/>
+          <p:cNvPr id="4" name="Content Placeholder 3"/>
           <p:cNvGraphicFramePr>
             <a:graphicFrameLocks noGrp="1"/>
           </p:cNvGraphicFramePr>
           <p:nvPr>
             <p:ph idx="1"/>
+            <p:extLst>
+              <p:ext uri="{D42A27DB-BD31-4B8C-83A1-F6EECF244321}">
+                <p14:modId xmlns:p14="http://schemas.microsoft.com/office/powerpoint/2010/main" val="1562132265"/>
+              </p:ext>
+            </p:extLst>
           </p:nvPr>
         </p:nvGraphicFramePr>
         <p:xfrm>
@@ -8269,10 +8960,11 @@
                 <a:tc>
                   <a:txBody>
                     <a:bodyPr/>
+                    <a:lstStyle/>
                     <a:p>
                       <a:pPr algn="ctr" fontAlgn="t"/>
                       <a:r>
-                        <a:rPr sz="1300" lang="en-IN">
+                        <a:rPr lang="en-IN" sz="1300">
                           <a:effectLst/>
                         </a:rPr>
                         <a:t>Sr.No</a:t>
@@ -8324,10 +9016,11 @@
                 <a:tc>
                   <a:txBody>
                     <a:bodyPr/>
+                    <a:lstStyle/>
                     <a:p>
                       <a:pPr algn="ctr" fontAlgn="t"/>
                       <a:r>
-                        <a:rPr dirty="0" sz="1300" lang="en-IN">
+                        <a:rPr lang="en-IN" sz="1300" dirty="0">
                           <a:effectLst/>
                         </a:rPr>
                         <a:t>Commands and Description</a:t>
@@ -8381,10 +9074,11 @@
                 <a:tc>
                   <a:txBody>
                     <a:bodyPr/>
+                    <a:lstStyle/>
                     <a:p>
                       <a:pPr algn="ctr" fontAlgn="t"/>
                       <a:r>
-                        <a:rPr sz="1300" lang="en-IN">
+                        <a:rPr lang="en-IN" sz="1300">
                           <a:effectLst/>
                         </a:rPr>
                         <a:t>1</a:t>
@@ -8433,10 +9127,11 @@
                 <a:tc>
                   <a:txBody>
                     <a:bodyPr/>
+                    <a:lstStyle/>
                     <a:p>
                       <a:pPr algn="just" fontAlgn="t"/>
                       <a:r>
-                        <a:rPr b="1" sz="1300" lang="en-IN">
+                        <a:rPr lang="en-IN" sz="1300" b="1">
                           <a:solidFill>
                             <a:srgbClr val="000000"/>
                           </a:solidFill>
@@ -8444,7 +9139,7 @@
                         </a:rPr>
                         <a:t>Component</a:t>
                       </a:r>
-                      <a:endParaRPr sz="1300" lang="en-IN">
+                      <a:endParaRPr lang="en-IN" sz="1300">
                         <a:solidFill>
                           <a:srgbClr val="000000"/>
                         </a:solidFill>
@@ -8454,7 +9149,7 @@
                     <a:p>
                       <a:pPr algn="just" fontAlgn="t"/>
                       <a:r>
-                        <a:rPr sz="1300" lang="en-IN">
+                        <a:rPr lang="en-IN" sz="1300">
                           <a:solidFill>
                             <a:srgbClr val="000000"/>
                           </a:solidFill>
@@ -8508,10 +9203,11 @@
                 <a:tc>
                   <a:txBody>
                     <a:bodyPr/>
+                    <a:lstStyle/>
                     <a:p>
                       <a:pPr algn="ctr" fontAlgn="t"/>
                       <a:r>
-                        <a:rPr sz="1300" lang="en-IN">
+                        <a:rPr lang="en-IN" sz="1300">
                           <a:effectLst/>
                         </a:rPr>
                         <a:t>2</a:t>
@@ -8560,10 +9256,11 @@
                 <a:tc>
                   <a:txBody>
                     <a:bodyPr/>
+                    <a:lstStyle/>
                     <a:p>
                       <a:pPr algn="just" fontAlgn="t"/>
                       <a:r>
-                        <a:rPr b="1" sz="1300" lang="en-IN">
+                        <a:rPr lang="en-IN" sz="1300" b="1">
                           <a:solidFill>
                             <a:srgbClr val="000000"/>
                           </a:solidFill>
@@ -8571,7 +9268,7 @@
                         </a:rPr>
                         <a:t>Directive</a:t>
                       </a:r>
-                      <a:endParaRPr sz="1300" lang="en-IN">
+                      <a:endParaRPr lang="en-IN" sz="1300">
                         <a:solidFill>
                           <a:srgbClr val="000000"/>
                         </a:solidFill>
@@ -8581,7 +9278,7 @@
                     <a:p>
                       <a:pPr algn="just" fontAlgn="t"/>
                       <a:r>
-                        <a:rPr sz="1300" lang="en-IN">
+                        <a:rPr lang="en-IN" sz="1300">
                           <a:solidFill>
                             <a:srgbClr val="000000"/>
                           </a:solidFill>
@@ -8635,10 +9332,11 @@
                 <a:tc>
                   <a:txBody>
                     <a:bodyPr/>
+                    <a:lstStyle/>
                     <a:p>
                       <a:pPr algn="ctr" fontAlgn="t"/>
                       <a:r>
-                        <a:rPr sz="1300" lang="en-IN">
+                        <a:rPr lang="en-IN" sz="1300">
                           <a:effectLst/>
                         </a:rPr>
                         <a:t>3</a:t>
@@ -8687,10 +9385,11 @@
                 <a:tc>
                   <a:txBody>
                     <a:bodyPr/>
+                    <a:lstStyle/>
                     <a:p>
                       <a:pPr algn="just" fontAlgn="t"/>
                       <a:r>
-                        <a:rPr b="1" dirty="0" sz="1300" lang="en-IN">
+                        <a:rPr lang="en-IN" sz="1300" b="1" dirty="0">
                           <a:solidFill>
                             <a:srgbClr val="000000"/>
                           </a:solidFill>
@@ -8698,7 +9397,7 @@
                         </a:rPr>
                         <a:t>Pipe</a:t>
                       </a:r>
-                      <a:endParaRPr dirty="0" sz="1300" lang="en-IN">
+                      <a:endParaRPr lang="en-IN" sz="1300" dirty="0">
                         <a:solidFill>
                           <a:srgbClr val="000000"/>
                         </a:solidFill>
@@ -8708,7 +9407,7 @@
                     <a:p>
                       <a:pPr algn="just" fontAlgn="t"/>
                       <a:r>
-                        <a:rPr dirty="0" sz="1300" lang="en-IN" err="1">
+                        <a:rPr lang="en-IN" sz="1300" dirty="0" err="1">
                           <a:solidFill>
                             <a:srgbClr val="000000"/>
                           </a:solidFill>
@@ -8717,7 +9416,7 @@
                         <a:t>ng</a:t>
                       </a:r>
                       <a:r>
-                        <a:rPr dirty="0" sz="1300" lang="en-IN">
+                        <a:rPr lang="en-IN" sz="1300" dirty="0">
                           <a:solidFill>
                             <a:srgbClr val="000000"/>
                           </a:solidFill>
@@ -8771,10 +9470,11 @@
                 <a:tc>
                   <a:txBody>
                     <a:bodyPr/>
+                    <a:lstStyle/>
                     <a:p>
                       <a:pPr algn="ctr" fontAlgn="t"/>
                       <a:r>
-                        <a:rPr sz="1300" lang="en-IN">
+                        <a:rPr lang="en-IN" sz="1300">
                           <a:effectLst/>
                         </a:rPr>
                         <a:t>4</a:t>
@@ -8823,10 +9523,11 @@
                 <a:tc>
                   <a:txBody>
                     <a:bodyPr/>
+                    <a:lstStyle/>
                     <a:p>
                       <a:pPr algn="just" fontAlgn="t"/>
                       <a:r>
-                        <a:rPr b="1" sz="1300" lang="en-IN">
+                        <a:rPr lang="en-IN" sz="1300" b="1">
                           <a:solidFill>
                             <a:srgbClr val="000000"/>
                           </a:solidFill>
@@ -8834,7 +9535,7 @@
                         </a:rPr>
                         <a:t>Service</a:t>
                       </a:r>
-                      <a:endParaRPr sz="1300" lang="en-IN">
+                      <a:endParaRPr lang="en-IN" sz="1300">
                         <a:solidFill>
                           <a:srgbClr val="000000"/>
                         </a:solidFill>
@@ -8844,7 +9545,7 @@
                     <a:p>
                       <a:pPr algn="just" fontAlgn="t"/>
                       <a:r>
-                        <a:rPr sz="1300" lang="en-IN">
+                        <a:rPr lang="en-IN" sz="1300">
                           <a:solidFill>
                             <a:srgbClr val="000000"/>
                           </a:solidFill>
@@ -8898,10 +9599,11 @@
                 <a:tc>
                   <a:txBody>
                     <a:bodyPr/>
+                    <a:lstStyle/>
                     <a:p>
                       <a:pPr algn="ctr" fontAlgn="t"/>
                       <a:r>
-                        <a:rPr sz="1300" lang="en-IN">
+                        <a:rPr lang="en-IN" sz="1300">
                           <a:effectLst/>
                         </a:rPr>
                         <a:t>5</a:t>
@@ -8950,10 +9652,11 @@
                 <a:tc>
                   <a:txBody>
                     <a:bodyPr/>
+                    <a:lstStyle/>
                     <a:p>
                       <a:pPr algn="just" fontAlgn="t"/>
                       <a:r>
-                        <a:rPr b="1" sz="1300" lang="en-IN">
+                        <a:rPr lang="en-IN" sz="1300" b="1">
                           <a:solidFill>
                             <a:srgbClr val="000000"/>
                           </a:solidFill>
@@ -8961,7 +9664,7 @@
                         </a:rPr>
                         <a:t>Module</a:t>
                       </a:r>
-                      <a:endParaRPr sz="1300" lang="en-IN">
+                      <a:endParaRPr lang="en-IN" sz="1300">
                         <a:solidFill>
                           <a:srgbClr val="000000"/>
                         </a:solidFill>
@@ -8971,7 +9674,7 @@
                     <a:p>
                       <a:pPr algn="just" fontAlgn="t"/>
                       <a:r>
-                        <a:rPr sz="1300" lang="en-IN">
+                        <a:rPr lang="en-IN" sz="1300">
                           <a:solidFill>
                             <a:srgbClr val="000000"/>
                           </a:solidFill>
@@ -9025,10 +9728,11 @@
                 <a:tc>
                   <a:txBody>
                     <a:bodyPr/>
+                    <a:lstStyle/>
                     <a:p>
                       <a:pPr algn="ctr" fontAlgn="t"/>
                       <a:r>
-                        <a:rPr sz="1300" lang="en-IN">
+                        <a:rPr lang="en-IN" sz="1300">
                           <a:effectLst/>
                         </a:rPr>
                         <a:t>6</a:t>
@@ -9077,10 +9781,11 @@
                 <a:tc>
                   <a:txBody>
                     <a:bodyPr/>
+                    <a:lstStyle/>
                     <a:p>
                       <a:pPr algn="just" fontAlgn="t"/>
                       <a:r>
-                        <a:rPr b="1" sz="1300" lang="en-IN">
+                        <a:rPr lang="en-IN" sz="1300" b="1">
                           <a:solidFill>
                             <a:srgbClr val="000000"/>
                           </a:solidFill>
@@ -9088,7 +9793,7 @@
                         </a:rPr>
                         <a:t>Test</a:t>
                       </a:r>
-                      <a:endParaRPr sz="1300" lang="en-IN">
+                      <a:endParaRPr lang="en-IN" sz="1300">
                         <a:solidFill>
                           <a:srgbClr val="000000"/>
                         </a:solidFill>
@@ -9098,7 +9803,7 @@
                     <a:p>
                       <a:pPr algn="just" fontAlgn="t"/>
                       <a:r>
-                        <a:rPr sz="1300" lang="en-IN">
+                        <a:rPr lang="en-IN" sz="1300">
                           <a:solidFill>
                             <a:srgbClr val="000000"/>
                           </a:solidFill>
@@ -9152,10 +9857,11 @@
                 <a:tc>
                   <a:txBody>
                     <a:bodyPr/>
+                    <a:lstStyle/>
                     <a:p>
                       <a:pPr algn="ctr" fontAlgn="t"/>
                       <a:r>
-                        <a:rPr sz="1300" lang="en-IN">
+                        <a:rPr lang="en-IN" sz="1300">
                           <a:effectLst/>
                         </a:rPr>
                         <a:t>7</a:t>
@@ -9204,10 +9910,11 @@
                 <a:tc>
                   <a:txBody>
                     <a:bodyPr/>
+                    <a:lstStyle/>
                     <a:p>
                       <a:pPr algn="just" fontAlgn="t"/>
                       <a:r>
-                        <a:rPr b="1" dirty="0" sz="1300" lang="en-IN">
+                        <a:rPr lang="en-IN" sz="1300" b="1" dirty="0">
                           <a:solidFill>
                             <a:srgbClr val="000000"/>
                           </a:solidFill>
@@ -9215,7 +9922,7 @@
                         </a:rPr>
                         <a:t>Build</a:t>
                       </a:r>
-                      <a:endParaRPr dirty="0" sz="1300" lang="en-IN">
+                      <a:endParaRPr lang="en-IN" sz="1300" dirty="0">
                         <a:solidFill>
                           <a:srgbClr val="000000"/>
                         </a:solidFill>
@@ -9225,7 +9932,7 @@
                     <a:p>
                       <a:pPr algn="just" fontAlgn="t"/>
                       <a:r>
-                        <a:rPr dirty="0" sz="1300" lang="en-IN" err="1">
+                        <a:rPr lang="en-IN" sz="1300" dirty="0" err="1">
                           <a:solidFill>
                             <a:srgbClr val="000000"/>
                           </a:solidFill>
@@ -9234,7 +9941,7 @@
                         <a:t>ng</a:t>
                       </a:r>
                       <a:r>
-                        <a:rPr dirty="0" sz="1300" lang="en-IN">
+                        <a:rPr lang="en-IN" sz="1300" dirty="0">
                           <a:solidFill>
                             <a:srgbClr val="000000"/>
                           </a:solidFill>
@@ -9246,7 +9953,7 @@
                     <a:p>
                       <a:pPr algn="just" fontAlgn="t"/>
                       <a:r>
-                        <a:rPr dirty="0" sz="1300" lang="en-IN" err="1">
+                        <a:rPr lang="en-IN" sz="1300" dirty="0" err="1">
                           <a:solidFill>
                             <a:srgbClr val="000000"/>
                           </a:solidFill>
@@ -9255,7 +9962,7 @@
                         <a:t>ng</a:t>
                       </a:r>
                       <a:r>
-                        <a:rPr dirty="0" sz="1300" lang="en-IN">
+                        <a:rPr lang="en-IN" sz="1300" dirty="0">
                           <a:solidFill>
                             <a:srgbClr val="000000"/>
                           </a:solidFill>
@@ -9310,6 +10017,11 @@
         </a:graphic>
       </p:graphicFrame>
     </p:spTree>
+    <p:extLst>
+      <p:ext uri="{BB962C8B-B14F-4D97-AF65-F5344CB8AC3E}">
+        <p14:creationId xmlns:p14="http://schemas.microsoft.com/office/powerpoint/2010/main" val="3744039177"/>
+      </p:ext>
+    </p:extLst>
   </p:cSld>
   <p:clrMapOvr>
     <a:masterClrMapping/>
@@ -9322,7 +10034,7 @@
   <p:cSld>
     <p:spTree>
       <p:nvGrpSpPr>
-        <p:cNvPr id="54" name=""/>
+        <p:cNvPr id="1" name=""/>
         <p:cNvGrpSpPr/>
         <p:nvPr/>
       </p:nvGrpSpPr>
@@ -9336,7 +10048,7 @@
       </p:grpSpPr>
       <p:sp>
         <p:nvSpPr>
-          <p:cNvPr id="1048605" name="Title 1"/>
+          <p:cNvPr id="2" name="Title 1"/>
           <p:cNvSpPr>
             <a:spLocks noGrp="1"/>
           </p:cNvSpPr>
@@ -9347,6 +10059,7 @@
         <p:spPr/>
         <p:txBody>
           <a:bodyPr/>
+          <a:lstStyle/>
           <a:p>
             <a:endParaRPr lang="en-IN"/>
           </a:p>
@@ -9354,7 +10067,7 @@
       </p:sp>
       <p:sp>
         <p:nvSpPr>
-          <p:cNvPr id="1048606" name="Content Placeholder 2"/>
+          <p:cNvPr id="3" name="Content Placeholder 2"/>
           <p:cNvSpPr>
             <a:spLocks noGrp="1"/>
           </p:cNvSpPr>
@@ -9365,15 +10078,16 @@
         <p:spPr/>
         <p:txBody>
           <a:bodyPr/>
-          <a:p>
-            <a:pPr fontAlgn="base" indent="0" marL="114300">
+          <a:lstStyle/>
+          <a:p>
+            <a:pPr marL="114300" indent="0" fontAlgn="base">
               <a:lnSpc>
                 <a:spcPct val="150000"/>
               </a:lnSpc>
               <a:buNone/>
             </a:pPr>
             <a:r>
-              <a:rPr b="1" dirty="0" lang="en-IN">
+              <a:rPr lang="en-IN" b="1" dirty="0">
                 <a:latin typeface="Times New Roman" pitchFamily="18" charset="0"/>
                 <a:cs typeface="Times New Roman" pitchFamily="18" charset="0"/>
               </a:rPr>
@@ -9387,7 +10101,7 @@
               </a:lnSpc>
             </a:pPr>
             <a:r>
-              <a:rPr dirty="0" lang="en-IN">
+              <a:rPr lang="en-IN" dirty="0">
                 <a:latin typeface="Times New Roman" pitchFamily="18" charset="0"/>
                 <a:cs typeface="Times New Roman" pitchFamily="18" charset="0"/>
               </a:rPr>
@@ -9395,14 +10109,14 @@
             </a:r>
           </a:p>
           <a:p>
-            <a:pPr indent="-457200" marL="571500">
+            <a:pPr marL="571500" indent="-457200">
               <a:lnSpc>
                 <a:spcPct val="150000"/>
               </a:lnSpc>
               <a:buFont typeface="+mj-lt"/>
               <a:buAutoNum type="arabicPeriod"/>
             </a:pPr>
-            <a:endParaRPr dirty="0" lang="en-IN">
+            <a:endParaRPr lang="en-IN" dirty="0">
               <a:latin typeface="Times New Roman" pitchFamily="18" charset="0"/>
               <a:cs typeface="Times New Roman" pitchFamily="18" charset="0"/>
             </a:endParaRPr>
@@ -9410,6 +10124,11 @@
         </p:txBody>
       </p:sp>
     </p:spTree>
+    <p:extLst>
+      <p:ext uri="{BB962C8B-B14F-4D97-AF65-F5344CB8AC3E}">
+        <p14:creationId xmlns:p14="http://schemas.microsoft.com/office/powerpoint/2010/main" val="2513372416"/>
+      </p:ext>
+    </p:extLst>
   </p:cSld>
   <p:clrMapOvr>
     <a:masterClrMapping/>
@@ -9422,7 +10141,7 @@
   <p:cSld>
     <p:spTree>
       <p:nvGrpSpPr>
-        <p:cNvPr id="55" name=""/>
+        <p:cNvPr id="1" name=""/>
         <p:cNvGrpSpPr/>
         <p:nvPr/>
       </p:nvGrpSpPr>
@@ -9436,7 +10155,7 @@
       </p:grpSpPr>
       <p:sp>
         <p:nvSpPr>
-          <p:cNvPr id="1048607" name="Title 1"/>
+          <p:cNvPr id="2" name="Title 1"/>
           <p:cNvSpPr>
             <a:spLocks noGrp="1"/>
           </p:cNvSpPr>
@@ -9447,6 +10166,7 @@
         <p:spPr/>
         <p:txBody>
           <a:bodyPr/>
+          <a:lstStyle/>
           <a:p>
             <a:endParaRPr lang="en-IN"/>
           </a:p>
@@ -9454,7 +10174,7 @@
       </p:sp>
       <p:sp>
         <p:nvSpPr>
-          <p:cNvPr id="1048608" name="Content Placeholder 2"/>
+          <p:cNvPr id="3" name="Content Placeholder 2"/>
           <p:cNvSpPr>
             <a:spLocks noGrp="1"/>
           </p:cNvSpPr>
@@ -9465,15 +10185,16 @@
         <p:spPr/>
         <p:txBody>
           <a:bodyPr/>
-          <a:p>
-            <a:pPr fontAlgn="base" indent="0" marL="114300">
+          <a:lstStyle/>
+          <a:p>
+            <a:pPr marL="114300" indent="0" fontAlgn="base">
               <a:lnSpc>
                 <a:spcPct val="150000"/>
               </a:lnSpc>
               <a:buNone/>
             </a:pPr>
             <a:r>
-              <a:rPr b="1" dirty="0" lang="en-IN">
+              <a:rPr lang="en-IN" b="1" dirty="0">
                 <a:latin typeface="Times New Roman" pitchFamily="18" charset="0"/>
                 <a:cs typeface="Times New Roman" pitchFamily="18" charset="0"/>
               </a:rPr>
@@ -9487,14 +10208,14 @@
               </a:lnSpc>
             </a:pPr>
             <a:r>
-              <a:rPr dirty="0" lang="en-IN">
+              <a:rPr lang="en-IN" dirty="0">
                 <a:latin typeface="Times New Roman" pitchFamily="18" charset="0"/>
                 <a:cs typeface="Times New Roman" pitchFamily="18" charset="0"/>
               </a:rPr>
               <a:t>Google accelerates the speed of Angular 7 for a huge scrollable list</a:t>
             </a:r>
             <a:r>
-              <a:rPr dirty="0" lang="en-IN" smtClean="0">
+              <a:rPr lang="en-IN" dirty="0" smtClean="0">
                 <a:latin typeface="Times New Roman" pitchFamily="18" charset="0"/>
                 <a:cs typeface="Times New Roman" pitchFamily="18" charset="0"/>
               </a:rPr>
@@ -9502,14 +10223,14 @@
             </a:r>
           </a:p>
           <a:p>
-            <a:pPr fontAlgn="base" indent="0" marL="114300">
+            <a:pPr marL="114300" indent="0" fontAlgn="base">
               <a:lnSpc>
                 <a:spcPct val="150000"/>
               </a:lnSpc>
               <a:buNone/>
             </a:pPr>
             <a:r>
-              <a:rPr b="1" dirty="0" lang="en-IN">
+              <a:rPr lang="en-IN" b="1" dirty="0">
                 <a:latin typeface="Times New Roman" pitchFamily="18" charset="0"/>
                 <a:cs typeface="Times New Roman" pitchFamily="18" charset="0"/>
               </a:rPr>
@@ -9523,28 +10244,28 @@
               </a:lnSpc>
             </a:pPr>
             <a:r>
-              <a:rPr dirty="0" lang="en-IN">
+              <a:rPr lang="en-IN" dirty="0">
                 <a:latin typeface="Times New Roman" pitchFamily="18" charset="0"/>
                 <a:cs typeface="Times New Roman" pitchFamily="18" charset="0"/>
               </a:rPr>
               <a:t>We’re starting with a pretty simple example of a table using a </a:t>
             </a:r>
             <a:r>
-              <a:rPr b="1" dirty="0" lang="en-IN">
+              <a:rPr lang="en-IN" b="1" dirty="0">
                 <a:latin typeface="Times New Roman" pitchFamily="18" charset="0"/>
                 <a:cs typeface="Times New Roman" pitchFamily="18" charset="0"/>
               </a:rPr>
               <a:t>*</a:t>
             </a:r>
             <a:r>
-              <a:rPr b="1" dirty="0" lang="en-IN" err="1">
+              <a:rPr lang="en-IN" b="1" dirty="0" err="1">
                 <a:latin typeface="Times New Roman" pitchFamily="18" charset="0"/>
                 <a:cs typeface="Times New Roman" pitchFamily="18" charset="0"/>
               </a:rPr>
               <a:t>ngFor</a:t>
             </a:r>
             <a:r>
-              <a:rPr dirty="0" lang="en-IN">
+              <a:rPr lang="en-IN" dirty="0">
                 <a:latin typeface="Times New Roman" pitchFamily="18" charset="0"/>
                 <a:cs typeface="Times New Roman" pitchFamily="18" charset="0"/>
               </a:rPr>
@@ -9557,7 +10278,7 @@
                 <a:spcPct val="150000"/>
               </a:lnSpc>
             </a:pPr>
-            <a:endParaRPr dirty="0" lang="en-IN">
+            <a:endParaRPr lang="en-IN" dirty="0">
               <a:latin typeface="Times New Roman" pitchFamily="18" charset="0"/>
               <a:cs typeface="Times New Roman" pitchFamily="18" charset="0"/>
             </a:endParaRPr>
@@ -9568,7 +10289,7 @@
                 <a:spcPct val="150000"/>
               </a:lnSpc>
             </a:pPr>
-            <a:endParaRPr dirty="0" lang="en-IN">
+            <a:endParaRPr lang="en-IN" dirty="0">
               <a:latin typeface="Times New Roman" pitchFamily="18" charset="0"/>
               <a:cs typeface="Times New Roman" pitchFamily="18" charset="0"/>
             </a:endParaRPr>
@@ -9576,6 +10297,11 @@
         </p:txBody>
       </p:sp>
     </p:spTree>
+    <p:extLst>
+      <p:ext uri="{BB962C8B-B14F-4D97-AF65-F5344CB8AC3E}">
+        <p14:creationId xmlns:p14="http://schemas.microsoft.com/office/powerpoint/2010/main" val="2699488062"/>
+      </p:ext>
+    </p:extLst>
   </p:cSld>
   <p:clrMapOvr>
     <a:masterClrMapping/>
@@ -9739,7 +10465,7 @@
         </a:effectStyle>
         <a:effectStyle>
           <a:effectLst>
-            <a:outerShdw algn="bl" blurRad="50800" dist="25400" rotWithShape="0">
+            <a:outerShdw blurRad="50800" dist="25400" algn="bl" rotWithShape="0">
               <a:srgbClr val="000000">
                 <a:alpha val="60000"/>
               </a:srgbClr>
@@ -9752,7 +10478,7 @@
             <a:camera prst="orthographicFront">
               <a:rot lat="0" lon="0" rev="0"/>
             </a:camera>
-            <a:lightRig dir="tl" rig="brightRoom">
+            <a:lightRig rig="brightRoom" dir="tl">
               <a:rot lat="0" lon="0" rev="1800000"/>
             </a:lightRig>
           </a:scene3d>
@@ -9806,264 +10532,12 @@
               </a:schemeClr>
             </a:duotone>
           </a:blip>
-          <a:tile algn="tl" flip="none" sx="32000" sy="32000" tx="0" ty="0"/>
+          <a:tile tx="0" ty="0" sx="32000" sy="32000" flip="none" algn="tl"/>
         </a:blipFill>
       </a:bgFillStyleLst>
     </a:fmtScheme>
   </a:themeElements>
-</a:theme>
-</file>
-
-<file path=ppt/theme/theme2.xml><?xml version="1.0" encoding="utf-8"?>
-<a:theme xmlns:a="http://schemas.openxmlformats.org/drawingml/2006/main" name="Office 主题">
-  <a:themeElements>
-    <a:clrScheme name="Office">
-      <a:dk1>
-        <a:sysClr lastClr="000000" val="windowText"/>
-      </a:dk1>
-      <a:lt1>
-        <a:sysClr lastClr="FFFFFF" val="window"/>
-      </a:lt1>
-      <a:dk2>
-        <a:srgbClr val="44546A"/>
-      </a:dk2>
-      <a:lt2>
-        <a:srgbClr val="E7E6E6"/>
-      </a:lt2>
-      <a:accent1>
-        <a:srgbClr val="5B9BD5"/>
-      </a:accent1>
-      <a:accent2>
-        <a:srgbClr val="ED7D31"/>
-      </a:accent2>
-      <a:accent3>
-        <a:srgbClr val="A5A5A5"/>
-      </a:accent3>
-      <a:accent4>
-        <a:srgbClr val="FFC000"/>
-      </a:accent4>
-      <a:accent5>
-        <a:srgbClr val="4472C4"/>
-      </a:accent5>
-      <a:accent6>
-        <a:srgbClr val="70AD47"/>
-      </a:accent6>
-      <a:hlink>
-        <a:srgbClr val="0563C1"/>
-      </a:hlink>
-      <a:folHlink>
-        <a:srgbClr val="954F72"/>
-      </a:folHlink>
-    </a:clrScheme>
-    <a:fontScheme name="Office">
-      <a:majorFont>
-        <a:latin typeface="Calibri Light" panose="020F0302020204030204"/>
-        <a:ea typeface=""/>
-        <a:cs typeface=""/>
-        <a:font script="Jpan" typeface="ＭＳ Ｐゴシック"/>
-        <a:font script="Hang" typeface="맑은 고딕"/>
-        <a:font script="Hans" typeface="宋体"/>
-        <a:font script="Hant" typeface="新細明體"/>
-        <a:font script="Arab" typeface="Times New Roman"/>
-        <a:font script="Hebr" typeface="Times New Roman"/>
-        <a:font script="Thai" typeface="Angsana New"/>
-        <a:font script="Ethi" typeface="Nyala"/>
-        <a:font script="Beng" typeface="Vrinda"/>
-        <a:font script="Gujr" typeface="Shruti"/>
-        <a:font script="Khmr" typeface="MoolBoran"/>
-        <a:font script="Knda" typeface="Tunga"/>
-        <a:font script="Guru" typeface="Raavi"/>
-        <a:font script="Cans" typeface="Euphemia"/>
-        <a:font script="Cher" typeface="Plantagenet Cherokee"/>
-        <a:font script="Yiii" typeface="Microsoft Yi Baiti"/>
-        <a:font script="Tibt" typeface="Microsoft Himalaya"/>
-        <a:font script="Thaa" typeface="MV Boli"/>
-        <a:font script="Deva" typeface="Mangal"/>
-        <a:font script="Telu" typeface="Gautami"/>
-        <a:font script="Taml" typeface="Latha"/>
-        <a:font script="Syrc" typeface="Estrangelo Edessa"/>
-        <a:font script="Orya" typeface="Kalinga"/>
-        <a:font script="Mlym" typeface="Kartika"/>
-        <a:font script="Laoo" typeface="DokChampa"/>
-        <a:font script="Sinh" typeface="Iskoola Pota"/>
-        <a:font script="Mong" typeface="Mongolian Baiti"/>
-        <a:font script="Viet" typeface="Times New Roman"/>
-        <a:font script="Uigh" typeface="Microsoft Uighur"/>
-        <a:font script="Geor" typeface="Sylfaen"/>
-      </a:majorFont>
-      <a:minorFont>
-        <a:latin typeface="Calibri" panose="020F0502020204030204"/>
-        <a:ea typeface=""/>
-        <a:cs typeface=""/>
-        <a:font script="Jpan" typeface="ＭＳ Ｐゴシック"/>
-        <a:font script="Hang" typeface="맑은 고딕"/>
-        <a:font script="Hans" typeface="宋体"/>
-        <a:font script="Hant" typeface="新細明體"/>
-        <a:font script="Arab" typeface="Arial"/>
-        <a:font script="Hebr" typeface="Arial"/>
-        <a:font script="Thai" typeface="Cordia New"/>
-        <a:font script="Ethi" typeface="Nyala"/>
-        <a:font script="Beng" typeface="Vrinda"/>
-        <a:font script="Gujr" typeface="Shruti"/>
-        <a:font script="Khmr" typeface="DaunPenh"/>
-        <a:font script="Knda" typeface="Tunga"/>
-        <a:font script="Guru" typeface="Raavi"/>
-        <a:font script="Cans" typeface="Euphemia"/>
-        <a:font script="Cher" typeface="Plantagenet Cherokee"/>
-        <a:font script="Yiii" typeface="Microsoft Yi Baiti"/>
-        <a:font script="Tibt" typeface="Microsoft Himalaya"/>
-        <a:font script="Thaa" typeface="MV Boli"/>
-        <a:font script="Deva" typeface="Mangal"/>
-        <a:font script="Telu" typeface="Gautami"/>
-        <a:font script="Taml" typeface="Latha"/>
-        <a:font script="Syrc" typeface="Estrangelo Edessa"/>
-        <a:font script="Orya" typeface="Kalinga"/>
-        <a:font script="Mlym" typeface="Kartika"/>
-        <a:font script="Laoo" typeface="DokChampa"/>
-        <a:font script="Sinh" typeface="Iskoola Pota"/>
-        <a:font script="Mong" typeface="Mongolian Baiti"/>
-        <a:font script="Viet" typeface="Arial"/>
-        <a:font script="Uigh" typeface="Microsoft Uighur"/>
-        <a:font script="Geor" typeface="Sylfaen"/>
-      </a:minorFont>
-    </a:fontScheme>
-    <a:fmtScheme name="Office">
-      <a:fillStyleLst>
-        <a:solidFill>
-          <a:schemeClr val="phClr"/>
-        </a:solidFill>
-        <a:gradFill rotWithShape="1">
-          <a:gsLst>
-            <a:gs pos="0">
-              <a:schemeClr val="phClr">
-                <a:lumMod val="110000"/>
-                <a:satMod val="105000"/>
-                <a:tint val="67000"/>
-              </a:schemeClr>
-            </a:gs>
-            <a:gs pos="50000">
-              <a:schemeClr val="phClr">
-                <a:lumMod val="105000"/>
-                <a:satMod val="103000"/>
-                <a:tint val="73000"/>
-              </a:schemeClr>
-            </a:gs>
-            <a:gs pos="100000">
-              <a:schemeClr val="phClr">
-                <a:lumMod val="105000"/>
-                <a:satMod val="109000"/>
-                <a:tint val="81000"/>
-              </a:schemeClr>
-            </a:gs>
-          </a:gsLst>
-          <a:lin ang="5400000" scaled="0"/>
-        </a:gradFill>
-        <a:gradFill rotWithShape="1">
-          <a:gsLst>
-            <a:gs pos="0">
-              <a:schemeClr val="phClr">
-                <a:satMod val="103000"/>
-                <a:lumMod val="102000"/>
-                <a:tint val="94000"/>
-              </a:schemeClr>
-            </a:gs>
-            <a:gs pos="50000">
-              <a:schemeClr val="phClr">
-                <a:satMod val="110000"/>
-                <a:lumMod val="100000"/>
-                <a:shade val="100000"/>
-              </a:schemeClr>
-            </a:gs>
-            <a:gs pos="100000">
-              <a:schemeClr val="phClr">
-                <a:lumMod val="99000"/>
-                <a:satMod val="120000"/>
-                <a:shade val="78000"/>
-              </a:schemeClr>
-            </a:gs>
-          </a:gsLst>
-          <a:lin ang="5400000" scaled="0"/>
-        </a:gradFill>
-      </a:fillStyleLst>
-      <a:lnStyleLst>
-        <a:ln w="6350" cap="flat" cmpd="sng" algn="ctr">
-          <a:solidFill>
-            <a:schemeClr val="phClr"/>
-          </a:solidFill>
-          <a:prstDash val="solid"/>
-          <a:miter lim="800000"/>
-        </a:ln>
-        <a:ln w="12700" cap="flat" cmpd="sng" algn="ctr">
-          <a:solidFill>
-            <a:schemeClr val="phClr"/>
-          </a:solidFill>
-          <a:prstDash val="solid"/>
-          <a:miter lim="800000"/>
-        </a:ln>
-        <a:ln w="19050" cap="flat" cmpd="sng" algn="ctr">
-          <a:solidFill>
-            <a:schemeClr val="phClr"/>
-          </a:solidFill>
-          <a:prstDash val="solid"/>
-          <a:miter lim="800000"/>
-        </a:ln>
-      </a:lnStyleLst>
-      <a:effectStyleLst>
-        <a:effectStyle>
-          <a:effectLst/>
-        </a:effectStyle>
-        <a:effectStyle>
-          <a:effectLst/>
-        </a:effectStyle>
-        <a:effectStyle>
-          <a:effectLst>
-            <a:outerShdw algn="ctr" blurRad="57150" dir="5400000" dist="19050" rotWithShape="0">
-              <a:srgbClr val="000000">
-                <a:alpha val="63000"/>
-              </a:srgbClr>
-            </a:outerShdw>
-          </a:effectLst>
-        </a:effectStyle>
-      </a:effectStyleLst>
-      <a:bgFillStyleLst>
-        <a:solidFill>
-          <a:schemeClr val="phClr"/>
-        </a:solidFill>
-        <a:solidFill>
-          <a:schemeClr val="phClr">
-            <a:tint val="95000"/>
-            <a:satMod val="170000"/>
-          </a:schemeClr>
-        </a:solidFill>
-        <a:gradFill rotWithShape="1">
-          <a:gsLst>
-            <a:gs pos="0">
-              <a:schemeClr val="phClr">
-                <a:tint val="93000"/>
-                <a:satMod val="150000"/>
-                <a:shade val="98000"/>
-                <a:lumMod val="102000"/>
-              </a:schemeClr>
-            </a:gs>
-            <a:gs pos="50000">
-              <a:schemeClr val="phClr">
-                <a:tint val="98000"/>
-                <a:satMod val="130000"/>
-                <a:shade val="90000"/>
-                <a:lumMod val="103000"/>
-              </a:schemeClr>
-            </a:gs>
-            <a:gs pos="100000">
-              <a:schemeClr val="phClr">
-                <a:shade val="63000"/>
-                <a:satMod val="120000"/>
-              </a:schemeClr>
-            </a:gs>
-          </a:gsLst>
-          <a:lin ang="5400000" scaled="0"/>
-        </a:gradFill>
-      </a:bgFillStyleLst>
-    </a:fmtScheme>
-  </a:themeElements>
+  <a:objectDefaults/>
+  <a:extraClrSchemeLst/>
 </a:theme>
 </file>